--- a/EDA_Presentation.pptx
+++ b/EDA_Presentation.pptx
@@ -270,7 +270,7 @@
           <a:p>
             <a:fld id="{313D6DBE-1EC8-4F21-8C1A-F9AC36007C69}" type="datetimeFigureOut">
               <a:rPr lang="en-IN" smtClean="0"/>
-              <a:t>09-03-2022</a:t>
+              <a:t>10-03-2022</a:t>
             </a:fld>
             <a:endParaRPr lang="en-IN"/>
           </a:p>
@@ -435,7 +435,7 @@
           <a:p>
             <a:fld id="{313D6DBE-1EC8-4F21-8C1A-F9AC36007C69}" type="datetimeFigureOut">
               <a:rPr lang="en-IN" smtClean="0"/>
-              <a:t>09-03-2022</a:t>
+              <a:t>10-03-2022</a:t>
             </a:fld>
             <a:endParaRPr lang="en-IN"/>
           </a:p>
@@ -610,7 +610,7 @@
           <a:p>
             <a:fld id="{313D6DBE-1EC8-4F21-8C1A-F9AC36007C69}" type="datetimeFigureOut">
               <a:rPr lang="en-IN" smtClean="0"/>
-              <a:t>09-03-2022</a:t>
+              <a:t>10-03-2022</a:t>
             </a:fld>
             <a:endParaRPr lang="en-IN"/>
           </a:p>
@@ -775,7 +775,7 @@
           <a:p>
             <a:fld id="{313D6DBE-1EC8-4F21-8C1A-F9AC36007C69}" type="datetimeFigureOut">
               <a:rPr lang="en-IN" smtClean="0"/>
-              <a:t>09-03-2022</a:t>
+              <a:t>10-03-2022</a:t>
             </a:fld>
             <a:endParaRPr lang="en-IN"/>
           </a:p>
@@ -1016,7 +1016,7 @@
           <a:p>
             <a:fld id="{313D6DBE-1EC8-4F21-8C1A-F9AC36007C69}" type="datetimeFigureOut">
               <a:rPr lang="en-IN" smtClean="0"/>
-              <a:t>09-03-2022</a:t>
+              <a:t>10-03-2022</a:t>
             </a:fld>
             <a:endParaRPr lang="en-IN"/>
           </a:p>
@@ -1243,7 +1243,7 @@
           <a:p>
             <a:fld id="{313D6DBE-1EC8-4F21-8C1A-F9AC36007C69}" type="datetimeFigureOut">
               <a:rPr lang="en-IN" smtClean="0"/>
-              <a:t>09-03-2022</a:t>
+              <a:t>10-03-2022</a:t>
             </a:fld>
             <a:endParaRPr lang="en-IN"/>
           </a:p>
@@ -1605,7 +1605,7 @@
           <a:p>
             <a:fld id="{313D6DBE-1EC8-4F21-8C1A-F9AC36007C69}" type="datetimeFigureOut">
               <a:rPr lang="en-IN" smtClean="0"/>
-              <a:t>09-03-2022</a:t>
+              <a:t>10-03-2022</a:t>
             </a:fld>
             <a:endParaRPr lang="en-IN"/>
           </a:p>
@@ -1718,7 +1718,7 @@
           <a:p>
             <a:fld id="{313D6DBE-1EC8-4F21-8C1A-F9AC36007C69}" type="datetimeFigureOut">
               <a:rPr lang="en-IN" smtClean="0"/>
-              <a:t>09-03-2022</a:t>
+              <a:t>10-03-2022</a:t>
             </a:fld>
             <a:endParaRPr lang="en-IN"/>
           </a:p>
@@ -1808,7 +1808,7 @@
           <a:p>
             <a:fld id="{313D6DBE-1EC8-4F21-8C1A-F9AC36007C69}" type="datetimeFigureOut">
               <a:rPr lang="en-IN" smtClean="0"/>
-              <a:t>09-03-2022</a:t>
+              <a:t>10-03-2022</a:t>
             </a:fld>
             <a:endParaRPr lang="en-IN"/>
           </a:p>
@@ -2080,7 +2080,7 @@
           <a:p>
             <a:fld id="{313D6DBE-1EC8-4F21-8C1A-F9AC36007C69}" type="datetimeFigureOut">
               <a:rPr lang="en-IN" smtClean="0"/>
-              <a:t>09-03-2022</a:t>
+              <a:t>10-03-2022</a:t>
             </a:fld>
             <a:endParaRPr lang="en-IN"/>
           </a:p>
@@ -2328,7 +2328,7 @@
           <a:p>
             <a:fld id="{313D6DBE-1EC8-4F21-8C1A-F9AC36007C69}" type="datetimeFigureOut">
               <a:rPr lang="en-IN" smtClean="0"/>
-              <a:t>09-03-2022</a:t>
+              <a:t>10-03-2022</a:t>
             </a:fld>
             <a:endParaRPr lang="en-IN"/>
           </a:p>
@@ -2536,7 +2536,7 @@
           <a:p>
             <a:fld id="{313D6DBE-1EC8-4F21-8C1A-F9AC36007C69}" type="datetimeFigureOut">
               <a:rPr lang="en-IN" smtClean="0"/>
-              <a:t>09-03-2022</a:t>
+              <a:t>10-03-2022</a:t>
             </a:fld>
             <a:endParaRPr lang="en-IN"/>
           </a:p>
@@ -3770,13 +3770,13 @@
   <p:clrMapOvr>
     <a:masterClrMapping/>
   </p:clrMapOvr>
-  <mc:AlternateContent xmlns:mc="http://schemas.openxmlformats.org/markup-compatibility/2006">
-    <mc:Choice xmlns:p14="http://schemas.microsoft.com/office/powerpoint/2010/main" Requires="p14">
+  <mc:AlternateContent xmlns:mc="http://schemas.openxmlformats.org/markup-compatibility/2006" xmlns:p14="http://schemas.microsoft.com/office/powerpoint/2010/main">
+    <mc:Choice Requires="p14">
       <p:transition spd="slow" p14:dur="1500">
         <p:cover/>
       </p:transition>
     </mc:Choice>
-    <mc:Fallback>
+    <mc:Fallback xmlns="">
       <p:transition spd="slow">
         <p:cover/>
       </p:transition>
@@ -4214,13 +4214,13 @@
   <p:clrMapOvr>
     <a:masterClrMapping/>
   </p:clrMapOvr>
-  <mc:AlternateContent xmlns:mc="http://schemas.openxmlformats.org/markup-compatibility/2006">
-    <mc:Choice xmlns:p14="http://schemas.microsoft.com/office/powerpoint/2010/main" Requires="p14">
+  <mc:AlternateContent xmlns:mc="http://schemas.openxmlformats.org/markup-compatibility/2006" xmlns:p14="http://schemas.microsoft.com/office/powerpoint/2010/main">
+    <mc:Choice Requires="p14">
       <p:transition spd="slow" p14:dur="1500">
         <p:cover/>
       </p:transition>
     </mc:Choice>
-    <mc:Fallback>
+    <mc:Fallback xmlns="">
       <p:transition spd="slow">
         <p:cover/>
       </p:transition>
@@ -4672,13 +4672,13 @@
   <p:clrMapOvr>
     <a:masterClrMapping/>
   </p:clrMapOvr>
-  <mc:AlternateContent xmlns:mc="http://schemas.openxmlformats.org/markup-compatibility/2006">
-    <mc:Choice xmlns:p14="http://schemas.microsoft.com/office/powerpoint/2010/main" Requires="p14">
+  <mc:AlternateContent xmlns:mc="http://schemas.openxmlformats.org/markup-compatibility/2006" xmlns:p14="http://schemas.microsoft.com/office/powerpoint/2010/main">
+    <mc:Choice Requires="p14">
       <p:transition spd="slow" p14:dur="1500">
         <p:cover/>
       </p:transition>
     </mc:Choice>
-    <mc:Fallback>
+    <mc:Fallback xmlns="">
       <p:transition spd="slow">
         <p:cover/>
       </p:transition>
@@ -5122,13 +5122,13 @@
   <p:clrMapOvr>
     <a:masterClrMapping/>
   </p:clrMapOvr>
-  <mc:AlternateContent xmlns:mc="http://schemas.openxmlformats.org/markup-compatibility/2006">
-    <mc:Choice xmlns:p14="http://schemas.microsoft.com/office/powerpoint/2010/main" Requires="p14">
+  <mc:AlternateContent xmlns:mc="http://schemas.openxmlformats.org/markup-compatibility/2006" xmlns:p14="http://schemas.microsoft.com/office/powerpoint/2010/main">
+    <mc:Choice Requires="p14">
       <p:transition spd="slow" p14:dur="1500">
         <p:cover/>
       </p:transition>
     </mc:Choice>
-    <mc:Fallback>
+    <mc:Fallback xmlns="">
       <p:transition spd="slow">
         <p:cover/>
       </p:transition>
@@ -5598,13 +5598,13 @@
   <p:clrMapOvr>
     <a:masterClrMapping/>
   </p:clrMapOvr>
-  <mc:AlternateContent xmlns:mc="http://schemas.openxmlformats.org/markup-compatibility/2006">
-    <mc:Choice xmlns:p14="http://schemas.microsoft.com/office/powerpoint/2010/main" Requires="p14">
+  <mc:AlternateContent xmlns:mc="http://schemas.openxmlformats.org/markup-compatibility/2006" xmlns:p14="http://schemas.microsoft.com/office/powerpoint/2010/main">
+    <mc:Choice Requires="p14">
       <p:transition spd="slow" p14:dur="1500">
         <p:cover/>
       </p:transition>
     </mc:Choice>
-    <mc:Fallback>
+    <mc:Fallback xmlns="">
       <p:transition spd="slow">
         <p:cover/>
       </p:transition>
@@ -5998,13 +5998,13 @@
   <p:clrMapOvr>
     <a:masterClrMapping/>
   </p:clrMapOvr>
-  <mc:AlternateContent xmlns:mc="http://schemas.openxmlformats.org/markup-compatibility/2006">
-    <mc:Choice xmlns:p14="http://schemas.microsoft.com/office/powerpoint/2010/main" Requires="p14">
+  <mc:AlternateContent xmlns:mc="http://schemas.openxmlformats.org/markup-compatibility/2006" xmlns:p14="http://schemas.microsoft.com/office/powerpoint/2010/main">
+    <mc:Choice Requires="p14">
       <p:transition spd="slow" p14:dur="1500">
         <p:cover/>
       </p:transition>
     </mc:Choice>
-    <mc:Fallback>
+    <mc:Fallback xmlns="">
       <p:transition spd="slow">
         <p:cover/>
       </p:transition>
@@ -6368,13 +6368,13 @@
   <p:clrMapOvr>
     <a:masterClrMapping/>
   </p:clrMapOvr>
-  <mc:AlternateContent xmlns:mc="http://schemas.openxmlformats.org/markup-compatibility/2006">
-    <mc:Choice xmlns:p14="http://schemas.microsoft.com/office/powerpoint/2010/main" Requires="p14">
+  <mc:AlternateContent xmlns:mc="http://schemas.openxmlformats.org/markup-compatibility/2006" xmlns:p14="http://schemas.microsoft.com/office/powerpoint/2010/main">
+    <mc:Choice Requires="p14">
       <p:transition spd="slow" p14:dur="1500">
         <p:cover/>
       </p:transition>
     </mc:Choice>
-    <mc:Fallback>
+    <mc:Fallback xmlns="">
       <p:transition spd="slow">
         <p:cover/>
       </p:transition>
@@ -6737,13 +6737,13 @@
   <p:clrMapOvr>
     <a:masterClrMapping/>
   </p:clrMapOvr>
-  <mc:AlternateContent xmlns:mc="http://schemas.openxmlformats.org/markup-compatibility/2006">
-    <mc:Choice xmlns:p14="http://schemas.microsoft.com/office/powerpoint/2010/main" Requires="p14">
+  <mc:AlternateContent xmlns:mc="http://schemas.openxmlformats.org/markup-compatibility/2006" xmlns:p14="http://schemas.microsoft.com/office/powerpoint/2010/main">
+    <mc:Choice Requires="p14">
       <p:transition spd="slow" p14:dur="1500">
         <p:cover/>
       </p:transition>
     </mc:Choice>
-    <mc:Fallback>
+    <mc:Fallback xmlns="">
       <p:transition spd="slow">
         <p:cover/>
       </p:transition>
@@ -7214,13 +7214,13 @@
   <p:clrMapOvr>
     <a:masterClrMapping/>
   </p:clrMapOvr>
-  <mc:AlternateContent xmlns:mc="http://schemas.openxmlformats.org/markup-compatibility/2006">
-    <mc:Choice xmlns:p14="http://schemas.microsoft.com/office/powerpoint/2010/main" Requires="p14">
+  <mc:AlternateContent xmlns:mc="http://schemas.openxmlformats.org/markup-compatibility/2006" xmlns:p14="http://schemas.microsoft.com/office/powerpoint/2010/main">
+    <mc:Choice Requires="p14">
       <p:transition spd="slow" p14:dur="1500">
         <p:cover/>
       </p:transition>
     </mc:Choice>
-    <mc:Fallback>
+    <mc:Fallback xmlns="">
       <p:transition spd="slow">
         <p:cover/>
       </p:transition>
@@ -7931,13 +7931,13 @@
   <p:clrMapOvr>
     <a:masterClrMapping/>
   </p:clrMapOvr>
-  <mc:AlternateContent xmlns:mc="http://schemas.openxmlformats.org/markup-compatibility/2006">
-    <mc:Choice xmlns:p14="http://schemas.microsoft.com/office/powerpoint/2010/main" Requires="p14">
+  <mc:AlternateContent xmlns:mc="http://schemas.openxmlformats.org/markup-compatibility/2006" xmlns:p14="http://schemas.microsoft.com/office/powerpoint/2010/main">
+    <mc:Choice Requires="p14">
       <p:transition spd="slow" p14:dur="1500">
         <p:cover/>
       </p:transition>
     </mc:Choice>
-    <mc:Fallback>
+    <mc:Fallback xmlns="">
       <p:transition spd="slow">
         <p:cover/>
       </p:transition>
@@ -8672,13 +8672,13 @@
   <p:clrMapOvr>
     <a:masterClrMapping/>
   </p:clrMapOvr>
-  <mc:AlternateContent xmlns:mc="http://schemas.openxmlformats.org/markup-compatibility/2006">
-    <mc:Choice xmlns:p14="http://schemas.microsoft.com/office/powerpoint/2010/main" Requires="p14">
+  <mc:AlternateContent xmlns:mc="http://schemas.openxmlformats.org/markup-compatibility/2006" xmlns:p14="http://schemas.microsoft.com/office/powerpoint/2010/main">
+    <mc:Choice Requires="p14">
       <p:transition spd="slow" p14:dur="1500">
         <p:cover/>
       </p:transition>
     </mc:Choice>
-    <mc:Fallback>
+    <mc:Fallback xmlns="">
       <p:transition spd="slow">
         <p:cover/>
       </p:transition>
@@ -9112,13 +9112,13 @@
   <p:clrMapOvr>
     <a:masterClrMapping/>
   </p:clrMapOvr>
-  <mc:AlternateContent xmlns:mc="http://schemas.openxmlformats.org/markup-compatibility/2006">
-    <mc:Choice xmlns:p14="http://schemas.microsoft.com/office/powerpoint/2010/main" Requires="p14">
+  <mc:AlternateContent xmlns:mc="http://schemas.openxmlformats.org/markup-compatibility/2006" xmlns:p14="http://schemas.microsoft.com/office/powerpoint/2010/main">
+    <mc:Choice Requires="p14">
       <p:transition spd="slow" p14:dur="1500">
         <p:cover/>
       </p:transition>
     </mc:Choice>
-    <mc:Fallback>
+    <mc:Fallback xmlns="">
       <p:transition spd="slow">
         <p:cover/>
       </p:transition>
@@ -9412,13 +9412,13 @@
   <p:clrMapOvr>
     <a:masterClrMapping/>
   </p:clrMapOvr>
-  <mc:AlternateContent xmlns:mc="http://schemas.openxmlformats.org/markup-compatibility/2006">
-    <mc:Choice xmlns:p14="http://schemas.microsoft.com/office/powerpoint/2010/main" Requires="p14">
+  <mc:AlternateContent xmlns:mc="http://schemas.openxmlformats.org/markup-compatibility/2006" xmlns:p14="http://schemas.microsoft.com/office/powerpoint/2010/main">
+    <mc:Choice Requires="p14">
       <p:transition spd="slow" p14:dur="1500">
         <p:cover/>
       </p:transition>
     </mc:Choice>
-    <mc:Fallback>
+    <mc:Fallback xmlns="">
       <p:transition spd="slow">
         <p:cover/>
       </p:transition>
@@ -9887,13 +9887,13 @@
   <p:clrMapOvr>
     <a:masterClrMapping/>
   </p:clrMapOvr>
-  <mc:AlternateContent xmlns:mc="http://schemas.openxmlformats.org/markup-compatibility/2006">
-    <mc:Choice xmlns:p14="http://schemas.microsoft.com/office/powerpoint/2010/main" Requires="p14">
+  <mc:AlternateContent xmlns:mc="http://schemas.openxmlformats.org/markup-compatibility/2006" xmlns:p14="http://schemas.microsoft.com/office/powerpoint/2010/main">
+    <mc:Choice Requires="p14">
       <p:transition spd="slow" p14:dur="1500">
         <p:cover/>
       </p:transition>
     </mc:Choice>
-    <mc:Fallback>
+    <mc:Fallback xmlns="">
       <p:transition spd="slow">
         <p:cover/>
       </p:transition>
@@ -10501,13 +10501,13 @@
   <p:clrMapOvr>
     <a:masterClrMapping/>
   </p:clrMapOvr>
-  <mc:AlternateContent xmlns:mc="http://schemas.openxmlformats.org/markup-compatibility/2006">
-    <mc:Choice xmlns:p14="http://schemas.microsoft.com/office/powerpoint/2010/main" Requires="p14">
+  <mc:AlternateContent xmlns:mc="http://schemas.openxmlformats.org/markup-compatibility/2006" xmlns:p14="http://schemas.microsoft.com/office/powerpoint/2010/main">
+    <mc:Choice Requires="p14">
       <p:transition spd="slow" p14:dur="1500">
         <p:cover/>
       </p:transition>
     </mc:Choice>
-    <mc:Fallback>
+    <mc:Fallback xmlns="">
       <p:transition spd="slow">
         <p:cover/>
       </p:transition>
@@ -10542,7 +10542,7 @@
         <p:spPr>
           <a:xfrm>
             <a:off x="226695" y="236081"/>
-            <a:ext cx="11738610" cy="5647187"/>
+            <a:ext cx="11738610" cy="6196889"/>
           </a:xfrm>
           <a:prstGeom prst="rect">
             <a:avLst/>
@@ -10575,7 +10575,64 @@
             </a:r>
           </a:p>
           <a:p>
-            <a:endParaRPr lang="en-US" sz="2800" b="1" dirty="0">
+            <a:pPr>
+              <a:lnSpc>
+                <a:spcPct val="150000"/>
+              </a:lnSpc>
+            </a:pPr>
+            <a:r>
+              <a:rPr lang="en-US" sz="2800" b="1" i="0" dirty="0">
+                <a:solidFill>
+                  <a:srgbClr val="042D85"/>
+                </a:solidFill>
+                <a:effectLst/>
+                <a:latin typeface="Times New Roman" panose="02020603050405020304" pitchFamily="18" charset="0"/>
+                <a:cs typeface="Times New Roman" panose="02020603050405020304" pitchFamily="18" charset="0"/>
+              </a:rPr>
+              <a:t>df</a:t>
+            </a:r>
+            <a:r>
+              <a:rPr lang="en-US" sz="2800" b="1" i="0" dirty="0">
+                <a:solidFill>
+                  <a:schemeClr val="bg2">
+                    <a:lumMod val="25000"/>
+                  </a:schemeClr>
+                </a:solidFill>
+                <a:effectLst/>
+                <a:latin typeface="Times New Roman" panose="02020603050405020304" pitchFamily="18" charset="0"/>
+                <a:cs typeface="Times New Roman" panose="02020603050405020304" pitchFamily="18" charset="0"/>
+              </a:rPr>
+              <a:t> </a:t>
+            </a:r>
+            <a:endParaRPr lang="en-US" sz="2800" b="1" i="0" dirty="0">
+              <a:solidFill>
+                <a:srgbClr val="042D85"/>
+              </a:solidFill>
+              <a:effectLst/>
+              <a:latin typeface="Times New Roman" panose="02020603050405020304" pitchFamily="18" charset="0"/>
+              <a:cs typeface="Times New Roman" panose="02020603050405020304" pitchFamily="18" charset="0"/>
+            </a:endParaRPr>
+          </a:p>
+          <a:p>
+            <a:pPr>
+              <a:lnSpc>
+                <a:spcPct val="150000"/>
+              </a:lnSpc>
+            </a:pPr>
+            <a:r>
+              <a:rPr lang="en-US" sz="2400" i="0" dirty="0">
+                <a:solidFill>
+                  <a:srgbClr val="042D85"/>
+                </a:solidFill>
+                <a:effectLst/>
+                <a:latin typeface="Times New Roman" panose="02020603050405020304" pitchFamily="18" charset="0"/>
+                <a:cs typeface="Times New Roman" panose="02020603050405020304" pitchFamily="18" charset="0"/>
+              </a:rPr>
+              <a:t>It contains all the information regarding Play Store Applications, category, size, price, type, genres, version, installs, ratings and reviews of applications.</a:t>
+            </a:r>
+          </a:p>
+          <a:p>
+            <a:endParaRPr lang="en-US" sz="2400" b="1" dirty="0">
               <a:ln w="0"/>
               <a:gradFill>
                 <a:gsLst>
@@ -10606,7 +10663,7 @@
               </a:lnSpc>
             </a:pPr>
             <a:r>
-              <a:rPr lang="en-US" sz="3200" b="1" dirty="0" err="1">
+              <a:rPr lang="en-US" sz="2800" b="1" dirty="0" err="1">
                 <a:ln w="0"/>
                 <a:gradFill>
                   <a:gsLst>
@@ -10632,7 +10689,7 @@
               <a:t>user_review_df</a:t>
             </a:r>
             <a:r>
-              <a:rPr lang="en-US" sz="3200" b="1" dirty="0">
+              <a:rPr lang="en-US" sz="2800" b="1" dirty="0">
                 <a:ln w="0"/>
                 <a:gradFill>
                   <a:gsLst>
@@ -10665,7 +10722,7 @@
               </a:lnSpc>
             </a:pPr>
             <a:r>
-              <a:rPr lang="en-US" sz="2800" dirty="0">
+              <a:rPr lang="en-US" sz="2400" dirty="0">
                 <a:ln w="0"/>
                 <a:gradFill>
                   <a:gsLst>
@@ -10697,7 +10754,7 @@
                 <a:spcPct val="150000"/>
               </a:lnSpc>
             </a:pPr>
-            <a:endParaRPr lang="en-US" sz="2000" b="1" dirty="0">
+            <a:endParaRPr lang="en-US" b="1" dirty="0">
               <a:ln w="0"/>
               <a:gradFill>
                 <a:gsLst>
@@ -10728,7 +10785,7 @@
               </a:lnSpc>
             </a:pPr>
             <a:r>
-              <a:rPr lang="en-US" sz="3200" b="1" dirty="0" err="1">
+              <a:rPr lang="en-US" sz="2800" b="1" dirty="0" err="1">
                 <a:ln w="0"/>
                 <a:gradFill>
                   <a:gsLst>
@@ -10754,7 +10811,7 @@
               <a:t>merged_df</a:t>
             </a:r>
             <a:r>
-              <a:rPr lang="en-US" sz="3200" b="1" dirty="0">
+              <a:rPr lang="en-US" sz="2800" b="1" dirty="0">
                 <a:ln w="0"/>
                 <a:gradFill>
                   <a:gsLst>
@@ -10787,7 +10844,7 @@
               </a:lnSpc>
             </a:pPr>
             <a:r>
-              <a:rPr lang="en-US" sz="2800" dirty="0">
+              <a:rPr lang="en-US" sz="2400" dirty="0">
                 <a:ln w="0"/>
                 <a:gradFill>
                   <a:gsLst>
@@ -10812,7 +10869,7 @@
               </a:rPr>
               <a:t>It contains combined information of all applications and user reviews sentiments.</a:t>
             </a:r>
-            <a:endParaRPr lang="en-US" sz="2800" b="1" dirty="0">
+            <a:endParaRPr lang="en-US" sz="2400" b="1" dirty="0">
               <a:ln w="0"/>
               <a:gradFill>
                 <a:gsLst>
@@ -10884,13 +10941,13 @@
   <p:clrMapOvr>
     <a:masterClrMapping/>
   </p:clrMapOvr>
-  <mc:AlternateContent xmlns:mc="http://schemas.openxmlformats.org/markup-compatibility/2006">
-    <mc:Choice xmlns:p14="http://schemas.microsoft.com/office/powerpoint/2010/main" Requires="p14">
+  <mc:AlternateContent xmlns:mc="http://schemas.openxmlformats.org/markup-compatibility/2006" xmlns:p14="http://schemas.microsoft.com/office/powerpoint/2010/main">
+    <mc:Choice Requires="p14">
       <p:transition spd="slow" p14:dur="1500">
         <p:cover/>
       </p:transition>
     </mc:Choice>
-    <mc:Fallback>
+    <mc:Fallback xmlns="">
       <p:transition spd="slow">
         <p:cover/>
       </p:transition>
@@ -11434,13 +11491,13 @@
   <p:clrMapOvr>
     <a:masterClrMapping/>
   </p:clrMapOvr>
-  <mc:AlternateContent xmlns:mc="http://schemas.openxmlformats.org/markup-compatibility/2006">
-    <mc:Choice xmlns:p14="http://schemas.microsoft.com/office/powerpoint/2010/main" Requires="p14">
+  <mc:AlternateContent xmlns:mc="http://schemas.openxmlformats.org/markup-compatibility/2006" xmlns:p14="http://schemas.microsoft.com/office/powerpoint/2010/main">
+    <mc:Choice Requires="p14">
       <p:transition spd="slow" p14:dur="1500">
         <p:cover/>
       </p:transition>
     </mc:Choice>
-    <mc:Fallback>
+    <mc:Fallback xmlns="">
       <p:transition spd="slow">
         <p:cover/>
       </p:transition>
@@ -11883,13 +11940,13 @@
   <p:clrMapOvr>
     <a:masterClrMapping/>
   </p:clrMapOvr>
-  <mc:AlternateContent xmlns:mc="http://schemas.openxmlformats.org/markup-compatibility/2006">
-    <mc:Choice xmlns:p14="http://schemas.microsoft.com/office/powerpoint/2010/main" Requires="p14">
+  <mc:AlternateContent xmlns:mc="http://schemas.openxmlformats.org/markup-compatibility/2006" xmlns:p14="http://schemas.microsoft.com/office/powerpoint/2010/main">
+    <mc:Choice Requires="p14">
       <p:transition spd="slow" p14:dur="1500">
         <p:cover/>
       </p:transition>
     </mc:Choice>
-    <mc:Fallback>
+    <mc:Fallback xmlns="">
       <p:transition spd="slow">
         <p:cover/>
       </p:transition>
@@ -12324,13 +12381,13 @@
   <p:clrMapOvr>
     <a:masterClrMapping/>
   </p:clrMapOvr>
-  <mc:AlternateContent xmlns:mc="http://schemas.openxmlformats.org/markup-compatibility/2006">
-    <mc:Choice xmlns:p14="http://schemas.microsoft.com/office/powerpoint/2010/main" Requires="p14">
+  <mc:AlternateContent xmlns:mc="http://schemas.openxmlformats.org/markup-compatibility/2006" xmlns:p14="http://schemas.microsoft.com/office/powerpoint/2010/main">
+    <mc:Choice Requires="p14">
       <p:transition spd="slow" p14:dur="1500">
         <p:cover/>
       </p:transition>
     </mc:Choice>
-    <mc:Fallback>
+    <mc:Fallback xmlns="">
       <p:transition spd="slow">
         <p:cover/>
       </p:transition>
@@ -12808,13 +12865,13 @@
   <p:clrMapOvr>
     <a:masterClrMapping/>
   </p:clrMapOvr>
-  <mc:AlternateContent xmlns:mc="http://schemas.openxmlformats.org/markup-compatibility/2006">
-    <mc:Choice xmlns:p14="http://schemas.microsoft.com/office/powerpoint/2010/main" Requires="p14">
+  <mc:AlternateContent xmlns:mc="http://schemas.openxmlformats.org/markup-compatibility/2006" xmlns:p14="http://schemas.microsoft.com/office/powerpoint/2010/main">
+    <mc:Choice Requires="p14">
       <p:transition spd="slow" p14:dur="1500">
         <p:cover/>
       </p:transition>
     </mc:Choice>
-    <mc:Fallback>
+    <mc:Fallback xmlns="">
       <p:transition spd="slow">
         <p:cover/>
       </p:transition>
@@ -13246,13 +13303,13 @@
   <p:clrMapOvr>
     <a:masterClrMapping/>
   </p:clrMapOvr>
-  <mc:AlternateContent xmlns:mc="http://schemas.openxmlformats.org/markup-compatibility/2006">
-    <mc:Choice xmlns:p14="http://schemas.microsoft.com/office/powerpoint/2010/main" Requires="p14">
+  <mc:AlternateContent xmlns:mc="http://schemas.openxmlformats.org/markup-compatibility/2006" xmlns:p14="http://schemas.microsoft.com/office/powerpoint/2010/main">
+    <mc:Choice Requires="p14">
       <p:transition spd="slow" p14:dur="1500">
         <p:cover/>
       </p:transition>
     </mc:Choice>
-    <mc:Fallback>
+    <mc:Fallback xmlns="">
       <p:transition spd="slow">
         <p:cover/>
       </p:transition>

--- a/EDA_Presentation.pptx
+++ b/EDA_Presentation.pptx
@@ -10,23 +10,24 @@
     <p:sldId id="258" r:id="rId4"/>
     <p:sldId id="259" r:id="rId5"/>
     <p:sldId id="260" r:id="rId6"/>
-    <p:sldId id="267" r:id="rId7"/>
-    <p:sldId id="268" r:id="rId8"/>
-    <p:sldId id="269" r:id="rId9"/>
-    <p:sldId id="270" r:id="rId10"/>
-    <p:sldId id="271" r:id="rId11"/>
-    <p:sldId id="272" r:id="rId12"/>
-    <p:sldId id="273" r:id="rId13"/>
-    <p:sldId id="274" r:id="rId14"/>
-    <p:sldId id="275" r:id="rId15"/>
-    <p:sldId id="276" r:id="rId16"/>
-    <p:sldId id="277" r:id="rId17"/>
-    <p:sldId id="278" r:id="rId18"/>
-    <p:sldId id="279" r:id="rId19"/>
-    <p:sldId id="280" r:id="rId20"/>
-    <p:sldId id="281" r:id="rId21"/>
-    <p:sldId id="283" r:id="rId22"/>
-    <p:sldId id="282" r:id="rId23"/>
+    <p:sldId id="285" r:id="rId7"/>
+    <p:sldId id="267" r:id="rId8"/>
+    <p:sldId id="268" r:id="rId9"/>
+    <p:sldId id="269" r:id="rId10"/>
+    <p:sldId id="270" r:id="rId11"/>
+    <p:sldId id="271" r:id="rId12"/>
+    <p:sldId id="272" r:id="rId13"/>
+    <p:sldId id="273" r:id="rId14"/>
+    <p:sldId id="274" r:id="rId15"/>
+    <p:sldId id="275" r:id="rId16"/>
+    <p:sldId id="276" r:id="rId17"/>
+    <p:sldId id="277" r:id="rId18"/>
+    <p:sldId id="278" r:id="rId19"/>
+    <p:sldId id="279" r:id="rId20"/>
+    <p:sldId id="280" r:id="rId21"/>
+    <p:sldId id="281" r:id="rId22"/>
+    <p:sldId id="283" r:id="rId23"/>
+    <p:sldId id="282" r:id="rId24"/>
   </p:sldIdLst>
   <p:sldSz cx="12192000" cy="6858000"/>
   <p:notesSz cx="6858000" cy="9144000"/>
@@ -270,7 +271,7 @@
           <a:p>
             <a:fld id="{313D6DBE-1EC8-4F21-8C1A-F9AC36007C69}" type="datetimeFigureOut">
               <a:rPr lang="en-IN" smtClean="0"/>
-              <a:t>10-03-2022</a:t>
+              <a:t>04-05-2022</a:t>
             </a:fld>
             <a:endParaRPr lang="en-IN"/>
           </a:p>
@@ -435,7 +436,7 @@
           <a:p>
             <a:fld id="{313D6DBE-1EC8-4F21-8C1A-F9AC36007C69}" type="datetimeFigureOut">
               <a:rPr lang="en-IN" smtClean="0"/>
-              <a:t>10-03-2022</a:t>
+              <a:t>04-05-2022</a:t>
             </a:fld>
             <a:endParaRPr lang="en-IN"/>
           </a:p>
@@ -610,7 +611,7 @@
           <a:p>
             <a:fld id="{313D6DBE-1EC8-4F21-8C1A-F9AC36007C69}" type="datetimeFigureOut">
               <a:rPr lang="en-IN" smtClean="0"/>
-              <a:t>10-03-2022</a:t>
+              <a:t>04-05-2022</a:t>
             </a:fld>
             <a:endParaRPr lang="en-IN"/>
           </a:p>
@@ -775,7 +776,7 @@
           <a:p>
             <a:fld id="{313D6DBE-1EC8-4F21-8C1A-F9AC36007C69}" type="datetimeFigureOut">
               <a:rPr lang="en-IN" smtClean="0"/>
-              <a:t>10-03-2022</a:t>
+              <a:t>04-05-2022</a:t>
             </a:fld>
             <a:endParaRPr lang="en-IN"/>
           </a:p>
@@ -1016,7 +1017,7 @@
           <a:p>
             <a:fld id="{313D6DBE-1EC8-4F21-8C1A-F9AC36007C69}" type="datetimeFigureOut">
               <a:rPr lang="en-IN" smtClean="0"/>
-              <a:t>10-03-2022</a:t>
+              <a:t>04-05-2022</a:t>
             </a:fld>
             <a:endParaRPr lang="en-IN"/>
           </a:p>
@@ -1243,7 +1244,7 @@
           <a:p>
             <a:fld id="{313D6DBE-1EC8-4F21-8C1A-F9AC36007C69}" type="datetimeFigureOut">
               <a:rPr lang="en-IN" smtClean="0"/>
-              <a:t>10-03-2022</a:t>
+              <a:t>04-05-2022</a:t>
             </a:fld>
             <a:endParaRPr lang="en-IN"/>
           </a:p>
@@ -1605,7 +1606,7 @@
           <a:p>
             <a:fld id="{313D6DBE-1EC8-4F21-8C1A-F9AC36007C69}" type="datetimeFigureOut">
               <a:rPr lang="en-IN" smtClean="0"/>
-              <a:t>10-03-2022</a:t>
+              <a:t>04-05-2022</a:t>
             </a:fld>
             <a:endParaRPr lang="en-IN"/>
           </a:p>
@@ -1718,7 +1719,7 @@
           <a:p>
             <a:fld id="{313D6DBE-1EC8-4F21-8C1A-F9AC36007C69}" type="datetimeFigureOut">
               <a:rPr lang="en-IN" smtClean="0"/>
-              <a:t>10-03-2022</a:t>
+              <a:t>04-05-2022</a:t>
             </a:fld>
             <a:endParaRPr lang="en-IN"/>
           </a:p>
@@ -1808,7 +1809,7 @@
           <a:p>
             <a:fld id="{313D6DBE-1EC8-4F21-8C1A-F9AC36007C69}" type="datetimeFigureOut">
               <a:rPr lang="en-IN" smtClean="0"/>
-              <a:t>10-03-2022</a:t>
+              <a:t>04-05-2022</a:t>
             </a:fld>
             <a:endParaRPr lang="en-IN"/>
           </a:p>
@@ -2080,7 +2081,7 @@
           <a:p>
             <a:fld id="{313D6DBE-1EC8-4F21-8C1A-F9AC36007C69}" type="datetimeFigureOut">
               <a:rPr lang="en-IN" smtClean="0"/>
-              <a:t>10-03-2022</a:t>
+              <a:t>04-05-2022</a:t>
             </a:fld>
             <a:endParaRPr lang="en-IN"/>
           </a:p>
@@ -2328,7 +2329,7 @@
           <a:p>
             <a:fld id="{313D6DBE-1EC8-4F21-8C1A-F9AC36007C69}" type="datetimeFigureOut">
               <a:rPr lang="en-IN" smtClean="0"/>
-              <a:t>10-03-2022</a:t>
+              <a:t>04-05-2022</a:t>
             </a:fld>
             <a:endParaRPr lang="en-IN"/>
           </a:p>
@@ -2536,7 +2537,7 @@
           <a:p>
             <a:fld id="{313D6DBE-1EC8-4F21-8C1A-F9AC36007C69}" type="datetimeFigureOut">
               <a:rPr lang="en-IN" smtClean="0"/>
-              <a:t>10-03-2022</a:t>
+              <a:t>04-05-2022</a:t>
             </a:fld>
             <a:endParaRPr lang="en-IN"/>
           </a:p>
@@ -3181,7 +3182,7 @@
           <a:p>
             <a:pPr algn="ctr"/>
             <a:r>
-              <a:rPr lang="en-US" sz="2800" dirty="0" err="1">
+              <a:rPr lang="en-US" sz="2800" dirty="0">
                 <a:ln w="0"/>
                 <a:solidFill>
                   <a:schemeClr val="accent1">
@@ -3198,10 +3199,13 @@
                 <a:latin typeface="Times New Roman" panose="02020603050405020304" pitchFamily="18" charset="0"/>
                 <a:cs typeface="Times New Roman" panose="02020603050405020304" pitchFamily="18" charset="0"/>
               </a:rPr>
-              <a:t>Rabista</a:t>
-            </a:r>
-            <a:r>
-              <a:rPr lang="en-US" sz="2800" dirty="0">
+              <a:t>Vivek Chandrakant Pawar</a:t>
+            </a:r>
+          </a:p>
+          <a:p>
+            <a:pPr algn="ctr"/>
+            <a:r>
+              <a:rPr lang="en-US" sz="2800" dirty="0" err="1">
                 <a:ln w="0"/>
                 <a:solidFill>
                   <a:schemeClr val="accent1">
@@ -3218,10 +3222,10 @@
                 <a:latin typeface="Times New Roman" panose="02020603050405020304" pitchFamily="18" charset="0"/>
                 <a:cs typeface="Times New Roman" panose="02020603050405020304" pitchFamily="18" charset="0"/>
               </a:rPr>
-              <a:t> </a:t>
-            </a:r>
-            <a:r>
-              <a:rPr lang="en-US" sz="2800" dirty="0" err="1">
+              <a:t>Rabista</a:t>
+            </a:r>
+            <a:r>
+              <a:rPr lang="en-US" sz="2800" dirty="0">
                 <a:ln w="0"/>
                 <a:solidFill>
                   <a:schemeClr val="accent1">
@@ -3238,30 +3242,10 @@
                 <a:latin typeface="Times New Roman" panose="02020603050405020304" pitchFamily="18" charset="0"/>
                 <a:cs typeface="Times New Roman" panose="02020603050405020304" pitchFamily="18" charset="0"/>
               </a:rPr>
-              <a:t>Parween</a:t>
-            </a:r>
-            <a:endParaRPr lang="en-US" sz="2800" cap="none" spc="0" dirty="0">
-              <a:ln w="0"/>
-              <a:solidFill>
-                <a:schemeClr val="accent1">
-                  <a:lumMod val="50000"/>
-                </a:schemeClr>
-              </a:solidFill>
-              <a:effectLst>
-                <a:outerShdw blurRad="38100" dist="19050" dir="2700000" algn="tl" rotWithShape="0">
-                  <a:schemeClr val="dk1">
-                    <a:alpha val="40000"/>
-                  </a:schemeClr>
-                </a:outerShdw>
-              </a:effectLst>
-              <a:latin typeface="Times New Roman" panose="02020603050405020304" pitchFamily="18" charset="0"/>
-              <a:cs typeface="Times New Roman" panose="02020603050405020304" pitchFamily="18" charset="0"/>
-            </a:endParaRPr>
-          </a:p>
-          <a:p>
-            <a:pPr algn="ctr"/>
-            <a:r>
-              <a:rPr lang="en-US" sz="2800" dirty="0">
+              <a:t> </a:t>
+            </a:r>
+            <a:r>
+              <a:rPr lang="en-US" sz="2800" dirty="0" err="1">
                 <a:ln w="0"/>
                 <a:solidFill>
                   <a:schemeClr val="accent1">
@@ -3278,8 +3262,25 @@
                 <a:latin typeface="Times New Roman" panose="02020603050405020304" pitchFamily="18" charset="0"/>
                 <a:cs typeface="Times New Roman" panose="02020603050405020304" pitchFamily="18" charset="0"/>
               </a:rPr>
-              <a:t>Vivek Chandrakant Pawar</a:t>
-            </a:r>
+              <a:t>Parween</a:t>
+            </a:r>
+            <a:endParaRPr lang="en-US" sz="2800" dirty="0">
+              <a:ln w="0"/>
+              <a:solidFill>
+                <a:schemeClr val="accent1">
+                  <a:lumMod val="50000"/>
+                </a:schemeClr>
+              </a:solidFill>
+              <a:effectLst>
+                <a:outerShdw blurRad="38100" dist="19050" dir="2700000" algn="tl" rotWithShape="0">
+                  <a:schemeClr val="dk1">
+                    <a:alpha val="40000"/>
+                  </a:schemeClr>
+                </a:outerShdw>
+              </a:effectLst>
+              <a:latin typeface="Times New Roman" panose="02020603050405020304" pitchFamily="18" charset="0"/>
+              <a:cs typeface="Times New Roman" panose="02020603050405020304" pitchFamily="18" charset="0"/>
+            </a:endParaRPr>
           </a:p>
           <a:p>
             <a:pPr algn="ctr"/>
@@ -3306,26 +3307,23 @@
           </a:p>
           <a:p>
             <a:pPr algn="ctr"/>
-            <a:r>
-              <a:rPr lang="en-US" sz="2800" dirty="0">
-                <a:ln w="0"/>
-                <a:solidFill>
-                  <a:schemeClr val="accent1">
-                    <a:lumMod val="50000"/>
-                  </a:schemeClr>
-                </a:solidFill>
-                <a:effectLst>
-                  <a:outerShdw blurRad="38100" dist="19050" dir="2700000" algn="tl" rotWithShape="0">
-                    <a:schemeClr val="dk1">
-                      <a:alpha val="40000"/>
-                    </a:schemeClr>
-                  </a:outerShdw>
-                </a:effectLst>
-                <a:latin typeface="Times New Roman" panose="02020603050405020304" pitchFamily="18" charset="0"/>
-                <a:cs typeface="Times New Roman" panose="02020603050405020304" pitchFamily="18" charset="0"/>
-              </a:rPr>
-              <a:t>Prabhat Ranjan</a:t>
-            </a:r>
+            <a:endParaRPr lang="en-US" sz="2800" dirty="0">
+              <a:ln w="0"/>
+              <a:solidFill>
+                <a:schemeClr val="accent1">
+                  <a:lumMod val="50000"/>
+                </a:schemeClr>
+              </a:solidFill>
+              <a:effectLst>
+                <a:outerShdw blurRad="38100" dist="19050" dir="2700000" algn="tl" rotWithShape="0">
+                  <a:schemeClr val="dk1">
+                    <a:alpha val="40000"/>
+                  </a:schemeClr>
+                </a:outerShdw>
+              </a:effectLst>
+              <a:latin typeface="Times New Roman" panose="02020603050405020304" pitchFamily="18" charset="0"/>
+              <a:cs typeface="Times New Roman" panose="02020603050405020304" pitchFamily="18" charset="0"/>
+            </a:endParaRPr>
           </a:p>
           <a:p>
             <a:pPr algn="ctr"/>
@@ -3385,6 +3383,444 @@
         </p:nvSpPr>
         <p:spPr>
           <a:xfrm>
+            <a:off x="226695" y="256505"/>
+            <a:ext cx="11738610" cy="6612388"/>
+          </a:xfrm>
+          <a:prstGeom prst="rect">
+            <a:avLst/>
+          </a:prstGeom>
+          <a:noFill/>
+        </p:spPr>
+        <p:txBody>
+          <a:bodyPr wrap="square" lIns="91440" tIns="45720" rIns="91440" bIns="45720">
+            <a:spAutoFit/>
+          </a:bodyPr>
+          <a:lstStyle/>
+          <a:p>
+            <a:pPr algn="just"/>
+            <a:r>
+              <a:rPr lang="en-US" sz="3200" b="1" dirty="0">
+                <a:ln w="0"/>
+                <a:solidFill>
+                  <a:srgbClr val="C00000"/>
+                </a:solidFill>
+                <a:effectLst>
+                  <a:outerShdw blurRad="38100" dist="19050" dir="2700000" algn="tl" rotWithShape="0">
+                    <a:schemeClr val="dk1">
+                      <a:alpha val="40000"/>
+                    </a:schemeClr>
+                  </a:outerShdw>
+                </a:effectLst>
+                <a:latin typeface="Times New Roman" panose="02020603050405020304" pitchFamily="18" charset="0"/>
+                <a:cs typeface="Times New Roman" panose="02020603050405020304" pitchFamily="18" charset="0"/>
+              </a:rPr>
+              <a:t>Total Number of Application in each category</a:t>
+            </a:r>
+          </a:p>
+          <a:p>
+            <a:pPr algn="just">
+              <a:lnSpc>
+                <a:spcPct val="150000"/>
+              </a:lnSpc>
+            </a:pPr>
+            <a:endParaRPr lang="en-US" sz="2400" b="1" dirty="0">
+              <a:ln w="0"/>
+              <a:gradFill>
+                <a:gsLst>
+                  <a:gs pos="0">
+                    <a:srgbClr val="012D86"/>
+                  </a:gs>
+                  <a:gs pos="100000">
+                    <a:srgbClr val="0E2557"/>
+                  </a:gs>
+                </a:gsLst>
+                <a:lin scaled="0"/>
+              </a:gradFill>
+              <a:effectLst>
+                <a:outerShdw blurRad="38100" dist="19050" dir="2700000" algn="tl" rotWithShape="0">
+                  <a:schemeClr val="dk1">
+                    <a:alpha val="40000"/>
+                  </a:schemeClr>
+                </a:outerShdw>
+              </a:effectLst>
+              <a:latin typeface="Times New Roman" panose="02020603050405020304" pitchFamily="18" charset="0"/>
+              <a:cs typeface="Times New Roman" panose="02020603050405020304" pitchFamily="18" charset="0"/>
+            </a:endParaRPr>
+          </a:p>
+          <a:p>
+            <a:pPr algn="just">
+              <a:lnSpc>
+                <a:spcPct val="150000"/>
+              </a:lnSpc>
+            </a:pPr>
+            <a:endParaRPr lang="en-US" sz="2400" b="1" dirty="0">
+              <a:ln w="0"/>
+              <a:gradFill>
+                <a:gsLst>
+                  <a:gs pos="0">
+                    <a:srgbClr val="012D86"/>
+                  </a:gs>
+                  <a:gs pos="100000">
+                    <a:srgbClr val="0E2557"/>
+                  </a:gs>
+                </a:gsLst>
+                <a:lin scaled="0"/>
+              </a:gradFill>
+              <a:effectLst>
+                <a:outerShdw blurRad="38100" dist="19050" dir="2700000" algn="tl" rotWithShape="0">
+                  <a:schemeClr val="dk1">
+                    <a:alpha val="40000"/>
+                  </a:schemeClr>
+                </a:outerShdw>
+              </a:effectLst>
+              <a:latin typeface="Times New Roman" panose="02020603050405020304" pitchFamily="18" charset="0"/>
+              <a:cs typeface="Times New Roman" panose="02020603050405020304" pitchFamily="18" charset="0"/>
+            </a:endParaRPr>
+          </a:p>
+          <a:p>
+            <a:pPr algn="just">
+              <a:lnSpc>
+                <a:spcPct val="150000"/>
+              </a:lnSpc>
+            </a:pPr>
+            <a:endParaRPr lang="en-US" sz="2400" b="1" dirty="0">
+              <a:ln w="0"/>
+              <a:gradFill>
+                <a:gsLst>
+                  <a:gs pos="0">
+                    <a:srgbClr val="012D86"/>
+                  </a:gs>
+                  <a:gs pos="100000">
+                    <a:srgbClr val="0E2557"/>
+                  </a:gs>
+                </a:gsLst>
+                <a:lin scaled="0"/>
+              </a:gradFill>
+              <a:effectLst>
+                <a:outerShdw blurRad="38100" dist="19050" dir="2700000" algn="tl" rotWithShape="0">
+                  <a:schemeClr val="dk1">
+                    <a:alpha val="40000"/>
+                  </a:schemeClr>
+                </a:outerShdw>
+              </a:effectLst>
+              <a:latin typeface="Times New Roman" panose="02020603050405020304" pitchFamily="18" charset="0"/>
+              <a:cs typeface="Times New Roman" panose="02020603050405020304" pitchFamily="18" charset="0"/>
+            </a:endParaRPr>
+          </a:p>
+          <a:p>
+            <a:pPr algn="just">
+              <a:lnSpc>
+                <a:spcPct val="150000"/>
+              </a:lnSpc>
+            </a:pPr>
+            <a:endParaRPr lang="en-US" sz="2400" b="1" dirty="0">
+              <a:ln w="0"/>
+              <a:gradFill>
+                <a:gsLst>
+                  <a:gs pos="0">
+                    <a:srgbClr val="012D86"/>
+                  </a:gs>
+                  <a:gs pos="100000">
+                    <a:srgbClr val="0E2557"/>
+                  </a:gs>
+                </a:gsLst>
+                <a:lin scaled="0"/>
+              </a:gradFill>
+              <a:effectLst>
+                <a:outerShdw blurRad="38100" dist="19050" dir="2700000" algn="tl" rotWithShape="0">
+                  <a:schemeClr val="dk1">
+                    <a:alpha val="40000"/>
+                  </a:schemeClr>
+                </a:outerShdw>
+              </a:effectLst>
+              <a:latin typeface="Times New Roman" panose="02020603050405020304" pitchFamily="18" charset="0"/>
+              <a:cs typeface="Times New Roman" panose="02020603050405020304" pitchFamily="18" charset="0"/>
+            </a:endParaRPr>
+          </a:p>
+          <a:p>
+            <a:pPr algn="just">
+              <a:lnSpc>
+                <a:spcPct val="150000"/>
+              </a:lnSpc>
+            </a:pPr>
+            <a:endParaRPr lang="en-US" sz="2400" b="1" dirty="0">
+              <a:ln w="0"/>
+              <a:gradFill>
+                <a:gsLst>
+                  <a:gs pos="0">
+                    <a:srgbClr val="012D86"/>
+                  </a:gs>
+                  <a:gs pos="100000">
+                    <a:srgbClr val="0E2557"/>
+                  </a:gs>
+                </a:gsLst>
+                <a:lin scaled="0"/>
+              </a:gradFill>
+              <a:effectLst>
+                <a:outerShdw blurRad="38100" dist="19050" dir="2700000" algn="tl" rotWithShape="0">
+                  <a:schemeClr val="dk1">
+                    <a:alpha val="40000"/>
+                  </a:schemeClr>
+                </a:outerShdw>
+              </a:effectLst>
+              <a:latin typeface="Times New Roman" panose="02020603050405020304" pitchFamily="18" charset="0"/>
+              <a:cs typeface="Times New Roman" panose="02020603050405020304" pitchFamily="18" charset="0"/>
+            </a:endParaRPr>
+          </a:p>
+          <a:p>
+            <a:pPr algn="just">
+              <a:lnSpc>
+                <a:spcPct val="150000"/>
+              </a:lnSpc>
+            </a:pPr>
+            <a:endParaRPr lang="en-US" sz="2400" b="1" dirty="0">
+              <a:ln w="0"/>
+              <a:gradFill>
+                <a:gsLst>
+                  <a:gs pos="0">
+                    <a:srgbClr val="012D86"/>
+                  </a:gs>
+                  <a:gs pos="100000">
+                    <a:srgbClr val="0E2557"/>
+                  </a:gs>
+                </a:gsLst>
+                <a:lin scaled="0"/>
+              </a:gradFill>
+              <a:effectLst>
+                <a:outerShdw blurRad="38100" dist="19050" dir="2700000" algn="tl" rotWithShape="0">
+                  <a:schemeClr val="dk1">
+                    <a:alpha val="40000"/>
+                  </a:schemeClr>
+                </a:outerShdw>
+              </a:effectLst>
+              <a:latin typeface="Times New Roman" panose="02020603050405020304" pitchFamily="18" charset="0"/>
+              <a:cs typeface="Times New Roman" panose="02020603050405020304" pitchFamily="18" charset="0"/>
+            </a:endParaRPr>
+          </a:p>
+          <a:p>
+            <a:pPr algn="just">
+              <a:lnSpc>
+                <a:spcPct val="150000"/>
+              </a:lnSpc>
+            </a:pPr>
+            <a:endParaRPr lang="en-US" sz="2400" b="1" dirty="0">
+              <a:ln w="0"/>
+              <a:gradFill>
+                <a:gsLst>
+                  <a:gs pos="0">
+                    <a:srgbClr val="012D86"/>
+                  </a:gs>
+                  <a:gs pos="100000">
+                    <a:srgbClr val="0E2557"/>
+                  </a:gs>
+                </a:gsLst>
+                <a:lin scaled="0"/>
+              </a:gradFill>
+              <a:effectLst>
+                <a:outerShdw blurRad="38100" dist="19050" dir="2700000" algn="tl" rotWithShape="0">
+                  <a:schemeClr val="dk1">
+                    <a:alpha val="40000"/>
+                  </a:schemeClr>
+                </a:outerShdw>
+              </a:effectLst>
+              <a:latin typeface="Times New Roman" panose="02020603050405020304" pitchFamily="18" charset="0"/>
+              <a:cs typeface="Times New Roman" panose="02020603050405020304" pitchFamily="18" charset="0"/>
+            </a:endParaRPr>
+          </a:p>
+          <a:p>
+            <a:pPr algn="just">
+              <a:lnSpc>
+                <a:spcPct val="150000"/>
+              </a:lnSpc>
+            </a:pPr>
+            <a:endParaRPr lang="en-US" sz="2400" dirty="0">
+              <a:solidFill>
+                <a:schemeClr val="accent1">
+                  <a:lumMod val="50000"/>
+                </a:schemeClr>
+              </a:solidFill>
+              <a:latin typeface="Times New Roman" panose="02020603050405020304" pitchFamily="18" charset="0"/>
+            </a:endParaRPr>
+          </a:p>
+          <a:p>
+            <a:pPr algn="just">
+              <a:lnSpc>
+                <a:spcPct val="150000"/>
+              </a:lnSpc>
+            </a:pPr>
+            <a:endParaRPr lang="en-US" sz="2400" b="0" i="0" u="none" strike="noStrike" baseline="0" dirty="0">
+              <a:solidFill>
+                <a:schemeClr val="accent1">
+                  <a:lumMod val="50000"/>
+                </a:schemeClr>
+              </a:solidFill>
+              <a:latin typeface="Times New Roman" panose="02020603050405020304" pitchFamily="18" charset="0"/>
+            </a:endParaRPr>
+          </a:p>
+          <a:p>
+            <a:pPr algn="just">
+              <a:lnSpc>
+                <a:spcPct val="150000"/>
+              </a:lnSpc>
+            </a:pPr>
+            <a:endParaRPr lang="en-US" sz="2400" b="0" i="0" u="none" strike="noStrike" baseline="0" dirty="0">
+              <a:solidFill>
+                <a:srgbClr val="042D85"/>
+              </a:solidFill>
+              <a:latin typeface="Times New Roman" panose="02020603050405020304" pitchFamily="18" charset="0"/>
+            </a:endParaRPr>
+          </a:p>
+          <a:p>
+            <a:pPr algn="just"/>
+            <a:r>
+              <a:rPr lang="en-US" sz="2400" b="0" i="0" u="none" strike="noStrike" baseline="0" dirty="0">
+                <a:solidFill>
+                  <a:srgbClr val="042D85"/>
+                </a:solidFill>
+                <a:latin typeface="Times New Roman" panose="02020603050405020304" pitchFamily="18" charset="0"/>
+              </a:rPr>
+              <a:t>From the above graph, we can see the total number of applications in each category. </a:t>
+            </a:r>
+            <a:endParaRPr lang="en-US" sz="3200" b="1" dirty="0">
+              <a:ln w="0"/>
+              <a:solidFill>
+                <a:srgbClr val="042D85"/>
+              </a:solidFill>
+              <a:effectLst>
+                <a:outerShdw blurRad="38100" dist="19050" dir="2700000" algn="tl" rotWithShape="0">
+                  <a:schemeClr val="dk1">
+                    <a:alpha val="40000"/>
+                  </a:schemeClr>
+                </a:outerShdw>
+              </a:effectLst>
+              <a:latin typeface="Times New Roman" panose="02020603050405020304" pitchFamily="18" charset="0"/>
+              <a:cs typeface="Times New Roman" panose="02020603050405020304" pitchFamily="18" charset="0"/>
+            </a:endParaRPr>
+          </a:p>
+        </p:txBody>
+      </p:sp>
+      <p:pic>
+        <p:nvPicPr>
+          <p:cNvPr id="5" name="Picture 4">
+            <a:extLst>
+              <a:ext uri="{FF2B5EF4-FFF2-40B4-BE49-F238E27FC236}">
+                <a16:creationId xmlns:a16="http://schemas.microsoft.com/office/drawing/2014/main" id="{B4F7FB70-2243-42FD-9F41-29F879FEE4E1}"/>
+              </a:ext>
+            </a:extLst>
+          </p:cNvPr>
+          <p:cNvPicPr>
+            <a:picLocks noChangeAspect="1"/>
+          </p:cNvPicPr>
+          <p:nvPr/>
+        </p:nvPicPr>
+        <p:blipFill>
+          <a:blip r:embed="rId2">
+            <a:extLst>
+              <a:ext uri="{28A0092B-C50C-407E-A947-70E740481C1C}">
+                <a14:useLocalDpi xmlns:a14="http://schemas.microsoft.com/office/drawing/2010/main" val="0"/>
+              </a:ext>
+            </a:extLst>
+          </a:blip>
+          <a:stretch>
+            <a:fillRect/>
+          </a:stretch>
+        </p:blipFill>
+        <p:spPr>
+          <a:xfrm>
+            <a:off x="360199" y="904973"/>
+            <a:ext cx="11471602" cy="5260157"/>
+          </a:xfrm>
+          <a:prstGeom prst="rect">
+            <a:avLst/>
+          </a:prstGeom>
+        </p:spPr>
+      </p:pic>
+      <p:pic>
+        <p:nvPicPr>
+          <p:cNvPr id="6" name="Picture 5">
+            <a:extLst>
+              <a:ext uri="{FF2B5EF4-FFF2-40B4-BE49-F238E27FC236}">
+                <a16:creationId xmlns:a16="http://schemas.microsoft.com/office/drawing/2014/main" id="{656C0656-014E-4ECB-8EBF-5EDA5B7F234C}"/>
+              </a:ext>
+            </a:extLst>
+          </p:cNvPr>
+          <p:cNvPicPr>
+            <a:picLocks noChangeAspect="1"/>
+          </p:cNvPicPr>
+          <p:nvPr/>
+        </p:nvPicPr>
+        <p:blipFill>
+          <a:blip r:embed="rId3" cstate="print">
+            <a:extLst>
+              <a:ext uri="{28A0092B-C50C-407E-A947-70E740481C1C}">
+                <a14:useLocalDpi xmlns:a14="http://schemas.microsoft.com/office/drawing/2010/main" val="0"/>
+              </a:ext>
+            </a:extLst>
+          </a:blip>
+          <a:stretch>
+            <a:fillRect/>
+          </a:stretch>
+        </p:blipFill>
+        <p:spPr>
+          <a:xfrm>
+            <a:off x="11639150" y="101864"/>
+            <a:ext cx="463748" cy="463748"/>
+          </a:xfrm>
+          <a:prstGeom prst="rect">
+            <a:avLst/>
+          </a:prstGeom>
+        </p:spPr>
+      </p:pic>
+    </p:spTree>
+    <p:extLst>
+      <p:ext uri="{BB962C8B-B14F-4D97-AF65-F5344CB8AC3E}">
+        <p14:creationId xmlns:p14="http://schemas.microsoft.com/office/powerpoint/2010/main" val="982247279"/>
+      </p:ext>
+    </p:extLst>
+  </p:cSld>
+  <p:clrMapOvr>
+    <a:masterClrMapping/>
+  </p:clrMapOvr>
+  <mc:AlternateContent xmlns:mc="http://schemas.openxmlformats.org/markup-compatibility/2006" xmlns:p14="http://schemas.microsoft.com/office/powerpoint/2010/main">
+    <mc:Choice Requires="p14">
+      <p:transition spd="slow" p14:dur="1500">
+        <p:cover/>
+      </p:transition>
+    </mc:Choice>
+    <mc:Fallback xmlns="">
+      <p:transition spd="slow">
+        <p:cover/>
+      </p:transition>
+    </mc:Fallback>
+  </mc:AlternateContent>
+</p:sld>
+</file>
+
+<file path=ppt/slides/slide11.xml><?xml version="1.0" encoding="utf-8"?>
+<p:sld xmlns:a="http://schemas.openxmlformats.org/drawingml/2006/main" xmlns:r="http://schemas.openxmlformats.org/officeDocument/2006/relationships" xmlns:p="http://schemas.openxmlformats.org/presentationml/2006/main">
+  <p:cSld>
+    <p:spTree>
+      <p:nvGrpSpPr>
+        <p:cNvPr id="1" name=""/>
+        <p:cNvGrpSpPr/>
+        <p:nvPr/>
+      </p:nvGrpSpPr>
+      <p:grpSpPr>
+        <a:xfrm>
+          <a:off x="0" y="0"/>
+          <a:ext cx="0" cy="0"/>
+          <a:chOff x="0" y="0"/>
+          <a:chExt cx="0" cy="0"/>
+        </a:xfrm>
+      </p:grpSpPr>
+      <p:sp>
+        <p:nvSpPr>
+          <p:cNvPr id="2" name="Rectangle 1"/>
+          <p:cNvSpPr/>
+          <p:nvPr/>
+        </p:nvSpPr>
+        <p:spPr>
+          <a:xfrm>
             <a:off x="226695" y="228224"/>
             <a:ext cx="11738610" cy="6617196"/>
           </a:xfrm>
@@ -3416,7 +3852,7 @@
                 <a:latin typeface="Times New Roman" panose="02020603050405020304" pitchFamily="18" charset="0"/>
                 <a:cs typeface="Times New Roman" panose="02020603050405020304" pitchFamily="18" charset="0"/>
               </a:rPr>
-              <a:t>Most Installed category in Percentage Installs (Categories Vs Installs)</a:t>
+              <a:t>Categories Vs Installs</a:t>
             </a:r>
           </a:p>
           <a:p>
@@ -3785,7 +4221,7 @@
 </p:sld>
 </file>
 
-<file path=ppt/slides/slide11.xml><?xml version="1.0" encoding="utf-8"?>
+<file path=ppt/slides/slide12.xml><?xml version="1.0" encoding="utf-8"?>
 <p:sld xmlns:a="http://schemas.openxmlformats.org/drawingml/2006/main" xmlns:r="http://schemas.openxmlformats.org/officeDocument/2006/relationships" xmlns:p="http://schemas.openxmlformats.org/presentationml/2006/main">
   <p:cSld>
     <p:spTree>
@@ -3845,7 +4281,7 @@
                 <a:latin typeface="Times New Roman" panose="02020603050405020304" pitchFamily="18" charset="0"/>
                 <a:cs typeface="Times New Roman" panose="02020603050405020304" pitchFamily="18" charset="0"/>
               </a:rPr>
-              <a:t>Most Installed category in Percentage Reviews (Categories Vs Reviews)</a:t>
+              <a:t>Categories Vs Reviews</a:t>
             </a:r>
           </a:p>
           <a:p>
@@ -4229,7 +4665,7 @@
 </p:sld>
 </file>
 
-<file path=ppt/slides/slide12.xml><?xml version="1.0" encoding="utf-8"?>
+<file path=ppt/slides/slide13.xml><?xml version="1.0" encoding="utf-8"?>
 <p:sld xmlns:a="http://schemas.openxmlformats.org/drawingml/2006/main" xmlns:r="http://schemas.openxmlformats.org/officeDocument/2006/relationships" xmlns:p="http://schemas.openxmlformats.org/presentationml/2006/main">
   <p:cSld>
     <p:spTree>
@@ -4687,7 +5123,7 @@
 </p:sld>
 </file>
 
-<file path=ppt/slides/slide13.xml><?xml version="1.0" encoding="utf-8"?>
+<file path=ppt/slides/slide14.xml><?xml version="1.0" encoding="utf-8"?>
 <p:sld xmlns:a="http://schemas.openxmlformats.org/drawingml/2006/main" xmlns:r="http://schemas.openxmlformats.org/officeDocument/2006/relationships" xmlns:p="http://schemas.openxmlformats.org/presentationml/2006/main">
   <p:cSld>
     <p:spTree>
@@ -5137,7 +5573,7 @@
 </p:sld>
 </file>
 
-<file path=ppt/slides/slide14.xml><?xml version="1.0" encoding="utf-8"?>
+<file path=ppt/slides/slide15.xml><?xml version="1.0" encoding="utf-8"?>
 <p:sld xmlns:a="http://schemas.openxmlformats.org/drawingml/2006/main" xmlns:r="http://schemas.openxmlformats.org/officeDocument/2006/relationships" xmlns:p="http://schemas.openxmlformats.org/presentationml/2006/main">
   <p:cSld>
     <p:spTree>
@@ -5613,7 +6049,7 @@
 </p:sld>
 </file>
 
-<file path=ppt/slides/slide15.xml><?xml version="1.0" encoding="utf-8"?>
+<file path=ppt/slides/slide16.xml><?xml version="1.0" encoding="utf-8"?>
 <p:sld xmlns:a="http://schemas.openxmlformats.org/drawingml/2006/main" xmlns:r="http://schemas.openxmlformats.org/officeDocument/2006/relationships" xmlns:p="http://schemas.openxmlformats.org/presentationml/2006/main">
   <p:cSld>
     <p:spTree>
@@ -5639,7 +6075,7 @@
         <p:spPr>
           <a:xfrm>
             <a:off x="226694" y="95053"/>
-            <a:ext cx="11738610" cy="6777305"/>
+            <a:ext cx="11738610" cy="4468980"/>
           </a:xfrm>
           <a:prstGeom prst="rect">
             <a:avLst/>
@@ -5760,86 +6196,6 @@
                 <a:latin typeface="Times New Roman" panose="02020603050405020304" pitchFamily="18" charset="0"/>
               </a:rPr>
               <a:t>much power it consumes. </a:t>
-            </a:r>
-          </a:p>
-          <a:p>
-            <a:pPr algn="just">
-              <a:lnSpc>
-                <a:spcPct val="150000"/>
-              </a:lnSpc>
-            </a:pPr>
-            <a:r>
-              <a:rPr lang="en-US" sz="2000" b="0" i="0" u="none" strike="noStrike" baseline="0" dirty="0">
-                <a:solidFill>
-                  <a:srgbClr val="042D85"/>
-                </a:solidFill>
-                <a:latin typeface="Times New Roman" panose="02020603050405020304" pitchFamily="18" charset="0"/>
-              </a:rPr>
-              <a:t>By observing the above histogram with KDE</a:t>
-            </a:r>
-          </a:p>
-          <a:p>
-            <a:pPr algn="just">
-              <a:lnSpc>
-                <a:spcPct val="150000"/>
-              </a:lnSpc>
-            </a:pPr>
-            <a:r>
-              <a:rPr lang="en-US" sz="2000" b="0" i="0" u="none" strike="noStrike" baseline="0" dirty="0">
-                <a:solidFill>
-                  <a:srgbClr val="042D85"/>
-                </a:solidFill>
-                <a:latin typeface="Times New Roman" panose="02020603050405020304" pitchFamily="18" charset="0"/>
-              </a:rPr>
-              <a:t>(Kernel Density Estimation), KDE line for paid type </a:t>
-            </a:r>
-          </a:p>
-          <a:p>
-            <a:pPr algn="just">
-              <a:lnSpc>
-                <a:spcPct val="150000"/>
-              </a:lnSpc>
-            </a:pPr>
-            <a:r>
-              <a:rPr lang="en-US" sz="2000" b="0" i="0" u="none" strike="noStrike" baseline="0" dirty="0">
-                <a:solidFill>
-                  <a:srgbClr val="042D85"/>
-                </a:solidFill>
-                <a:latin typeface="Times New Roman" panose="02020603050405020304" pitchFamily="18" charset="0"/>
-              </a:rPr>
-              <a:t>applications represented in orange color whereas </a:t>
-            </a:r>
-          </a:p>
-          <a:p>
-            <a:pPr algn="just">
-              <a:lnSpc>
-                <a:spcPct val="150000"/>
-              </a:lnSpc>
-            </a:pPr>
-            <a:r>
-              <a:rPr lang="en-US" sz="2000" b="0" i="0" u="none" strike="noStrike" baseline="0" dirty="0">
-                <a:solidFill>
-                  <a:srgbClr val="042D85"/>
-                </a:solidFill>
-                <a:latin typeface="Times New Roman" panose="02020603050405020304" pitchFamily="18" charset="0"/>
-              </a:rPr>
-              <a:t>sky-blue colored KDE line for the </a:t>
-            </a:r>
-          </a:p>
-          <a:p>
-            <a:pPr algn="just">
-              <a:lnSpc>
-                <a:spcPct val="150000"/>
-              </a:lnSpc>
-            </a:pPr>
-            <a:r>
-              <a:rPr lang="en-US" sz="2000" b="0" i="0" u="none" strike="noStrike" baseline="0" dirty="0">
-                <a:solidFill>
-                  <a:srgbClr val="042D85"/>
-                </a:solidFill>
-                <a:latin typeface="Times New Roman" panose="02020603050405020304" pitchFamily="18" charset="0"/>
-              </a:rPr>
-              <a:t>free type applications. </a:t>
             </a:r>
           </a:p>
           <a:p>
@@ -5944,8 +6300,8 @@
         </p:blipFill>
         <p:spPr>
           <a:xfrm>
-            <a:off x="5571242" y="704396"/>
-            <a:ext cx="6394062" cy="5771817"/>
+            <a:off x="6096000" y="704396"/>
+            <a:ext cx="5869304" cy="5771817"/>
           </a:xfrm>
           <a:prstGeom prst="rect">
             <a:avLst/>
@@ -6013,7 +6369,7 @@
 </p:sld>
 </file>
 
-<file path=ppt/slides/slide16.xml><?xml version="1.0" encoding="utf-8"?>
+<file path=ppt/slides/slide17.xml><?xml version="1.0" encoding="utf-8"?>
 <p:sld xmlns:a="http://schemas.openxmlformats.org/drawingml/2006/main" xmlns:r="http://schemas.openxmlformats.org/officeDocument/2006/relationships" xmlns:p="http://schemas.openxmlformats.org/presentationml/2006/main">
   <p:cSld>
     <p:spTree>
@@ -6077,10 +6433,12 @@
             </a:r>
           </a:p>
           <a:p>
-            <a:pPr algn="just">
-              <a:lnSpc>
-                <a:spcPct val="150000"/>
-              </a:lnSpc>
+            <a:pPr marL="342900" indent="-342900" algn="just">
+              <a:lnSpc>
+                <a:spcPct val="150000"/>
+              </a:lnSpc>
+              <a:buFont typeface="Arial" panose="020B0604020202020204" pitchFamily="34" charset="0"/>
+              <a:buChar char="•"/>
             </a:pPr>
             <a:r>
               <a:rPr lang="en-US" sz="2400" b="0" i="0" u="none" strike="noStrike" baseline="0" dirty="0">
@@ -6127,10 +6485,12 @@
             </a:r>
           </a:p>
           <a:p>
-            <a:pPr algn="just">
-              <a:lnSpc>
-                <a:spcPct val="150000"/>
-              </a:lnSpc>
+            <a:pPr marL="342900" indent="-342900" algn="just">
+              <a:lnSpc>
+                <a:spcPct val="150000"/>
+              </a:lnSpc>
+              <a:buFont typeface="Arial" panose="020B0604020202020204" pitchFamily="34" charset="0"/>
+              <a:buChar char="•"/>
             </a:pPr>
             <a:r>
               <a:rPr lang="en-US" sz="2400" b="0" i="0" u="none" strike="noStrike" baseline="0" dirty="0">
@@ -6184,10 +6544,12 @@
             </a:r>
           </a:p>
           <a:p>
-            <a:pPr algn="just">
-              <a:lnSpc>
-                <a:spcPct val="150000"/>
-              </a:lnSpc>
+            <a:pPr marL="342900" indent="-342900" algn="just">
+              <a:lnSpc>
+                <a:spcPct val="150000"/>
+              </a:lnSpc>
+              <a:buFont typeface="Arial" panose="020B0604020202020204" pitchFamily="34" charset="0"/>
+              <a:buChar char="•"/>
             </a:pPr>
             <a:r>
               <a:rPr lang="en-US" sz="2400" b="0" i="0" u="none" strike="noStrike" baseline="0" dirty="0">
@@ -6254,10 +6616,12 @@
             </a:endParaRPr>
           </a:p>
           <a:p>
-            <a:pPr algn="just">
-              <a:lnSpc>
-                <a:spcPct val="150000"/>
-              </a:lnSpc>
+            <a:pPr marL="342900" indent="-342900" algn="just">
+              <a:lnSpc>
+                <a:spcPct val="150000"/>
+              </a:lnSpc>
+              <a:buFont typeface="Arial" panose="020B0604020202020204" pitchFamily="34" charset="0"/>
+              <a:buChar char="•"/>
             </a:pPr>
             <a:r>
               <a:rPr lang="en-US" sz="2400" b="0" i="0" u="none" strike="noStrike" baseline="0" dirty="0">
@@ -6314,8 +6678,8 @@
         </p:blipFill>
         <p:spPr>
           <a:xfrm>
-            <a:off x="5599522" y="886906"/>
-            <a:ext cx="6503376" cy="4844591"/>
+            <a:off x="6096000" y="886906"/>
+            <a:ext cx="6006898" cy="4844591"/>
           </a:xfrm>
           <a:prstGeom prst="rect">
             <a:avLst/>
@@ -6383,7 +6747,7 @@
 </p:sld>
 </file>
 
-<file path=ppt/slides/slide17.xml><?xml version="1.0" encoding="utf-8"?>
+<file path=ppt/slides/slide18.xml><?xml version="1.0" encoding="utf-8"?>
 <p:sld xmlns:a="http://schemas.openxmlformats.org/drawingml/2006/main" xmlns:r="http://schemas.openxmlformats.org/officeDocument/2006/relationships" xmlns:p="http://schemas.openxmlformats.org/presentationml/2006/main">
   <p:cSld>
     <p:spTree>
@@ -6752,7 +7116,7 @@
 </p:sld>
 </file>
 
-<file path=ppt/slides/slide18.xml><?xml version="1.0" encoding="utf-8"?>
+<file path=ppt/slides/slide19.xml><?xml version="1.0" encoding="utf-8"?>
 <p:sld xmlns:a="http://schemas.openxmlformats.org/drawingml/2006/main" xmlns:r="http://schemas.openxmlformats.org/officeDocument/2006/relationships" xmlns:p="http://schemas.openxmlformats.org/presentationml/2006/main">
   <p:cSld>
     <p:spTree>
@@ -7229,7 +7593,748 @@
 </p:sld>
 </file>
 
-<file path=ppt/slides/slide19.xml><?xml version="1.0" encoding="utf-8"?>
+<file path=ppt/slides/slide2.xml><?xml version="1.0" encoding="utf-8"?>
+<p:sld xmlns:a="http://schemas.openxmlformats.org/drawingml/2006/main" xmlns:r="http://schemas.openxmlformats.org/officeDocument/2006/relationships" xmlns:p="http://schemas.openxmlformats.org/presentationml/2006/main">
+  <p:cSld>
+    <p:spTree>
+      <p:nvGrpSpPr>
+        <p:cNvPr id="1" name=""/>
+        <p:cNvGrpSpPr/>
+        <p:nvPr/>
+      </p:nvGrpSpPr>
+      <p:grpSpPr>
+        <a:xfrm>
+          <a:off x="0" y="0"/>
+          <a:ext cx="0" cy="0"/>
+          <a:chOff x="0" y="0"/>
+          <a:chExt cx="0" cy="0"/>
+        </a:xfrm>
+      </p:grpSpPr>
+      <p:sp>
+        <p:nvSpPr>
+          <p:cNvPr id="2" name="Rectangle 1"/>
+          <p:cNvSpPr/>
+          <p:nvPr/>
+        </p:nvSpPr>
+        <p:spPr>
+          <a:xfrm>
+            <a:off x="226695" y="215452"/>
+            <a:ext cx="11738610" cy="6060633"/>
+          </a:xfrm>
+          <a:prstGeom prst="rect">
+            <a:avLst/>
+          </a:prstGeom>
+          <a:noFill/>
+        </p:spPr>
+        <p:txBody>
+          <a:bodyPr wrap="square" lIns="91440" tIns="45720" rIns="91440" bIns="45720">
+            <a:spAutoFit/>
+          </a:bodyPr>
+          <a:lstStyle/>
+          <a:p>
+            <a:pPr>
+              <a:lnSpc>
+                <a:spcPct val="150000"/>
+              </a:lnSpc>
+            </a:pPr>
+            <a:r>
+              <a:rPr lang="en-US" sz="2800" b="1" cap="none" spc="0" dirty="0">
+                <a:ln w="0"/>
+                <a:solidFill>
+                  <a:srgbClr val="C00000"/>
+                </a:solidFill>
+                <a:effectLst>
+                  <a:outerShdw blurRad="38100" dist="19050" dir="2700000" algn="tl" rotWithShape="0">
+                    <a:schemeClr val="dk1">
+                      <a:alpha val="40000"/>
+                    </a:schemeClr>
+                  </a:outerShdw>
+                </a:effectLst>
+                <a:latin typeface="Times New Roman" panose="02020603050405020304" pitchFamily="18" charset="0"/>
+                <a:cs typeface="Times New Roman" panose="02020603050405020304" pitchFamily="18" charset="0"/>
+              </a:rPr>
+              <a:t>POINTS FOR DISCUSSION</a:t>
+            </a:r>
+            <a:endParaRPr lang="en-US" sz="2400" dirty="0">
+              <a:ln w="0"/>
+              <a:effectLst>
+                <a:outerShdw blurRad="38100" dist="19050" dir="2700000" algn="tl" rotWithShape="0">
+                  <a:schemeClr val="dk1">
+                    <a:alpha val="40000"/>
+                  </a:schemeClr>
+                </a:outerShdw>
+              </a:effectLst>
+              <a:latin typeface="Times New Roman" panose="02020603050405020304" pitchFamily="18" charset="0"/>
+              <a:cs typeface="Times New Roman" panose="02020603050405020304" pitchFamily="18" charset="0"/>
+            </a:endParaRPr>
+          </a:p>
+          <a:p>
+            <a:pPr marL="457200" indent="-457200" algn="just">
+              <a:spcBef>
+                <a:spcPts val="60"/>
+              </a:spcBef>
+              <a:spcAft>
+                <a:spcPts val="60"/>
+              </a:spcAft>
+              <a:buFont typeface="Wingdings" panose="05000000000000000000" pitchFamily="2" charset="2"/>
+              <a:buChar char="Ø"/>
+            </a:pPr>
+            <a:r>
+              <a:rPr lang="en-US" sz="2000" dirty="0">
+                <a:ln w="0"/>
+                <a:gradFill>
+                  <a:gsLst>
+                    <a:gs pos="0">
+                      <a:srgbClr val="012D86"/>
+                    </a:gs>
+                    <a:gs pos="100000">
+                      <a:srgbClr val="0E2557"/>
+                    </a:gs>
+                  </a:gsLst>
+                  <a:lin scaled="0"/>
+                </a:gradFill>
+                <a:effectLst>
+                  <a:outerShdw blurRad="38100" dist="19050" dir="2700000" algn="tl" rotWithShape="0">
+                    <a:schemeClr val="dk1">
+                      <a:alpha val="40000"/>
+                    </a:schemeClr>
+                  </a:outerShdw>
+                </a:effectLst>
+                <a:latin typeface="Times New Roman" panose="02020603050405020304" pitchFamily="18" charset="0"/>
+                <a:cs typeface="Times New Roman" panose="02020603050405020304" pitchFamily="18" charset="0"/>
+              </a:rPr>
+              <a:t>Problem Statement &amp; Objective</a:t>
+            </a:r>
+          </a:p>
+          <a:p>
+            <a:pPr marL="457200" indent="-457200" algn="just">
+              <a:spcBef>
+                <a:spcPts val="60"/>
+              </a:spcBef>
+              <a:spcAft>
+                <a:spcPts val="60"/>
+              </a:spcAft>
+              <a:buFont typeface="Wingdings" panose="05000000000000000000" pitchFamily="2" charset="2"/>
+              <a:buChar char="Ø"/>
+            </a:pPr>
+            <a:r>
+              <a:rPr lang="en-US" sz="2000" dirty="0">
+                <a:ln w="0"/>
+                <a:gradFill>
+                  <a:gsLst>
+                    <a:gs pos="0">
+                      <a:srgbClr val="012D86"/>
+                    </a:gs>
+                    <a:gs pos="100000">
+                      <a:srgbClr val="0E2557"/>
+                    </a:gs>
+                  </a:gsLst>
+                  <a:lin scaled="0"/>
+                </a:gradFill>
+                <a:effectLst>
+                  <a:outerShdw blurRad="38100" dist="19050" dir="2700000" algn="tl" rotWithShape="0">
+                    <a:schemeClr val="dk1">
+                      <a:alpha val="40000"/>
+                    </a:schemeClr>
+                  </a:outerShdw>
+                </a:effectLst>
+                <a:latin typeface="Times New Roman" panose="02020603050405020304" pitchFamily="18" charset="0"/>
+                <a:cs typeface="Times New Roman" panose="02020603050405020304" pitchFamily="18" charset="0"/>
+              </a:rPr>
+              <a:t>Data Summary</a:t>
+            </a:r>
+          </a:p>
+          <a:p>
+            <a:pPr marL="457200" indent="-457200" algn="just">
+              <a:spcBef>
+                <a:spcPts val="60"/>
+              </a:spcBef>
+              <a:spcAft>
+                <a:spcPts val="60"/>
+              </a:spcAft>
+              <a:buFont typeface="Wingdings" panose="05000000000000000000" pitchFamily="2" charset="2"/>
+              <a:buChar char="Ø"/>
+            </a:pPr>
+            <a:r>
+              <a:rPr lang="en-US" sz="2000" dirty="0">
+                <a:ln w="0"/>
+                <a:gradFill>
+                  <a:gsLst>
+                    <a:gs pos="0">
+                      <a:srgbClr val="012D86"/>
+                    </a:gs>
+                    <a:gs pos="100000">
+                      <a:srgbClr val="0E2557"/>
+                    </a:gs>
+                  </a:gsLst>
+                  <a:lin scaled="0"/>
+                </a:gradFill>
+                <a:effectLst>
+                  <a:outerShdw blurRad="38100" dist="19050" dir="2700000" algn="tl" rotWithShape="0">
+                    <a:schemeClr val="dk1">
+                      <a:alpha val="40000"/>
+                    </a:schemeClr>
+                  </a:outerShdw>
+                </a:effectLst>
+                <a:latin typeface="Times New Roman" panose="02020603050405020304" pitchFamily="18" charset="0"/>
+                <a:cs typeface="Times New Roman" panose="02020603050405020304" pitchFamily="18" charset="0"/>
+              </a:rPr>
+              <a:t>Load the Data and Create Data Frame</a:t>
+            </a:r>
+          </a:p>
+          <a:p>
+            <a:pPr marL="457200" indent="-457200" algn="just">
+              <a:spcBef>
+                <a:spcPts val="60"/>
+              </a:spcBef>
+              <a:spcAft>
+                <a:spcPts val="60"/>
+              </a:spcAft>
+              <a:buFont typeface="Wingdings" panose="05000000000000000000" pitchFamily="2" charset="2"/>
+              <a:buChar char="Ø"/>
+            </a:pPr>
+            <a:r>
+              <a:rPr lang="en-US" sz="2000" dirty="0">
+                <a:ln w="0"/>
+                <a:gradFill>
+                  <a:gsLst>
+                    <a:gs pos="0">
+                      <a:srgbClr val="012D86"/>
+                    </a:gs>
+                    <a:gs pos="100000">
+                      <a:srgbClr val="0E2557"/>
+                    </a:gs>
+                  </a:gsLst>
+                  <a:lin scaled="0"/>
+                </a:gradFill>
+                <a:effectLst>
+                  <a:outerShdw blurRad="38100" dist="19050" dir="2700000" algn="tl" rotWithShape="0">
+                    <a:schemeClr val="dk1">
+                      <a:alpha val="40000"/>
+                    </a:schemeClr>
+                  </a:outerShdw>
+                </a:effectLst>
+                <a:latin typeface="Times New Roman" panose="02020603050405020304" pitchFamily="18" charset="0"/>
+                <a:cs typeface="Times New Roman" panose="02020603050405020304" pitchFamily="18" charset="0"/>
+              </a:rPr>
+              <a:t>Univariate Analysis</a:t>
+            </a:r>
+          </a:p>
+          <a:p>
+            <a:pPr marL="457200" indent="-457200" algn="just">
+              <a:spcBef>
+                <a:spcPts val="60"/>
+              </a:spcBef>
+              <a:spcAft>
+                <a:spcPts val="60"/>
+              </a:spcAft>
+              <a:buFont typeface="Wingdings" panose="05000000000000000000" pitchFamily="2" charset="2"/>
+              <a:buChar char="Ø"/>
+            </a:pPr>
+            <a:r>
+              <a:rPr lang="en-US" sz="2000" dirty="0">
+                <a:ln w="0"/>
+                <a:gradFill>
+                  <a:gsLst>
+                    <a:gs pos="0">
+                      <a:srgbClr val="012D86"/>
+                    </a:gs>
+                    <a:gs pos="100000">
+                      <a:srgbClr val="0E2557"/>
+                    </a:gs>
+                  </a:gsLst>
+                  <a:lin scaled="0"/>
+                </a:gradFill>
+                <a:effectLst>
+                  <a:outerShdw blurRad="38100" dist="19050" dir="2700000" algn="tl" rotWithShape="0">
+                    <a:schemeClr val="dk1">
+                      <a:alpha val="40000"/>
+                    </a:schemeClr>
+                  </a:outerShdw>
+                </a:effectLst>
+                <a:latin typeface="Times New Roman" panose="02020603050405020304" pitchFamily="18" charset="0"/>
+                <a:cs typeface="Times New Roman" panose="02020603050405020304" pitchFamily="18" charset="0"/>
+              </a:rPr>
+              <a:t>Skewness of Data</a:t>
+            </a:r>
+          </a:p>
+          <a:p>
+            <a:pPr marL="457200" indent="-457200" algn="just">
+              <a:spcBef>
+                <a:spcPts val="60"/>
+              </a:spcBef>
+              <a:spcAft>
+                <a:spcPts val="60"/>
+              </a:spcAft>
+              <a:buFont typeface="Wingdings" panose="05000000000000000000" pitchFamily="2" charset="2"/>
+              <a:buChar char="Ø"/>
+            </a:pPr>
+            <a:r>
+              <a:rPr lang="en-US" sz="2000" dirty="0">
+                <a:ln w="0"/>
+                <a:gradFill>
+                  <a:gsLst>
+                    <a:gs pos="0">
+                      <a:srgbClr val="012D86"/>
+                    </a:gs>
+                    <a:gs pos="100000">
+                      <a:srgbClr val="0E2557"/>
+                    </a:gs>
+                  </a:gsLst>
+                  <a:lin scaled="0"/>
+                </a:gradFill>
+                <a:effectLst>
+                  <a:outerShdw blurRad="38100" dist="19050" dir="2700000" algn="tl" rotWithShape="0">
+                    <a:schemeClr val="dk1">
+                      <a:alpha val="40000"/>
+                    </a:schemeClr>
+                  </a:outerShdw>
+                </a:effectLst>
+                <a:latin typeface="Times New Roman" panose="02020603050405020304" pitchFamily="18" charset="0"/>
+                <a:cs typeface="Times New Roman" panose="02020603050405020304" pitchFamily="18" charset="0"/>
+              </a:rPr>
+              <a:t>Bivariate Analysis</a:t>
+            </a:r>
+          </a:p>
+          <a:p>
+            <a:pPr marL="457200" indent="-457200" algn="just">
+              <a:spcBef>
+                <a:spcPts val="60"/>
+              </a:spcBef>
+              <a:spcAft>
+                <a:spcPts val="60"/>
+              </a:spcAft>
+              <a:buFont typeface="Wingdings" panose="05000000000000000000" pitchFamily="2" charset="2"/>
+              <a:buChar char="Ø"/>
+            </a:pPr>
+            <a:r>
+              <a:rPr lang="en-US" sz="2000" dirty="0">
+                <a:ln w="0"/>
+                <a:gradFill>
+                  <a:gsLst>
+                    <a:gs pos="0">
+                      <a:srgbClr val="012D86"/>
+                    </a:gs>
+                    <a:gs pos="100000">
+                      <a:srgbClr val="0E2557"/>
+                    </a:gs>
+                  </a:gsLst>
+                  <a:lin scaled="0"/>
+                </a:gradFill>
+                <a:effectLst>
+                  <a:outerShdw blurRad="38100" dist="19050" dir="2700000" algn="tl" rotWithShape="0">
+                    <a:schemeClr val="dk1">
+                      <a:alpha val="40000"/>
+                    </a:schemeClr>
+                  </a:outerShdw>
+                </a:effectLst>
+                <a:latin typeface="Times New Roman" panose="02020603050405020304" pitchFamily="18" charset="0"/>
+                <a:cs typeface="Times New Roman" panose="02020603050405020304" pitchFamily="18" charset="0"/>
+              </a:rPr>
+              <a:t>Correlation of Data</a:t>
+            </a:r>
+          </a:p>
+          <a:p>
+            <a:pPr marL="457200" indent="-457200" algn="just">
+              <a:spcBef>
+                <a:spcPts val="60"/>
+              </a:spcBef>
+              <a:spcAft>
+                <a:spcPts val="60"/>
+              </a:spcAft>
+              <a:buFont typeface="Wingdings" panose="05000000000000000000" pitchFamily="2" charset="2"/>
+              <a:buChar char="Ø"/>
+            </a:pPr>
+            <a:r>
+              <a:rPr lang="en-US" sz="2000" dirty="0">
+                <a:ln w="0"/>
+                <a:gradFill>
+                  <a:gsLst>
+                    <a:gs pos="0">
+                      <a:srgbClr val="012D86"/>
+                    </a:gs>
+                    <a:gs pos="100000">
+                      <a:srgbClr val="0E2557"/>
+                    </a:gs>
+                  </a:gsLst>
+                  <a:lin scaled="0"/>
+                </a:gradFill>
+                <a:effectLst>
+                  <a:outerShdw blurRad="38100" dist="19050" dir="2700000" algn="tl" rotWithShape="0">
+                    <a:schemeClr val="dk1">
+                      <a:alpha val="40000"/>
+                    </a:schemeClr>
+                  </a:outerShdw>
+                </a:effectLst>
+                <a:latin typeface="Times New Roman" panose="02020603050405020304" pitchFamily="18" charset="0"/>
+                <a:cs typeface="Times New Roman" panose="02020603050405020304" pitchFamily="18" charset="0"/>
+              </a:rPr>
+              <a:t>Most installed category</a:t>
+            </a:r>
+          </a:p>
+          <a:p>
+            <a:pPr marL="457200" indent="-457200" algn="just">
+              <a:spcBef>
+                <a:spcPts val="60"/>
+              </a:spcBef>
+              <a:spcAft>
+                <a:spcPts val="60"/>
+              </a:spcAft>
+              <a:buFont typeface="Wingdings" panose="05000000000000000000" pitchFamily="2" charset="2"/>
+              <a:buChar char="Ø"/>
+            </a:pPr>
+            <a:r>
+              <a:rPr lang="en-US" sz="2000" dirty="0">
+                <a:ln w="0"/>
+                <a:gradFill>
+                  <a:gsLst>
+                    <a:gs pos="0">
+                      <a:srgbClr val="012D86"/>
+                    </a:gs>
+                    <a:gs pos="100000">
+                      <a:srgbClr val="0E2557"/>
+                    </a:gs>
+                  </a:gsLst>
+                  <a:lin scaled="0"/>
+                </a:gradFill>
+                <a:effectLst>
+                  <a:outerShdw blurRad="38100" dist="19050" dir="2700000" algn="tl" rotWithShape="0">
+                    <a:schemeClr val="dk1">
+                      <a:alpha val="40000"/>
+                    </a:schemeClr>
+                  </a:outerShdw>
+                </a:effectLst>
+                <a:latin typeface="Times New Roman" panose="02020603050405020304" pitchFamily="18" charset="0"/>
+                <a:cs typeface="Times New Roman" panose="02020603050405020304" pitchFamily="18" charset="0"/>
+              </a:rPr>
+              <a:t>Content Rating vs Installs</a:t>
+            </a:r>
+          </a:p>
+          <a:p>
+            <a:pPr marL="457200" indent="-457200" algn="just">
+              <a:spcBef>
+                <a:spcPts val="60"/>
+              </a:spcBef>
+              <a:spcAft>
+                <a:spcPts val="60"/>
+              </a:spcAft>
+              <a:buFont typeface="Wingdings" panose="05000000000000000000" pitchFamily="2" charset="2"/>
+              <a:buChar char="Ø"/>
+            </a:pPr>
+            <a:r>
+              <a:rPr lang="en-US" sz="2000" dirty="0">
+                <a:ln w="0"/>
+                <a:gradFill>
+                  <a:gsLst>
+                    <a:gs pos="0">
+                      <a:srgbClr val="012D86"/>
+                    </a:gs>
+                    <a:gs pos="100000">
+                      <a:srgbClr val="0E2557"/>
+                    </a:gs>
+                  </a:gsLst>
+                  <a:lin scaled="0"/>
+                </a:gradFill>
+                <a:effectLst>
+                  <a:outerShdw blurRad="38100" dist="19050" dir="2700000" algn="tl" rotWithShape="0">
+                    <a:schemeClr val="dk1">
+                      <a:alpha val="40000"/>
+                    </a:schemeClr>
+                  </a:outerShdw>
+                </a:effectLst>
+                <a:latin typeface="Times New Roman" panose="02020603050405020304" pitchFamily="18" charset="0"/>
+                <a:cs typeface="Times New Roman" panose="02020603050405020304" pitchFamily="18" charset="0"/>
+              </a:rPr>
+              <a:t>Review vs Rating</a:t>
+            </a:r>
+          </a:p>
+          <a:p>
+            <a:pPr marL="457200" indent="-457200" algn="just">
+              <a:spcBef>
+                <a:spcPts val="60"/>
+              </a:spcBef>
+              <a:spcAft>
+                <a:spcPts val="60"/>
+              </a:spcAft>
+              <a:buFont typeface="Wingdings" panose="05000000000000000000" pitchFamily="2" charset="2"/>
+              <a:buChar char="Ø"/>
+            </a:pPr>
+            <a:r>
+              <a:rPr lang="en-US" sz="2000" dirty="0">
+                <a:ln w="0"/>
+                <a:gradFill>
+                  <a:gsLst>
+                    <a:gs pos="0">
+                      <a:srgbClr val="012D86"/>
+                    </a:gs>
+                    <a:gs pos="100000">
+                      <a:srgbClr val="0E2557"/>
+                    </a:gs>
+                  </a:gsLst>
+                  <a:lin scaled="0"/>
+                </a:gradFill>
+                <a:effectLst>
+                  <a:outerShdw blurRad="38100" dist="19050" dir="2700000" algn="tl" rotWithShape="0">
+                    <a:schemeClr val="dk1">
+                      <a:alpha val="40000"/>
+                    </a:schemeClr>
+                  </a:outerShdw>
+                </a:effectLst>
+                <a:latin typeface="Times New Roman" panose="02020603050405020304" pitchFamily="18" charset="0"/>
+                <a:cs typeface="Times New Roman" panose="02020603050405020304" pitchFamily="18" charset="0"/>
+              </a:rPr>
+              <a:t>App Size Distribution</a:t>
+            </a:r>
+          </a:p>
+          <a:p>
+            <a:pPr marL="457200" indent="-457200" algn="just">
+              <a:spcBef>
+                <a:spcPts val="60"/>
+              </a:spcBef>
+              <a:spcAft>
+                <a:spcPts val="60"/>
+              </a:spcAft>
+              <a:buFont typeface="Wingdings" panose="05000000000000000000" pitchFamily="2" charset="2"/>
+              <a:buChar char="Ø"/>
+            </a:pPr>
+            <a:r>
+              <a:rPr lang="en-US" sz="2000" dirty="0">
+                <a:ln w="0"/>
+                <a:gradFill>
+                  <a:gsLst>
+                    <a:gs pos="0">
+                      <a:srgbClr val="012D86"/>
+                    </a:gs>
+                    <a:gs pos="100000">
+                      <a:srgbClr val="0E2557"/>
+                    </a:gs>
+                  </a:gsLst>
+                  <a:lin scaled="0"/>
+                </a:gradFill>
+                <a:effectLst>
+                  <a:outerShdw blurRad="38100" dist="19050" dir="2700000" algn="tl" rotWithShape="0">
+                    <a:schemeClr val="dk1">
+                      <a:alpha val="40000"/>
+                    </a:schemeClr>
+                  </a:outerShdw>
+                </a:effectLst>
+                <a:latin typeface="Times New Roman" panose="02020603050405020304" pitchFamily="18" charset="0"/>
+                <a:cs typeface="Times New Roman" panose="02020603050405020304" pitchFamily="18" charset="0"/>
+              </a:rPr>
+              <a:t>Sentiment Subjectivity Distribution</a:t>
+            </a:r>
+          </a:p>
+          <a:p>
+            <a:pPr marL="457200" indent="-457200" algn="just">
+              <a:spcBef>
+                <a:spcPts val="60"/>
+              </a:spcBef>
+              <a:spcAft>
+                <a:spcPts val="60"/>
+              </a:spcAft>
+              <a:buFont typeface="Wingdings" panose="05000000000000000000" pitchFamily="2" charset="2"/>
+              <a:buChar char="Ø"/>
+            </a:pPr>
+            <a:r>
+              <a:rPr lang="en-US" sz="2000" dirty="0">
+                <a:ln w="0"/>
+                <a:gradFill>
+                  <a:gsLst>
+                    <a:gs pos="0">
+                      <a:srgbClr val="012D86"/>
+                    </a:gs>
+                    <a:gs pos="100000">
+                      <a:srgbClr val="0E2557"/>
+                    </a:gs>
+                  </a:gsLst>
+                  <a:lin scaled="0"/>
+                </a:gradFill>
+                <a:effectLst>
+                  <a:outerShdw blurRad="38100" dist="19050" dir="2700000" algn="tl" rotWithShape="0">
+                    <a:schemeClr val="dk1">
+                      <a:alpha val="40000"/>
+                    </a:schemeClr>
+                  </a:outerShdw>
+                </a:effectLst>
+                <a:latin typeface="Times New Roman" panose="02020603050405020304" pitchFamily="18" charset="0"/>
+                <a:cs typeface="Times New Roman" panose="02020603050405020304" pitchFamily="18" charset="0"/>
+              </a:rPr>
+              <a:t>Sentiment Distribution</a:t>
+            </a:r>
+          </a:p>
+          <a:p>
+            <a:pPr marL="457200" indent="-457200" algn="just">
+              <a:spcBef>
+                <a:spcPts val="60"/>
+              </a:spcBef>
+              <a:spcAft>
+                <a:spcPts val="60"/>
+              </a:spcAft>
+              <a:buFont typeface="Wingdings" panose="05000000000000000000" pitchFamily="2" charset="2"/>
+              <a:buChar char="Ø"/>
+            </a:pPr>
+            <a:r>
+              <a:rPr lang="en-US" sz="2000" dirty="0">
+                <a:ln w="0"/>
+                <a:gradFill>
+                  <a:gsLst>
+                    <a:gs pos="0">
+                      <a:srgbClr val="012D86"/>
+                    </a:gs>
+                    <a:gs pos="100000">
+                      <a:srgbClr val="0E2557"/>
+                    </a:gs>
+                  </a:gsLst>
+                  <a:lin scaled="0"/>
+                </a:gradFill>
+                <a:effectLst>
+                  <a:outerShdw blurRad="38100" dist="19050" dir="2700000" algn="tl" rotWithShape="0">
+                    <a:schemeClr val="dk1">
+                      <a:alpha val="40000"/>
+                    </a:schemeClr>
+                  </a:outerShdw>
+                </a:effectLst>
+                <a:latin typeface="Times New Roman" panose="02020603050405020304" pitchFamily="18" charset="0"/>
+                <a:cs typeface="Times New Roman" panose="02020603050405020304" pitchFamily="18" charset="0"/>
+              </a:rPr>
+              <a:t>Sentiment Polarity Distribution</a:t>
+            </a:r>
+          </a:p>
+          <a:p>
+            <a:pPr marL="457200" indent="-457200" algn="just">
+              <a:spcBef>
+                <a:spcPts val="60"/>
+              </a:spcBef>
+              <a:spcAft>
+                <a:spcPts val="60"/>
+              </a:spcAft>
+              <a:buFont typeface="Wingdings" panose="05000000000000000000" pitchFamily="2" charset="2"/>
+              <a:buChar char="Ø"/>
+            </a:pPr>
+            <a:r>
+              <a:rPr lang="en-US" sz="2000" dirty="0">
+                <a:ln w="0"/>
+                <a:gradFill>
+                  <a:gsLst>
+                    <a:gs pos="0">
+                      <a:srgbClr val="012D86"/>
+                    </a:gs>
+                    <a:gs pos="100000">
+                      <a:srgbClr val="0E2557"/>
+                    </a:gs>
+                  </a:gsLst>
+                  <a:lin scaled="0"/>
+                </a:gradFill>
+                <a:effectLst>
+                  <a:outerShdw blurRad="38100" dist="19050" dir="2700000" algn="tl" rotWithShape="0">
+                    <a:schemeClr val="dk1">
+                      <a:alpha val="40000"/>
+                    </a:schemeClr>
+                  </a:outerShdw>
+                </a:effectLst>
+                <a:latin typeface="Times New Roman" panose="02020603050405020304" pitchFamily="18" charset="0"/>
+                <a:cs typeface="Times New Roman" panose="02020603050405020304" pitchFamily="18" charset="0"/>
+              </a:rPr>
+              <a:t>Category vs Review vs Sentiment</a:t>
+            </a:r>
+          </a:p>
+          <a:p>
+            <a:pPr marL="457200" indent="-457200" algn="just">
+              <a:spcBef>
+                <a:spcPts val="60"/>
+              </a:spcBef>
+              <a:spcAft>
+                <a:spcPts val="60"/>
+              </a:spcAft>
+              <a:buFont typeface="Wingdings" panose="05000000000000000000" pitchFamily="2" charset="2"/>
+              <a:buChar char="Ø"/>
+            </a:pPr>
+            <a:r>
+              <a:rPr lang="en-US" sz="2000" dirty="0">
+                <a:ln w="0"/>
+                <a:gradFill>
+                  <a:gsLst>
+                    <a:gs pos="0">
+                      <a:srgbClr val="012D86"/>
+                    </a:gs>
+                    <a:gs pos="100000">
+                      <a:srgbClr val="0E2557"/>
+                    </a:gs>
+                  </a:gsLst>
+                  <a:lin scaled="0"/>
+                </a:gradFill>
+                <a:effectLst>
+                  <a:outerShdw blurRad="38100" dist="19050" dir="2700000" algn="tl" rotWithShape="0">
+                    <a:schemeClr val="dk1">
+                      <a:alpha val="40000"/>
+                    </a:schemeClr>
+                  </a:outerShdw>
+                </a:effectLst>
+                <a:latin typeface="Times New Roman" panose="02020603050405020304" pitchFamily="18" charset="0"/>
+                <a:cs typeface="Times New Roman" panose="02020603050405020304" pitchFamily="18" charset="0"/>
+              </a:rPr>
+              <a:t>Conclusion</a:t>
+            </a:r>
+          </a:p>
+        </p:txBody>
+      </p:sp>
+      <p:pic>
+        <p:nvPicPr>
+          <p:cNvPr id="5" name="Picture 4">
+            <a:extLst>
+              <a:ext uri="{FF2B5EF4-FFF2-40B4-BE49-F238E27FC236}">
+                <a16:creationId xmlns:a16="http://schemas.microsoft.com/office/drawing/2014/main" id="{7C42A4AF-A42B-4D35-A7D7-6DDE55938ED3}"/>
+              </a:ext>
+            </a:extLst>
+          </p:cNvPr>
+          <p:cNvPicPr>
+            <a:picLocks noChangeAspect="1"/>
+          </p:cNvPicPr>
+          <p:nvPr/>
+        </p:nvPicPr>
+        <p:blipFill>
+          <a:blip r:embed="rId2" cstate="print">
+            <a:extLst>
+              <a:ext uri="{28A0092B-C50C-407E-A947-70E740481C1C}">
+                <a14:useLocalDpi xmlns:a14="http://schemas.microsoft.com/office/drawing/2010/main" val="0"/>
+              </a:ext>
+            </a:extLst>
+          </a:blip>
+          <a:stretch>
+            <a:fillRect/>
+          </a:stretch>
+        </p:blipFill>
+        <p:spPr>
+          <a:xfrm>
+            <a:off x="11639150" y="101864"/>
+            <a:ext cx="463748" cy="463748"/>
+          </a:xfrm>
+          <a:prstGeom prst="rect">
+            <a:avLst/>
+          </a:prstGeom>
+        </p:spPr>
+      </p:pic>
+    </p:spTree>
+  </p:cSld>
+  <p:clrMapOvr>
+    <a:masterClrMapping/>
+  </p:clrMapOvr>
+  <mc:AlternateContent xmlns:mc="http://schemas.openxmlformats.org/markup-compatibility/2006" xmlns:p14="http://schemas.microsoft.com/office/powerpoint/2010/main">
+    <mc:Choice Requires="p14">
+      <p:transition spd="slow" p14:dur="1500">
+        <p:cover/>
+      </p:transition>
+    </mc:Choice>
+    <mc:Fallback xmlns="">
+      <p:transition spd="slow">
+        <p:cover/>
+      </p:transition>
+    </mc:Fallback>
+  </mc:AlternateContent>
+</p:sld>
+</file>
+
+<file path=ppt/slides/slide20.xml><?xml version="1.0" encoding="utf-8"?>
 <p:sld xmlns:a="http://schemas.openxmlformats.org/drawingml/2006/main" xmlns:r="http://schemas.openxmlformats.org/officeDocument/2006/relationships" xmlns:p="http://schemas.openxmlformats.org/presentationml/2006/main">
   <p:cSld>
     <p:spTree>
@@ -7255,7 +8360,7 @@
         <p:spPr>
           <a:xfrm>
             <a:off x="226694" y="131386"/>
-            <a:ext cx="11738610" cy="6520055"/>
+            <a:ext cx="11738610" cy="6335389"/>
           </a:xfrm>
           <a:prstGeom prst="rect">
             <a:avLst/>
@@ -7289,15 +8394,8 @@
                 <a:latin typeface="Times New Roman" panose="02020603050405020304" pitchFamily="18" charset="0"/>
                 <a:cs typeface="Times New Roman" panose="02020603050405020304" pitchFamily="18" charset="0"/>
               </a:rPr>
-              <a:t>Actual number of reviews for each kind of sentiment</a:t>
-            </a:r>
-          </a:p>
-          <a:p>
-            <a:pPr algn="just">
-              <a:lnSpc>
-                <a:spcPct val="150000"/>
-              </a:lnSpc>
-            </a:pPr>
+              <a:t>Sentiments and Count of sentiment polarity</a:t>
+            </a:r>
             <a:endParaRPr lang="en-US" sz="2400" b="1" dirty="0">
               <a:ln w="0"/>
               <a:gradFill>
@@ -7397,6 +8495,24 @@
                 </a:gsLst>
                 <a:lin scaled="0"/>
               </a:gradFill>
+              <a:effectLst>
+                <a:outerShdw blurRad="38100" dist="19050" dir="2700000" algn="tl" rotWithShape="0">
+                  <a:schemeClr val="dk1">
+                    <a:alpha val="40000"/>
+                  </a:schemeClr>
+                </a:outerShdw>
+              </a:effectLst>
+              <a:latin typeface="Times New Roman" panose="02020603050405020304" pitchFamily="18" charset="0"/>
+              <a:cs typeface="Times New Roman" panose="02020603050405020304" pitchFamily="18" charset="0"/>
+            </a:endParaRPr>
+          </a:p>
+          <a:p>
+            <a:pPr algn="just"/>
+            <a:endParaRPr lang="en-US" sz="2800" b="1" dirty="0">
+              <a:ln w="0"/>
+              <a:solidFill>
+                <a:srgbClr val="C00000"/>
+              </a:solidFill>
               <a:effectLst>
                 <a:outerShdw blurRad="38100" dist="19050" dir="2700000" algn="tl" rotWithShape="0">
                   <a:schemeClr val="dk1">
@@ -7639,7 +8755,7 @@
         </p:blipFill>
         <p:spPr>
           <a:xfrm>
-            <a:off x="3745990" y="3429000"/>
+            <a:off x="3745990" y="3190023"/>
             <a:ext cx="4700015" cy="3026005"/>
           </a:xfrm>
           <a:prstGeom prst="rect">
@@ -7946,748 +9062,7 @@
 </p:sld>
 </file>
 
-<file path=ppt/slides/slide2.xml><?xml version="1.0" encoding="utf-8"?>
-<p:sld xmlns:a="http://schemas.openxmlformats.org/drawingml/2006/main" xmlns:r="http://schemas.openxmlformats.org/officeDocument/2006/relationships" xmlns:p="http://schemas.openxmlformats.org/presentationml/2006/main">
-  <p:cSld>
-    <p:spTree>
-      <p:nvGrpSpPr>
-        <p:cNvPr id="1" name=""/>
-        <p:cNvGrpSpPr/>
-        <p:nvPr/>
-      </p:nvGrpSpPr>
-      <p:grpSpPr>
-        <a:xfrm>
-          <a:off x="0" y="0"/>
-          <a:ext cx="0" cy="0"/>
-          <a:chOff x="0" y="0"/>
-          <a:chExt cx="0" cy="0"/>
-        </a:xfrm>
-      </p:grpSpPr>
-      <p:sp>
-        <p:nvSpPr>
-          <p:cNvPr id="2" name="Rectangle 1"/>
-          <p:cNvSpPr/>
-          <p:nvPr/>
-        </p:nvSpPr>
-        <p:spPr>
-          <a:xfrm>
-            <a:off x="226695" y="215452"/>
-            <a:ext cx="11738610" cy="6060633"/>
-          </a:xfrm>
-          <a:prstGeom prst="rect">
-            <a:avLst/>
-          </a:prstGeom>
-          <a:noFill/>
-        </p:spPr>
-        <p:txBody>
-          <a:bodyPr wrap="square" lIns="91440" tIns="45720" rIns="91440" bIns="45720">
-            <a:spAutoFit/>
-          </a:bodyPr>
-          <a:lstStyle/>
-          <a:p>
-            <a:pPr>
-              <a:lnSpc>
-                <a:spcPct val="150000"/>
-              </a:lnSpc>
-            </a:pPr>
-            <a:r>
-              <a:rPr lang="en-US" sz="2800" b="1" cap="none" spc="0" dirty="0">
-                <a:ln w="0"/>
-                <a:solidFill>
-                  <a:srgbClr val="C00000"/>
-                </a:solidFill>
-                <a:effectLst>
-                  <a:outerShdw blurRad="38100" dist="19050" dir="2700000" algn="tl" rotWithShape="0">
-                    <a:schemeClr val="dk1">
-                      <a:alpha val="40000"/>
-                    </a:schemeClr>
-                  </a:outerShdw>
-                </a:effectLst>
-                <a:latin typeface="Times New Roman" panose="02020603050405020304" pitchFamily="18" charset="0"/>
-                <a:cs typeface="Times New Roman" panose="02020603050405020304" pitchFamily="18" charset="0"/>
-              </a:rPr>
-              <a:t>POINTS FOR DISCUSSION</a:t>
-            </a:r>
-            <a:endParaRPr lang="en-US" sz="2400" dirty="0">
-              <a:ln w="0"/>
-              <a:effectLst>
-                <a:outerShdw blurRad="38100" dist="19050" dir="2700000" algn="tl" rotWithShape="0">
-                  <a:schemeClr val="dk1">
-                    <a:alpha val="40000"/>
-                  </a:schemeClr>
-                </a:outerShdw>
-              </a:effectLst>
-              <a:latin typeface="Times New Roman" panose="02020603050405020304" pitchFamily="18" charset="0"/>
-              <a:cs typeface="Times New Roman" panose="02020603050405020304" pitchFamily="18" charset="0"/>
-            </a:endParaRPr>
-          </a:p>
-          <a:p>
-            <a:pPr marL="457200" indent="-457200" algn="just">
-              <a:spcBef>
-                <a:spcPts val="60"/>
-              </a:spcBef>
-              <a:spcAft>
-                <a:spcPts val="60"/>
-              </a:spcAft>
-              <a:buFont typeface="Wingdings" panose="05000000000000000000" pitchFamily="2" charset="2"/>
-              <a:buChar char="Ø"/>
-            </a:pPr>
-            <a:r>
-              <a:rPr lang="en-US" sz="2000" dirty="0">
-                <a:ln w="0"/>
-                <a:gradFill>
-                  <a:gsLst>
-                    <a:gs pos="0">
-                      <a:srgbClr val="012D86"/>
-                    </a:gs>
-                    <a:gs pos="100000">
-                      <a:srgbClr val="0E2557"/>
-                    </a:gs>
-                  </a:gsLst>
-                  <a:lin scaled="0"/>
-                </a:gradFill>
-                <a:effectLst>
-                  <a:outerShdw blurRad="38100" dist="19050" dir="2700000" algn="tl" rotWithShape="0">
-                    <a:schemeClr val="dk1">
-                      <a:alpha val="40000"/>
-                    </a:schemeClr>
-                  </a:outerShdw>
-                </a:effectLst>
-                <a:latin typeface="Times New Roman" panose="02020603050405020304" pitchFamily="18" charset="0"/>
-                <a:cs typeface="Times New Roman" panose="02020603050405020304" pitchFamily="18" charset="0"/>
-              </a:rPr>
-              <a:t>Problem Statement &amp; Objective</a:t>
-            </a:r>
-          </a:p>
-          <a:p>
-            <a:pPr marL="457200" indent="-457200" algn="just">
-              <a:spcBef>
-                <a:spcPts val="60"/>
-              </a:spcBef>
-              <a:spcAft>
-                <a:spcPts val="60"/>
-              </a:spcAft>
-              <a:buFont typeface="Wingdings" panose="05000000000000000000" pitchFamily="2" charset="2"/>
-              <a:buChar char="Ø"/>
-            </a:pPr>
-            <a:r>
-              <a:rPr lang="en-US" sz="2000" dirty="0">
-                <a:ln w="0"/>
-                <a:gradFill>
-                  <a:gsLst>
-                    <a:gs pos="0">
-                      <a:srgbClr val="012D86"/>
-                    </a:gs>
-                    <a:gs pos="100000">
-                      <a:srgbClr val="0E2557"/>
-                    </a:gs>
-                  </a:gsLst>
-                  <a:lin scaled="0"/>
-                </a:gradFill>
-                <a:effectLst>
-                  <a:outerShdw blurRad="38100" dist="19050" dir="2700000" algn="tl" rotWithShape="0">
-                    <a:schemeClr val="dk1">
-                      <a:alpha val="40000"/>
-                    </a:schemeClr>
-                  </a:outerShdw>
-                </a:effectLst>
-                <a:latin typeface="Times New Roman" panose="02020603050405020304" pitchFamily="18" charset="0"/>
-                <a:cs typeface="Times New Roman" panose="02020603050405020304" pitchFamily="18" charset="0"/>
-              </a:rPr>
-              <a:t>Data Summary</a:t>
-            </a:r>
-          </a:p>
-          <a:p>
-            <a:pPr marL="457200" indent="-457200" algn="just">
-              <a:spcBef>
-                <a:spcPts val="60"/>
-              </a:spcBef>
-              <a:spcAft>
-                <a:spcPts val="60"/>
-              </a:spcAft>
-              <a:buFont typeface="Wingdings" panose="05000000000000000000" pitchFamily="2" charset="2"/>
-              <a:buChar char="Ø"/>
-            </a:pPr>
-            <a:r>
-              <a:rPr lang="en-US" sz="2000" dirty="0">
-                <a:ln w="0"/>
-                <a:gradFill>
-                  <a:gsLst>
-                    <a:gs pos="0">
-                      <a:srgbClr val="012D86"/>
-                    </a:gs>
-                    <a:gs pos="100000">
-                      <a:srgbClr val="0E2557"/>
-                    </a:gs>
-                  </a:gsLst>
-                  <a:lin scaled="0"/>
-                </a:gradFill>
-                <a:effectLst>
-                  <a:outerShdw blurRad="38100" dist="19050" dir="2700000" algn="tl" rotWithShape="0">
-                    <a:schemeClr val="dk1">
-                      <a:alpha val="40000"/>
-                    </a:schemeClr>
-                  </a:outerShdw>
-                </a:effectLst>
-                <a:latin typeface="Times New Roman" panose="02020603050405020304" pitchFamily="18" charset="0"/>
-                <a:cs typeface="Times New Roman" panose="02020603050405020304" pitchFamily="18" charset="0"/>
-              </a:rPr>
-              <a:t>Load the Data and Create Data Frame</a:t>
-            </a:r>
-          </a:p>
-          <a:p>
-            <a:pPr marL="457200" indent="-457200" algn="just">
-              <a:spcBef>
-                <a:spcPts val="60"/>
-              </a:spcBef>
-              <a:spcAft>
-                <a:spcPts val="60"/>
-              </a:spcAft>
-              <a:buFont typeface="Wingdings" panose="05000000000000000000" pitchFamily="2" charset="2"/>
-              <a:buChar char="Ø"/>
-            </a:pPr>
-            <a:r>
-              <a:rPr lang="en-US" sz="2000" dirty="0">
-                <a:ln w="0"/>
-                <a:gradFill>
-                  <a:gsLst>
-                    <a:gs pos="0">
-                      <a:srgbClr val="012D86"/>
-                    </a:gs>
-                    <a:gs pos="100000">
-                      <a:srgbClr val="0E2557"/>
-                    </a:gs>
-                  </a:gsLst>
-                  <a:lin scaled="0"/>
-                </a:gradFill>
-                <a:effectLst>
-                  <a:outerShdw blurRad="38100" dist="19050" dir="2700000" algn="tl" rotWithShape="0">
-                    <a:schemeClr val="dk1">
-                      <a:alpha val="40000"/>
-                    </a:schemeClr>
-                  </a:outerShdw>
-                </a:effectLst>
-                <a:latin typeface="Times New Roman" panose="02020603050405020304" pitchFamily="18" charset="0"/>
-                <a:cs typeface="Times New Roman" panose="02020603050405020304" pitchFamily="18" charset="0"/>
-              </a:rPr>
-              <a:t>Univariate Analysis</a:t>
-            </a:r>
-          </a:p>
-          <a:p>
-            <a:pPr marL="457200" indent="-457200" algn="just">
-              <a:spcBef>
-                <a:spcPts val="60"/>
-              </a:spcBef>
-              <a:spcAft>
-                <a:spcPts val="60"/>
-              </a:spcAft>
-              <a:buFont typeface="Wingdings" panose="05000000000000000000" pitchFamily="2" charset="2"/>
-              <a:buChar char="Ø"/>
-            </a:pPr>
-            <a:r>
-              <a:rPr lang="en-US" sz="2000" dirty="0">
-                <a:ln w="0"/>
-                <a:gradFill>
-                  <a:gsLst>
-                    <a:gs pos="0">
-                      <a:srgbClr val="012D86"/>
-                    </a:gs>
-                    <a:gs pos="100000">
-                      <a:srgbClr val="0E2557"/>
-                    </a:gs>
-                  </a:gsLst>
-                  <a:lin scaled="0"/>
-                </a:gradFill>
-                <a:effectLst>
-                  <a:outerShdw blurRad="38100" dist="19050" dir="2700000" algn="tl" rotWithShape="0">
-                    <a:schemeClr val="dk1">
-                      <a:alpha val="40000"/>
-                    </a:schemeClr>
-                  </a:outerShdw>
-                </a:effectLst>
-                <a:latin typeface="Times New Roman" panose="02020603050405020304" pitchFamily="18" charset="0"/>
-                <a:cs typeface="Times New Roman" panose="02020603050405020304" pitchFamily="18" charset="0"/>
-              </a:rPr>
-              <a:t>Skewness of Data</a:t>
-            </a:r>
-          </a:p>
-          <a:p>
-            <a:pPr marL="457200" indent="-457200" algn="just">
-              <a:spcBef>
-                <a:spcPts val="60"/>
-              </a:spcBef>
-              <a:spcAft>
-                <a:spcPts val="60"/>
-              </a:spcAft>
-              <a:buFont typeface="Wingdings" panose="05000000000000000000" pitchFamily="2" charset="2"/>
-              <a:buChar char="Ø"/>
-            </a:pPr>
-            <a:r>
-              <a:rPr lang="en-US" sz="2000" dirty="0">
-                <a:ln w="0"/>
-                <a:gradFill>
-                  <a:gsLst>
-                    <a:gs pos="0">
-                      <a:srgbClr val="012D86"/>
-                    </a:gs>
-                    <a:gs pos="100000">
-                      <a:srgbClr val="0E2557"/>
-                    </a:gs>
-                  </a:gsLst>
-                  <a:lin scaled="0"/>
-                </a:gradFill>
-                <a:effectLst>
-                  <a:outerShdw blurRad="38100" dist="19050" dir="2700000" algn="tl" rotWithShape="0">
-                    <a:schemeClr val="dk1">
-                      <a:alpha val="40000"/>
-                    </a:schemeClr>
-                  </a:outerShdw>
-                </a:effectLst>
-                <a:latin typeface="Times New Roman" panose="02020603050405020304" pitchFamily="18" charset="0"/>
-                <a:cs typeface="Times New Roman" panose="02020603050405020304" pitchFamily="18" charset="0"/>
-              </a:rPr>
-              <a:t>Bivariate Analysis</a:t>
-            </a:r>
-          </a:p>
-          <a:p>
-            <a:pPr marL="457200" indent="-457200" algn="just">
-              <a:spcBef>
-                <a:spcPts val="60"/>
-              </a:spcBef>
-              <a:spcAft>
-                <a:spcPts val="60"/>
-              </a:spcAft>
-              <a:buFont typeface="Wingdings" panose="05000000000000000000" pitchFamily="2" charset="2"/>
-              <a:buChar char="Ø"/>
-            </a:pPr>
-            <a:r>
-              <a:rPr lang="en-US" sz="2000" dirty="0">
-                <a:ln w="0"/>
-                <a:gradFill>
-                  <a:gsLst>
-                    <a:gs pos="0">
-                      <a:srgbClr val="012D86"/>
-                    </a:gs>
-                    <a:gs pos="100000">
-                      <a:srgbClr val="0E2557"/>
-                    </a:gs>
-                  </a:gsLst>
-                  <a:lin scaled="0"/>
-                </a:gradFill>
-                <a:effectLst>
-                  <a:outerShdw blurRad="38100" dist="19050" dir="2700000" algn="tl" rotWithShape="0">
-                    <a:schemeClr val="dk1">
-                      <a:alpha val="40000"/>
-                    </a:schemeClr>
-                  </a:outerShdw>
-                </a:effectLst>
-                <a:latin typeface="Times New Roman" panose="02020603050405020304" pitchFamily="18" charset="0"/>
-                <a:cs typeface="Times New Roman" panose="02020603050405020304" pitchFamily="18" charset="0"/>
-              </a:rPr>
-              <a:t>Correlation of Data</a:t>
-            </a:r>
-          </a:p>
-          <a:p>
-            <a:pPr marL="457200" indent="-457200" algn="just">
-              <a:spcBef>
-                <a:spcPts val="60"/>
-              </a:spcBef>
-              <a:spcAft>
-                <a:spcPts val="60"/>
-              </a:spcAft>
-              <a:buFont typeface="Wingdings" panose="05000000000000000000" pitchFamily="2" charset="2"/>
-              <a:buChar char="Ø"/>
-            </a:pPr>
-            <a:r>
-              <a:rPr lang="en-US" sz="2000" dirty="0">
-                <a:ln w="0"/>
-                <a:gradFill>
-                  <a:gsLst>
-                    <a:gs pos="0">
-                      <a:srgbClr val="012D86"/>
-                    </a:gs>
-                    <a:gs pos="100000">
-                      <a:srgbClr val="0E2557"/>
-                    </a:gs>
-                  </a:gsLst>
-                  <a:lin scaled="0"/>
-                </a:gradFill>
-                <a:effectLst>
-                  <a:outerShdw blurRad="38100" dist="19050" dir="2700000" algn="tl" rotWithShape="0">
-                    <a:schemeClr val="dk1">
-                      <a:alpha val="40000"/>
-                    </a:schemeClr>
-                  </a:outerShdw>
-                </a:effectLst>
-                <a:latin typeface="Times New Roman" panose="02020603050405020304" pitchFamily="18" charset="0"/>
-                <a:cs typeface="Times New Roman" panose="02020603050405020304" pitchFamily="18" charset="0"/>
-              </a:rPr>
-              <a:t>Most installed category</a:t>
-            </a:r>
-          </a:p>
-          <a:p>
-            <a:pPr marL="457200" indent="-457200" algn="just">
-              <a:spcBef>
-                <a:spcPts val="60"/>
-              </a:spcBef>
-              <a:spcAft>
-                <a:spcPts val="60"/>
-              </a:spcAft>
-              <a:buFont typeface="Wingdings" panose="05000000000000000000" pitchFamily="2" charset="2"/>
-              <a:buChar char="Ø"/>
-            </a:pPr>
-            <a:r>
-              <a:rPr lang="en-US" sz="2000" dirty="0">
-                <a:ln w="0"/>
-                <a:gradFill>
-                  <a:gsLst>
-                    <a:gs pos="0">
-                      <a:srgbClr val="012D86"/>
-                    </a:gs>
-                    <a:gs pos="100000">
-                      <a:srgbClr val="0E2557"/>
-                    </a:gs>
-                  </a:gsLst>
-                  <a:lin scaled="0"/>
-                </a:gradFill>
-                <a:effectLst>
-                  <a:outerShdw blurRad="38100" dist="19050" dir="2700000" algn="tl" rotWithShape="0">
-                    <a:schemeClr val="dk1">
-                      <a:alpha val="40000"/>
-                    </a:schemeClr>
-                  </a:outerShdw>
-                </a:effectLst>
-                <a:latin typeface="Times New Roman" panose="02020603050405020304" pitchFamily="18" charset="0"/>
-                <a:cs typeface="Times New Roman" panose="02020603050405020304" pitchFamily="18" charset="0"/>
-              </a:rPr>
-              <a:t>Content Rating vs Installs</a:t>
-            </a:r>
-          </a:p>
-          <a:p>
-            <a:pPr marL="457200" indent="-457200" algn="just">
-              <a:spcBef>
-                <a:spcPts val="60"/>
-              </a:spcBef>
-              <a:spcAft>
-                <a:spcPts val="60"/>
-              </a:spcAft>
-              <a:buFont typeface="Wingdings" panose="05000000000000000000" pitchFamily="2" charset="2"/>
-              <a:buChar char="Ø"/>
-            </a:pPr>
-            <a:r>
-              <a:rPr lang="en-US" sz="2000" dirty="0">
-                <a:ln w="0"/>
-                <a:gradFill>
-                  <a:gsLst>
-                    <a:gs pos="0">
-                      <a:srgbClr val="012D86"/>
-                    </a:gs>
-                    <a:gs pos="100000">
-                      <a:srgbClr val="0E2557"/>
-                    </a:gs>
-                  </a:gsLst>
-                  <a:lin scaled="0"/>
-                </a:gradFill>
-                <a:effectLst>
-                  <a:outerShdw blurRad="38100" dist="19050" dir="2700000" algn="tl" rotWithShape="0">
-                    <a:schemeClr val="dk1">
-                      <a:alpha val="40000"/>
-                    </a:schemeClr>
-                  </a:outerShdw>
-                </a:effectLst>
-                <a:latin typeface="Times New Roman" panose="02020603050405020304" pitchFamily="18" charset="0"/>
-                <a:cs typeface="Times New Roman" panose="02020603050405020304" pitchFamily="18" charset="0"/>
-              </a:rPr>
-              <a:t>Review vs Rating</a:t>
-            </a:r>
-          </a:p>
-          <a:p>
-            <a:pPr marL="457200" indent="-457200" algn="just">
-              <a:spcBef>
-                <a:spcPts val="60"/>
-              </a:spcBef>
-              <a:spcAft>
-                <a:spcPts val="60"/>
-              </a:spcAft>
-              <a:buFont typeface="Wingdings" panose="05000000000000000000" pitchFamily="2" charset="2"/>
-              <a:buChar char="Ø"/>
-            </a:pPr>
-            <a:r>
-              <a:rPr lang="en-US" sz="2000" dirty="0">
-                <a:ln w="0"/>
-                <a:gradFill>
-                  <a:gsLst>
-                    <a:gs pos="0">
-                      <a:srgbClr val="012D86"/>
-                    </a:gs>
-                    <a:gs pos="100000">
-                      <a:srgbClr val="0E2557"/>
-                    </a:gs>
-                  </a:gsLst>
-                  <a:lin scaled="0"/>
-                </a:gradFill>
-                <a:effectLst>
-                  <a:outerShdw blurRad="38100" dist="19050" dir="2700000" algn="tl" rotWithShape="0">
-                    <a:schemeClr val="dk1">
-                      <a:alpha val="40000"/>
-                    </a:schemeClr>
-                  </a:outerShdw>
-                </a:effectLst>
-                <a:latin typeface="Times New Roman" panose="02020603050405020304" pitchFamily="18" charset="0"/>
-                <a:cs typeface="Times New Roman" panose="02020603050405020304" pitchFamily="18" charset="0"/>
-              </a:rPr>
-              <a:t>App Size Distribution</a:t>
-            </a:r>
-          </a:p>
-          <a:p>
-            <a:pPr marL="457200" indent="-457200" algn="just">
-              <a:spcBef>
-                <a:spcPts val="60"/>
-              </a:spcBef>
-              <a:spcAft>
-                <a:spcPts val="60"/>
-              </a:spcAft>
-              <a:buFont typeface="Wingdings" panose="05000000000000000000" pitchFamily="2" charset="2"/>
-              <a:buChar char="Ø"/>
-            </a:pPr>
-            <a:r>
-              <a:rPr lang="en-US" sz="2000" dirty="0">
-                <a:ln w="0"/>
-                <a:gradFill>
-                  <a:gsLst>
-                    <a:gs pos="0">
-                      <a:srgbClr val="012D86"/>
-                    </a:gs>
-                    <a:gs pos="100000">
-                      <a:srgbClr val="0E2557"/>
-                    </a:gs>
-                  </a:gsLst>
-                  <a:lin scaled="0"/>
-                </a:gradFill>
-                <a:effectLst>
-                  <a:outerShdw blurRad="38100" dist="19050" dir="2700000" algn="tl" rotWithShape="0">
-                    <a:schemeClr val="dk1">
-                      <a:alpha val="40000"/>
-                    </a:schemeClr>
-                  </a:outerShdw>
-                </a:effectLst>
-                <a:latin typeface="Times New Roman" panose="02020603050405020304" pitchFamily="18" charset="0"/>
-                <a:cs typeface="Times New Roman" panose="02020603050405020304" pitchFamily="18" charset="0"/>
-              </a:rPr>
-              <a:t>Sentiment Subjectivity Distribution</a:t>
-            </a:r>
-          </a:p>
-          <a:p>
-            <a:pPr marL="457200" indent="-457200" algn="just">
-              <a:spcBef>
-                <a:spcPts val="60"/>
-              </a:spcBef>
-              <a:spcAft>
-                <a:spcPts val="60"/>
-              </a:spcAft>
-              <a:buFont typeface="Wingdings" panose="05000000000000000000" pitchFamily="2" charset="2"/>
-              <a:buChar char="Ø"/>
-            </a:pPr>
-            <a:r>
-              <a:rPr lang="en-US" sz="2000" dirty="0">
-                <a:ln w="0"/>
-                <a:gradFill>
-                  <a:gsLst>
-                    <a:gs pos="0">
-                      <a:srgbClr val="012D86"/>
-                    </a:gs>
-                    <a:gs pos="100000">
-                      <a:srgbClr val="0E2557"/>
-                    </a:gs>
-                  </a:gsLst>
-                  <a:lin scaled="0"/>
-                </a:gradFill>
-                <a:effectLst>
-                  <a:outerShdw blurRad="38100" dist="19050" dir="2700000" algn="tl" rotWithShape="0">
-                    <a:schemeClr val="dk1">
-                      <a:alpha val="40000"/>
-                    </a:schemeClr>
-                  </a:outerShdw>
-                </a:effectLst>
-                <a:latin typeface="Times New Roman" panose="02020603050405020304" pitchFamily="18" charset="0"/>
-                <a:cs typeface="Times New Roman" panose="02020603050405020304" pitchFamily="18" charset="0"/>
-              </a:rPr>
-              <a:t>Sentiment Distribution</a:t>
-            </a:r>
-          </a:p>
-          <a:p>
-            <a:pPr marL="457200" indent="-457200" algn="just">
-              <a:spcBef>
-                <a:spcPts val="60"/>
-              </a:spcBef>
-              <a:spcAft>
-                <a:spcPts val="60"/>
-              </a:spcAft>
-              <a:buFont typeface="Wingdings" panose="05000000000000000000" pitchFamily="2" charset="2"/>
-              <a:buChar char="Ø"/>
-            </a:pPr>
-            <a:r>
-              <a:rPr lang="en-US" sz="2000" dirty="0">
-                <a:ln w="0"/>
-                <a:gradFill>
-                  <a:gsLst>
-                    <a:gs pos="0">
-                      <a:srgbClr val="012D86"/>
-                    </a:gs>
-                    <a:gs pos="100000">
-                      <a:srgbClr val="0E2557"/>
-                    </a:gs>
-                  </a:gsLst>
-                  <a:lin scaled="0"/>
-                </a:gradFill>
-                <a:effectLst>
-                  <a:outerShdw blurRad="38100" dist="19050" dir="2700000" algn="tl" rotWithShape="0">
-                    <a:schemeClr val="dk1">
-                      <a:alpha val="40000"/>
-                    </a:schemeClr>
-                  </a:outerShdw>
-                </a:effectLst>
-                <a:latin typeface="Times New Roman" panose="02020603050405020304" pitchFamily="18" charset="0"/>
-                <a:cs typeface="Times New Roman" panose="02020603050405020304" pitchFamily="18" charset="0"/>
-              </a:rPr>
-              <a:t>Sentiment Polarity Distribution</a:t>
-            </a:r>
-          </a:p>
-          <a:p>
-            <a:pPr marL="457200" indent="-457200" algn="just">
-              <a:spcBef>
-                <a:spcPts val="60"/>
-              </a:spcBef>
-              <a:spcAft>
-                <a:spcPts val="60"/>
-              </a:spcAft>
-              <a:buFont typeface="Wingdings" panose="05000000000000000000" pitchFamily="2" charset="2"/>
-              <a:buChar char="Ø"/>
-            </a:pPr>
-            <a:r>
-              <a:rPr lang="en-US" sz="2000" dirty="0">
-                <a:ln w="0"/>
-                <a:gradFill>
-                  <a:gsLst>
-                    <a:gs pos="0">
-                      <a:srgbClr val="012D86"/>
-                    </a:gs>
-                    <a:gs pos="100000">
-                      <a:srgbClr val="0E2557"/>
-                    </a:gs>
-                  </a:gsLst>
-                  <a:lin scaled="0"/>
-                </a:gradFill>
-                <a:effectLst>
-                  <a:outerShdw blurRad="38100" dist="19050" dir="2700000" algn="tl" rotWithShape="0">
-                    <a:schemeClr val="dk1">
-                      <a:alpha val="40000"/>
-                    </a:schemeClr>
-                  </a:outerShdw>
-                </a:effectLst>
-                <a:latin typeface="Times New Roman" panose="02020603050405020304" pitchFamily="18" charset="0"/>
-                <a:cs typeface="Times New Roman" panose="02020603050405020304" pitchFamily="18" charset="0"/>
-              </a:rPr>
-              <a:t>Category vs Review vs Sentiment</a:t>
-            </a:r>
-          </a:p>
-          <a:p>
-            <a:pPr marL="457200" indent="-457200" algn="just">
-              <a:spcBef>
-                <a:spcPts val="60"/>
-              </a:spcBef>
-              <a:spcAft>
-                <a:spcPts val="60"/>
-              </a:spcAft>
-              <a:buFont typeface="Wingdings" panose="05000000000000000000" pitchFamily="2" charset="2"/>
-              <a:buChar char="Ø"/>
-            </a:pPr>
-            <a:r>
-              <a:rPr lang="en-US" sz="2000" dirty="0">
-                <a:ln w="0"/>
-                <a:gradFill>
-                  <a:gsLst>
-                    <a:gs pos="0">
-                      <a:srgbClr val="012D86"/>
-                    </a:gs>
-                    <a:gs pos="100000">
-                      <a:srgbClr val="0E2557"/>
-                    </a:gs>
-                  </a:gsLst>
-                  <a:lin scaled="0"/>
-                </a:gradFill>
-                <a:effectLst>
-                  <a:outerShdw blurRad="38100" dist="19050" dir="2700000" algn="tl" rotWithShape="0">
-                    <a:schemeClr val="dk1">
-                      <a:alpha val="40000"/>
-                    </a:schemeClr>
-                  </a:outerShdw>
-                </a:effectLst>
-                <a:latin typeface="Times New Roman" panose="02020603050405020304" pitchFamily="18" charset="0"/>
-                <a:cs typeface="Times New Roman" panose="02020603050405020304" pitchFamily="18" charset="0"/>
-              </a:rPr>
-              <a:t>Conclusion</a:t>
-            </a:r>
-          </a:p>
-        </p:txBody>
-      </p:sp>
-      <p:pic>
-        <p:nvPicPr>
-          <p:cNvPr id="5" name="Picture 4">
-            <a:extLst>
-              <a:ext uri="{FF2B5EF4-FFF2-40B4-BE49-F238E27FC236}">
-                <a16:creationId xmlns:a16="http://schemas.microsoft.com/office/drawing/2014/main" id="{7C42A4AF-A42B-4D35-A7D7-6DDE55938ED3}"/>
-              </a:ext>
-            </a:extLst>
-          </p:cNvPr>
-          <p:cNvPicPr>
-            <a:picLocks noChangeAspect="1"/>
-          </p:cNvPicPr>
-          <p:nvPr/>
-        </p:nvPicPr>
-        <p:blipFill>
-          <a:blip r:embed="rId2" cstate="print">
-            <a:extLst>
-              <a:ext uri="{28A0092B-C50C-407E-A947-70E740481C1C}">
-                <a14:useLocalDpi xmlns:a14="http://schemas.microsoft.com/office/drawing/2010/main" val="0"/>
-              </a:ext>
-            </a:extLst>
-          </a:blip>
-          <a:stretch>
-            <a:fillRect/>
-          </a:stretch>
-        </p:blipFill>
-        <p:spPr>
-          <a:xfrm>
-            <a:off x="11639150" y="101864"/>
-            <a:ext cx="463748" cy="463748"/>
-          </a:xfrm>
-          <a:prstGeom prst="rect">
-            <a:avLst/>
-          </a:prstGeom>
-        </p:spPr>
-      </p:pic>
-    </p:spTree>
-  </p:cSld>
-  <p:clrMapOvr>
-    <a:masterClrMapping/>
-  </p:clrMapOvr>
-  <mc:AlternateContent xmlns:mc="http://schemas.openxmlformats.org/markup-compatibility/2006" xmlns:p14="http://schemas.microsoft.com/office/powerpoint/2010/main">
-    <mc:Choice Requires="p14">
-      <p:transition spd="slow" p14:dur="1500">
-        <p:cover/>
-      </p:transition>
-    </mc:Choice>
-    <mc:Fallback xmlns="">
-      <p:transition spd="slow">
-        <p:cover/>
-      </p:transition>
-    </mc:Fallback>
-  </mc:AlternateContent>
-</p:sld>
-</file>
-
-<file path=ppt/slides/slide20.xml><?xml version="1.0" encoding="utf-8"?>
+<file path=ppt/slides/slide21.xml><?xml version="1.0" encoding="utf-8"?>
 <p:sld xmlns:a="http://schemas.openxmlformats.org/drawingml/2006/main" xmlns:r="http://schemas.openxmlformats.org/officeDocument/2006/relationships" xmlns:p="http://schemas.openxmlformats.org/presentationml/2006/main">
   <p:cSld>
     <p:spTree>
@@ -9032,42 +9407,6 @@
       </p:sp>
       <p:pic>
         <p:nvPicPr>
-          <p:cNvPr id="6" name="Picture 5">
-            <a:extLst>
-              <a:ext uri="{FF2B5EF4-FFF2-40B4-BE49-F238E27FC236}">
-                <a16:creationId xmlns:a16="http://schemas.microsoft.com/office/drawing/2014/main" id="{18759B56-AB90-4665-859E-EF4A30556939}"/>
-              </a:ext>
-            </a:extLst>
-          </p:cNvPr>
-          <p:cNvPicPr>
-            <a:picLocks noChangeAspect="1"/>
-          </p:cNvPicPr>
-          <p:nvPr/>
-        </p:nvPicPr>
-        <p:blipFill>
-          <a:blip r:embed="rId2">
-            <a:extLst>
-              <a:ext uri="{28A0092B-C50C-407E-A947-70E740481C1C}">
-                <a14:useLocalDpi xmlns:a14="http://schemas.microsoft.com/office/drawing/2010/main" val="0"/>
-              </a:ext>
-            </a:extLst>
-          </a:blip>
-          <a:stretch>
-            <a:fillRect/>
-          </a:stretch>
-        </p:blipFill>
-        <p:spPr>
-          <a:xfrm>
-            <a:off x="288421" y="858626"/>
-            <a:ext cx="11615158" cy="4693762"/>
-          </a:xfrm>
-          <a:prstGeom prst="rect">
-            <a:avLst/>
-          </a:prstGeom>
-        </p:spPr>
-      </p:pic>
-      <p:pic>
-        <p:nvPicPr>
           <p:cNvPr id="5" name="Picture 4">
             <a:extLst>
               <a:ext uri="{FF2B5EF4-FFF2-40B4-BE49-F238E27FC236}">
@@ -9081,7 +9420,7 @@
           <p:nvPr/>
         </p:nvPicPr>
         <p:blipFill>
-          <a:blip r:embed="rId3" cstate="print">
+          <a:blip r:embed="rId2" cstate="print">
             <a:extLst>
               <a:ext uri="{28A0092B-C50C-407E-A947-70E740481C1C}">
                 <a14:useLocalDpi xmlns:a14="http://schemas.microsoft.com/office/drawing/2010/main" val="0"/>
@@ -9100,6 +9439,72 @@
           <a:prstGeom prst="rect">
             <a:avLst/>
           </a:prstGeom>
+        </p:spPr>
+      </p:pic>
+      <p:pic>
+        <p:nvPicPr>
+          <p:cNvPr id="4" name="Picture 3">
+            <a:extLst>
+              <a:ext uri="{FF2B5EF4-FFF2-40B4-BE49-F238E27FC236}">
+                <a16:creationId xmlns:a16="http://schemas.microsoft.com/office/drawing/2014/main" id="{B7F900BE-F831-3EFE-3316-31540A2D9603}"/>
+              </a:ext>
+            </a:extLst>
+          </p:cNvPr>
+          <p:cNvPicPr>
+            <a:picLocks noChangeAspect="1"/>
+          </p:cNvPicPr>
+          <p:nvPr/>
+        </p:nvPicPr>
+        <p:blipFill>
+          <a:blip r:embed="rId3">
+            <a:extLst>
+              <a:ext uri="{28A0092B-C50C-407E-A947-70E740481C1C}">
+                <a14:useLocalDpi xmlns:a14="http://schemas.microsoft.com/office/drawing/2010/main" val="0"/>
+              </a:ext>
+            </a:extLst>
+          </a:blip>
+          <a:stretch>
+            <a:fillRect/>
+          </a:stretch>
+        </p:blipFill>
+        <p:spPr>
+          <a:xfrm>
+            <a:off x="156333" y="956918"/>
+            <a:ext cx="11879333" cy="4146424"/>
+          </a:xfrm>
+          <a:prstGeom prst="rect">
+            <a:avLst/>
+          </a:prstGeom>
+          <a:solidFill>
+            <a:srgbClr val="FFFFFF">
+              <a:shade val="85000"/>
+            </a:srgbClr>
+          </a:solidFill>
+          <a:ln w="88900" cap="sq">
+            <a:solidFill>
+              <a:srgbClr val="FFFFFF"/>
+            </a:solidFill>
+            <a:miter lim="800000"/>
+          </a:ln>
+          <a:effectLst>
+            <a:outerShdw blurRad="55000" dist="18000" dir="5400000" algn="tl" rotWithShape="0">
+              <a:srgbClr val="000000">
+                <a:alpha val="40000"/>
+              </a:srgbClr>
+            </a:outerShdw>
+          </a:effectLst>
+          <a:scene3d>
+            <a:camera prst="orthographicFront"/>
+            <a:lightRig rig="twoPt" dir="t">
+              <a:rot lat="0" lon="0" rev="7200000"/>
+            </a:lightRig>
+          </a:scene3d>
+          <a:sp3d>
+            <a:bevelT w="25400" h="19050"/>
+            <a:contourClr>
+              <a:srgbClr val="FFFFFF"/>
+            </a:contourClr>
+          </a:sp3d>
         </p:spPr>
       </p:pic>
     </p:spTree>
@@ -9127,7 +9532,7 @@
 </p:sld>
 </file>
 
-<file path=ppt/slides/slide21.xml><?xml version="1.0" encoding="utf-8"?>
+<file path=ppt/slides/slide22.xml><?xml version="1.0" encoding="utf-8"?>
 <p:sld xmlns:a="http://schemas.openxmlformats.org/drawingml/2006/main" xmlns:r="http://schemas.openxmlformats.org/officeDocument/2006/relationships" xmlns:p="http://schemas.openxmlformats.org/presentationml/2006/main">
   <p:cSld>
     <p:spTree>
@@ -9427,7 +9832,7 @@
 </p:sld>
 </file>
 
-<file path=ppt/slides/slide22.xml><?xml version="1.0" encoding="utf-8"?>
+<file path=ppt/slides/slide23.xml><?xml version="1.0" encoding="utf-8"?>
 <p:sld xmlns:a="http://schemas.openxmlformats.org/drawingml/2006/main" xmlns:r="http://schemas.openxmlformats.org/officeDocument/2006/relationships" xmlns:p="http://schemas.openxmlformats.org/presentationml/2006/main">
   <p:cSld>
     <p:spTree>
@@ -9928,7 +10333,7 @@
         <p:spPr>
           <a:xfrm>
             <a:off x="226695" y="205304"/>
-            <a:ext cx="11738610" cy="6263253"/>
+            <a:ext cx="11738610" cy="6571030"/>
           </a:xfrm>
           <a:prstGeom prst="rect">
             <a:avLst/>
@@ -10038,29 +10443,7 @@
                 <a:latin typeface="Times New Roman" panose="02020603050405020304" pitchFamily="18" charset="0"/>
                 <a:cs typeface="Times New Roman" panose="02020603050405020304" pitchFamily="18" charset="0"/>
               </a:rPr>
-              <a:t>Each app (row) has values </a:t>
-            </a:r>
-            <a:r>
-              <a:rPr lang="en-US" sz="2000" b="1" i="0">
-                <a:solidFill>
-                  <a:srgbClr val="042D85"/>
-                </a:solidFill>
-                <a:effectLst/>
-                <a:latin typeface="Times New Roman" panose="02020603050405020304" pitchFamily="18" charset="0"/>
-                <a:cs typeface="Times New Roman" panose="02020603050405020304" pitchFamily="18" charset="0"/>
-              </a:rPr>
-              <a:t>for category</a:t>
-            </a:r>
-            <a:r>
-              <a:rPr lang="en-US" sz="2000" b="1" i="0" dirty="0">
-                <a:solidFill>
-                  <a:srgbClr val="042D85"/>
-                </a:solidFill>
-                <a:effectLst/>
-                <a:latin typeface="Times New Roman" panose="02020603050405020304" pitchFamily="18" charset="0"/>
-                <a:cs typeface="Times New Roman" panose="02020603050405020304" pitchFamily="18" charset="0"/>
-              </a:rPr>
-              <a:t>, rating, size, and more. Another dataset contains customer reviews of the android apps.</a:t>
+              <a:t>Each app (row) has values for category, rating, size, and more. Another dataset contains customer reviews of the android apps.</a:t>
             </a:r>
             <a:endParaRPr lang="en-US" sz="2000" b="0" i="0" dirty="0">
               <a:solidFill>
@@ -10119,6 +10502,55 @@
           </a:p>
           <a:p>
             <a:pPr algn="just"/>
+            <a:r>
+              <a:rPr lang="en-US" sz="2000" b="1" dirty="0">
+                <a:ln w="0"/>
+                <a:gradFill>
+                  <a:gsLst>
+                    <a:gs pos="0">
+                      <a:srgbClr val="012D86"/>
+                    </a:gs>
+                    <a:gs pos="100000">
+                      <a:srgbClr val="0E2557"/>
+                    </a:gs>
+                  </a:gsLst>
+                  <a:lin scaled="0"/>
+                </a:gradFill>
+                <a:latin typeface="Times New Roman" panose="02020603050405020304" pitchFamily="18" charset="0"/>
+                <a:cs typeface="Times New Roman" panose="02020603050405020304" pitchFamily="18" charset="0"/>
+              </a:rPr>
+              <a:t>We </a:t>
+            </a:r>
+            <a:r>
+              <a:rPr lang="en-US" sz="2000" b="1" dirty="0">
+                <a:ln w="0"/>
+                <a:solidFill>
+                  <a:srgbClr val="042D85"/>
+                </a:solidFill>
+                <a:latin typeface="Times New Roman" panose="02020603050405020304" pitchFamily="18" charset="0"/>
+                <a:cs typeface="Times New Roman" panose="02020603050405020304" pitchFamily="18" charset="0"/>
+              </a:rPr>
+              <a:t>have</a:t>
+            </a:r>
+            <a:r>
+              <a:rPr lang="en-US" sz="2000" b="1" dirty="0">
+                <a:ln w="0"/>
+                <a:gradFill>
+                  <a:gsLst>
+                    <a:gs pos="0">
+                      <a:srgbClr val="012D86"/>
+                    </a:gs>
+                    <a:gs pos="100000">
+                      <a:srgbClr val="0E2557"/>
+                    </a:gs>
+                  </a:gsLst>
+                  <a:lin scaled="0"/>
+                </a:gradFill>
+                <a:latin typeface="Times New Roman" panose="02020603050405020304" pitchFamily="18" charset="0"/>
+                <a:cs typeface="Times New Roman" panose="02020603050405020304" pitchFamily="18" charset="0"/>
+              </a:rPr>
+              <a:t> used the following Libraries </a:t>
+            </a:r>
             <a:r>
               <a:rPr lang="en-US" sz="2000" b="1" dirty="0">
                 <a:ln w="0"/>
@@ -10143,25 +10575,32 @@
                 <a:latin typeface="Times New Roman" panose="02020603050405020304" pitchFamily="18" charset="0"/>
                 <a:cs typeface="Times New Roman" panose="02020603050405020304" pitchFamily="18" charset="0"/>
               </a:rPr>
-              <a:t>We </a:t>
-            </a:r>
+              <a:t>:</a:t>
+            </a:r>
+          </a:p>
+          <a:p>
+            <a:pPr marL="800100" lvl="1" indent="-342900" algn="just">
+              <a:buFont typeface="Arial" panose="020B0604020202020204" pitchFamily="34" charset="0"/>
+              <a:buChar char="•"/>
+            </a:pPr>
             <a:r>
               <a:rPr lang="en-US" sz="2000" b="1" dirty="0">
                 <a:ln w="0"/>
-                <a:solidFill>
-                  <a:srgbClr val="042D85"/>
-                </a:solidFill>
-                <a:effectLst>
-                  <a:outerShdw blurRad="38100" dist="19050" dir="2700000" algn="tl" rotWithShape="0">
-                    <a:schemeClr val="dk1">
-                      <a:alpha val="40000"/>
-                    </a:schemeClr>
-                  </a:outerShdw>
-                </a:effectLst>
+                <a:gradFill>
+                  <a:gsLst>
+                    <a:gs pos="0">
+                      <a:srgbClr val="012D86"/>
+                    </a:gs>
+                    <a:gs pos="100000">
+                      <a:srgbClr val="0E2557"/>
+                    </a:gs>
+                  </a:gsLst>
+                  <a:lin scaled="0"/>
+                </a:gradFill>
                 <a:latin typeface="Times New Roman" panose="02020603050405020304" pitchFamily="18" charset="0"/>
                 <a:cs typeface="Times New Roman" panose="02020603050405020304" pitchFamily="18" charset="0"/>
               </a:rPr>
-              <a:t>have</a:t>
+              <a:t>Pandas</a:t>
             </a:r>
             <a:r>
               <a:rPr lang="en-US" sz="2000" b="1" dirty="0">
@@ -10187,14 +10626,59 @@
                 <a:latin typeface="Times New Roman" panose="02020603050405020304" pitchFamily="18" charset="0"/>
                 <a:cs typeface="Times New Roman" panose="02020603050405020304" pitchFamily="18" charset="0"/>
               </a:rPr>
-              <a:t> used the following Libraries :</a:t>
-            </a:r>
+              <a:t> - </a:t>
+            </a:r>
+            <a:r>
+              <a:rPr lang="en-US" sz="2000" b="1" i="0" dirty="0">
+                <a:effectLst/>
+                <a:latin typeface="arial" panose="020B0604020202020204" pitchFamily="34" charset="0"/>
+              </a:rPr>
+              <a:t>manipulation of tabular data in </a:t>
+            </a:r>
+            <a:r>
+              <a:rPr lang="en-US" sz="2000" b="1" i="0" dirty="0" err="1">
+                <a:effectLst/>
+                <a:latin typeface="arial" panose="020B0604020202020204" pitchFamily="34" charset="0"/>
+              </a:rPr>
+              <a:t>Dataframes</a:t>
+            </a:r>
+            <a:endParaRPr lang="en-US" sz="2000" b="1" dirty="0">
+              <a:ln w="0"/>
+              <a:effectLst>
+                <a:outerShdw blurRad="38100" dist="19050" dir="2700000" algn="tl" rotWithShape="0">
+                  <a:schemeClr val="dk1">
+                    <a:alpha val="40000"/>
+                  </a:schemeClr>
+                </a:outerShdw>
+              </a:effectLst>
+              <a:latin typeface="Times New Roman" panose="02020603050405020304" pitchFamily="18" charset="0"/>
+              <a:cs typeface="Times New Roman" panose="02020603050405020304" pitchFamily="18" charset="0"/>
+            </a:endParaRPr>
           </a:p>
           <a:p>
             <a:pPr marL="800100" lvl="1" indent="-342900" algn="just">
               <a:buFont typeface="Arial" panose="020B0604020202020204" pitchFamily="34" charset="0"/>
               <a:buChar char="•"/>
             </a:pPr>
+            <a:r>
+              <a:rPr lang="en-US" sz="2000" b="1" dirty="0" err="1">
+                <a:ln w="0"/>
+                <a:gradFill>
+                  <a:gsLst>
+                    <a:gs pos="0">
+                      <a:srgbClr val="012D86"/>
+                    </a:gs>
+                    <a:gs pos="100000">
+                      <a:srgbClr val="0E2557"/>
+                    </a:gs>
+                  </a:gsLst>
+                  <a:lin scaled="0"/>
+                </a:gradFill>
+                <a:latin typeface="Times New Roman" panose="02020603050405020304" pitchFamily="18" charset="0"/>
+                <a:cs typeface="Times New Roman" panose="02020603050405020304" pitchFamily="18" charset="0"/>
+              </a:rPr>
+              <a:t>Numpy</a:t>
+            </a:r>
             <a:r>
               <a:rPr lang="en-US" sz="2000" b="1" dirty="0">
                 <a:ln w="0"/>
@@ -10219,8 +10703,109 @@
                 <a:latin typeface="Times New Roman" panose="02020603050405020304" pitchFamily="18" charset="0"/>
                 <a:cs typeface="Times New Roman" panose="02020603050405020304" pitchFamily="18" charset="0"/>
               </a:rPr>
-              <a:t>Pandas</a:t>
-            </a:r>
+              <a:t> - </a:t>
+            </a:r>
+            <a:r>
+              <a:rPr lang="en-IN" sz="2000" b="1" i="0" dirty="0">
+                <a:effectLst/>
+                <a:latin typeface="arial" panose="020B0604020202020204" pitchFamily="34" charset="0"/>
+              </a:rPr>
+              <a:t>mathematical operations on arrays</a:t>
+            </a:r>
+            <a:endParaRPr lang="en-US" sz="2000" b="1" dirty="0">
+              <a:ln w="0"/>
+              <a:effectLst>
+                <a:outerShdw blurRad="38100" dist="19050" dir="2700000" algn="tl" rotWithShape="0">
+                  <a:schemeClr val="dk1">
+                    <a:alpha val="40000"/>
+                  </a:schemeClr>
+                </a:outerShdw>
+              </a:effectLst>
+              <a:latin typeface="Times New Roman" panose="02020603050405020304" pitchFamily="18" charset="0"/>
+              <a:cs typeface="Times New Roman" panose="02020603050405020304" pitchFamily="18" charset="0"/>
+            </a:endParaRPr>
+          </a:p>
+          <a:p>
+            <a:pPr marL="800100" lvl="1" indent="-342900" algn="just">
+              <a:buFont typeface="Arial" panose="020B0604020202020204" pitchFamily="34" charset="0"/>
+              <a:buChar char="•"/>
+            </a:pPr>
+            <a:r>
+              <a:rPr lang="en-US" sz="2000" b="1" dirty="0">
+                <a:ln w="0"/>
+                <a:gradFill>
+                  <a:gsLst>
+                    <a:gs pos="0">
+                      <a:srgbClr val="012D86"/>
+                    </a:gs>
+                    <a:gs pos="100000">
+                      <a:srgbClr val="0E2557"/>
+                    </a:gs>
+                  </a:gsLst>
+                  <a:lin scaled="0"/>
+                </a:gradFill>
+                <a:latin typeface="Times New Roman" panose="02020603050405020304" pitchFamily="18" charset="0"/>
+                <a:cs typeface="Times New Roman" panose="02020603050405020304" pitchFamily="18" charset="0"/>
+              </a:rPr>
+              <a:t>Matplotlib - </a:t>
+            </a:r>
+            <a:r>
+              <a:rPr lang="en-US" sz="2000" b="1" dirty="0">
+                <a:ln w="0"/>
+                <a:latin typeface="Times New Roman" panose="02020603050405020304" pitchFamily="18" charset="0"/>
+                <a:cs typeface="Times New Roman" panose="02020603050405020304" pitchFamily="18" charset="0"/>
+              </a:rPr>
+              <a:t>visualization</a:t>
+            </a:r>
+          </a:p>
+          <a:p>
+            <a:pPr marL="800100" lvl="1" indent="-342900" algn="just">
+              <a:buFont typeface="Arial" panose="020B0604020202020204" pitchFamily="34" charset="0"/>
+              <a:buChar char="•"/>
+            </a:pPr>
+            <a:r>
+              <a:rPr lang="en-US" sz="2000" b="1" dirty="0">
+                <a:ln w="0"/>
+                <a:gradFill>
+                  <a:gsLst>
+                    <a:gs pos="0">
+                      <a:srgbClr val="012D86"/>
+                    </a:gs>
+                    <a:gs pos="100000">
+                      <a:srgbClr val="0E2557"/>
+                    </a:gs>
+                  </a:gsLst>
+                  <a:lin scaled="0"/>
+                </a:gradFill>
+                <a:latin typeface="Times New Roman" panose="02020603050405020304" pitchFamily="18" charset="0"/>
+                <a:cs typeface="Times New Roman" panose="02020603050405020304" pitchFamily="18" charset="0"/>
+              </a:rPr>
+              <a:t>Seaborn - </a:t>
+            </a:r>
+            <a:r>
+              <a:rPr lang="en-US" sz="2000" b="1" dirty="0">
+                <a:ln w="0"/>
+                <a:latin typeface="Times New Roman" panose="02020603050405020304" pitchFamily="18" charset="0"/>
+                <a:cs typeface="Times New Roman" panose="02020603050405020304" pitchFamily="18" charset="0"/>
+              </a:rPr>
+              <a:t>visualization</a:t>
+            </a:r>
+            <a:endParaRPr lang="en-US" sz="2000" b="1" dirty="0">
+              <a:ln w="0"/>
+              <a:gradFill>
+                <a:gsLst>
+                  <a:gs pos="0">
+                    <a:srgbClr val="012D86"/>
+                  </a:gs>
+                  <a:gs pos="100000">
+                    <a:srgbClr val="0E2557"/>
+                  </a:gs>
+                </a:gsLst>
+                <a:lin scaled="0"/>
+              </a:gradFill>
+              <a:latin typeface="Times New Roman" panose="02020603050405020304" pitchFamily="18" charset="0"/>
+              <a:cs typeface="Times New Roman" panose="02020603050405020304" pitchFamily="18" charset="0"/>
+            </a:endParaRPr>
           </a:p>
           <a:p>
             <a:pPr marL="800100" lvl="1" indent="-342900" algn="just">
@@ -10241,47 +10826,11 @@
                   </a:gsLst>
                   <a:lin scaled="0"/>
                 </a:gradFill>
-                <a:effectLst>
-                  <a:outerShdw blurRad="38100" dist="19050" dir="2700000" algn="tl" rotWithShape="0">
-                    <a:schemeClr val="dk1">
-                      <a:alpha val="40000"/>
-                    </a:schemeClr>
-                  </a:outerShdw>
-                </a:effectLst>
                 <a:latin typeface="Times New Roman" panose="02020603050405020304" pitchFamily="18" charset="0"/>
                 <a:cs typeface="Times New Roman" panose="02020603050405020304" pitchFamily="18" charset="0"/>
               </a:rPr>
-              <a:t>Numpy</a:t>
-            </a:r>
-            <a:endParaRPr lang="en-US" sz="2000" b="1" dirty="0">
-              <a:ln w="0"/>
-              <a:gradFill>
-                <a:gsLst>
-                  <a:gs pos="0">
-                    <a:srgbClr val="012D86"/>
-                  </a:gs>
-                  <a:gs pos="100000">
-                    <a:srgbClr val="0E2557"/>
-                  </a:gs>
-                </a:gsLst>
-                <a:lin scaled="0"/>
-              </a:gradFill>
-              <a:effectLst>
-                <a:outerShdw blurRad="38100" dist="19050" dir="2700000" algn="tl" rotWithShape="0">
-                  <a:schemeClr val="dk1">
-                    <a:alpha val="40000"/>
-                  </a:schemeClr>
-                </a:outerShdw>
-              </a:effectLst>
-              <a:latin typeface="Times New Roman" panose="02020603050405020304" pitchFamily="18" charset="0"/>
-              <a:cs typeface="Times New Roman" panose="02020603050405020304" pitchFamily="18" charset="0"/>
-            </a:endParaRPr>
-          </a:p>
-          <a:p>
-            <a:pPr marL="800100" lvl="1" indent="-342900" algn="just">
-              <a:buFont typeface="Arial" panose="020B0604020202020204" pitchFamily="34" charset="0"/>
-              <a:buChar char="•"/>
-            </a:pPr>
+              <a:t>Plotly</a:t>
+            </a:r>
             <a:r>
               <a:rPr lang="en-US" sz="2000" b="1" dirty="0">
                 <a:ln w="0"/>
@@ -10296,50 +10845,35 @@
                   </a:gsLst>
                   <a:lin scaled="0"/>
                 </a:gradFill>
-                <a:effectLst>
-                  <a:outerShdw blurRad="38100" dist="19050" dir="2700000" algn="tl" rotWithShape="0">
-                    <a:schemeClr val="dk1">
-                      <a:alpha val="40000"/>
-                    </a:schemeClr>
-                  </a:outerShdw>
-                </a:effectLst>
                 <a:latin typeface="Times New Roman" panose="02020603050405020304" pitchFamily="18" charset="0"/>
                 <a:cs typeface="Times New Roman" panose="02020603050405020304" pitchFamily="18" charset="0"/>
               </a:rPr>
-              <a:t>Matplotlib</a:t>
-            </a:r>
-          </a:p>
-          <a:p>
-            <a:pPr marL="800100" lvl="1" indent="-342900" algn="just">
-              <a:buFont typeface="Arial" panose="020B0604020202020204" pitchFamily="34" charset="0"/>
-              <a:buChar char="•"/>
-            </a:pPr>
+              <a:t> Express - </a:t>
+            </a:r>
             <a:r>
               <a:rPr lang="en-US" sz="2000" b="1" dirty="0">
                 <a:ln w="0"/>
-                <a:gradFill>
-                  <a:gsLst>
-                    <a:gs pos="0">
-                      <a:srgbClr val="012D86"/>
-                    </a:gs>
-                    <a:gs pos="100000">
-                      <a:srgbClr val="0E2557"/>
-                    </a:gs>
-                  </a:gsLst>
-                  <a:lin scaled="0"/>
-                </a:gradFill>
-                <a:effectLst>
-                  <a:outerShdw blurRad="38100" dist="19050" dir="2700000" algn="tl" rotWithShape="0">
-                    <a:schemeClr val="dk1">
-                      <a:alpha val="40000"/>
-                    </a:schemeClr>
-                  </a:outerShdw>
-                </a:effectLst>
                 <a:latin typeface="Times New Roman" panose="02020603050405020304" pitchFamily="18" charset="0"/>
                 <a:cs typeface="Times New Roman" panose="02020603050405020304" pitchFamily="18" charset="0"/>
               </a:rPr>
-              <a:t>Seaborn</a:t>
-            </a:r>
+              <a:t>visualization</a:t>
+            </a:r>
+            <a:endParaRPr lang="en-US" sz="2000" b="1" dirty="0">
+              <a:ln w="0"/>
+              <a:gradFill>
+                <a:gsLst>
+                  <a:gs pos="0">
+                    <a:srgbClr val="012D86"/>
+                  </a:gs>
+                  <a:gs pos="100000">
+                    <a:srgbClr val="0E2557"/>
+                  </a:gs>
+                </a:gsLst>
+                <a:lin scaled="0"/>
+              </a:gradFill>
+              <a:latin typeface="Times New Roman" panose="02020603050405020304" pitchFamily="18" charset="0"/>
+              <a:cs typeface="Times New Roman" panose="02020603050405020304" pitchFamily="18" charset="0"/>
+            </a:endParaRPr>
           </a:p>
           <a:p>
             <a:pPr marL="800100" lvl="1" indent="-342900" algn="just">
@@ -10542,7 +11076,7 @@
         <p:spPr>
           <a:xfrm>
             <a:off x="226695" y="236081"/>
-            <a:ext cx="11738610" cy="6196889"/>
+            <a:ext cx="11738610" cy="5565947"/>
           </a:xfrm>
           <a:prstGeom prst="rect">
             <a:avLst/>
@@ -10561,13 +11095,6 @@
                 <a:solidFill>
                   <a:srgbClr val="C00000"/>
                 </a:solidFill>
-                <a:effectLst>
-                  <a:outerShdw blurRad="38100" dist="19050" dir="2700000" algn="tl" rotWithShape="0">
-                    <a:schemeClr val="dk1">
-                      <a:alpha val="40000"/>
-                    </a:schemeClr>
-                  </a:outerShdw>
-                </a:effectLst>
                 <a:latin typeface="Times New Roman" panose="02020603050405020304" pitchFamily="18" charset="0"/>
                 <a:cs typeface="Times New Roman" panose="02020603050405020304" pitchFamily="18" charset="0"/>
               </a:rPr>
@@ -10575,95 +11102,13 @@
             </a:r>
           </a:p>
           <a:p>
-            <a:pPr>
-              <a:lnSpc>
-                <a:spcPct val="150000"/>
-              </a:lnSpc>
-            </a:pPr>
-            <a:r>
-              <a:rPr lang="en-US" sz="2800" b="1" i="0" dirty="0">
-                <a:solidFill>
-                  <a:srgbClr val="042D85"/>
-                </a:solidFill>
-                <a:effectLst/>
-                <a:latin typeface="Times New Roman" panose="02020603050405020304" pitchFamily="18" charset="0"/>
-                <a:cs typeface="Times New Roman" panose="02020603050405020304" pitchFamily="18" charset="0"/>
-              </a:rPr>
-              <a:t>df</a:t>
-            </a:r>
-            <a:r>
-              <a:rPr lang="en-US" sz="2800" b="1" i="0" dirty="0">
-                <a:solidFill>
-                  <a:schemeClr val="bg2">
-                    <a:lumMod val="25000"/>
-                  </a:schemeClr>
-                </a:solidFill>
-                <a:effectLst/>
-                <a:latin typeface="Times New Roman" panose="02020603050405020304" pitchFamily="18" charset="0"/>
-                <a:cs typeface="Times New Roman" panose="02020603050405020304" pitchFamily="18" charset="0"/>
-              </a:rPr>
-              <a:t> </a:t>
-            </a:r>
-            <a:endParaRPr lang="en-US" sz="2800" b="1" i="0" dirty="0">
-              <a:solidFill>
-                <a:srgbClr val="042D85"/>
-              </a:solidFill>
-              <a:effectLst/>
-              <a:latin typeface="Times New Roman" panose="02020603050405020304" pitchFamily="18" charset="0"/>
-              <a:cs typeface="Times New Roman" panose="02020603050405020304" pitchFamily="18" charset="0"/>
-            </a:endParaRPr>
-          </a:p>
-          <a:p>
-            <a:pPr>
-              <a:lnSpc>
-                <a:spcPct val="150000"/>
-              </a:lnSpc>
-            </a:pPr>
-            <a:r>
-              <a:rPr lang="en-US" sz="2400" i="0" dirty="0">
-                <a:solidFill>
-                  <a:srgbClr val="042D85"/>
-                </a:solidFill>
-                <a:effectLst/>
-                <a:latin typeface="Times New Roman" panose="02020603050405020304" pitchFamily="18" charset="0"/>
-                <a:cs typeface="Times New Roman" panose="02020603050405020304" pitchFamily="18" charset="0"/>
-              </a:rPr>
-              <a:t>It contains all the information regarding Play Store Applications, category, size, price, type, genres, version, installs, ratings and reviews of applications.</a:t>
-            </a:r>
-          </a:p>
-          <a:p>
-            <a:endParaRPr lang="en-US" sz="2400" b="1" dirty="0">
-              <a:ln w="0"/>
-              <a:gradFill>
-                <a:gsLst>
-                  <a:gs pos="0">
-                    <a:srgbClr val="012D86"/>
-                  </a:gs>
-                  <a:gs pos="100000">
-                    <a:srgbClr val="0E2557"/>
-                  </a:gs>
-                </a:gsLst>
-                <a:lin scaled="0"/>
-              </a:gradFill>
-              <a:effectLst>
-                <a:outerShdw blurRad="38100" dist="19050" dir="2700000" algn="tl" rotWithShape="0">
-                  <a:schemeClr val="dk1">
-                    <a:alpha val="40000"/>
-                  </a:schemeClr>
-                </a:outerShdw>
-              </a:effectLst>
-              <a:latin typeface="Times New Roman" panose="02020603050405020304" pitchFamily="18" charset="0"/>
-              <a:cs typeface="Times New Roman" panose="02020603050405020304" pitchFamily="18" charset="0"/>
-            </a:endParaRPr>
-          </a:p>
-          <a:p>
-            <a:pPr algn="just">
-              <a:lnSpc>
-                <a:spcPct val="150000"/>
-              </a:lnSpc>
-            </a:pPr>
-            <a:r>
-              <a:rPr lang="en-US" sz="2800" b="1" dirty="0" err="1">
+            <a:pPr algn="just">
+              <a:lnSpc>
+                <a:spcPct val="150000"/>
+              </a:lnSpc>
+            </a:pPr>
+            <a:r>
+              <a:rPr lang="en-US" sz="2400" b="1" dirty="0" err="1">
                 <a:ln w="0"/>
                 <a:gradFill>
                   <a:gsLst>
@@ -10686,10 +11131,10 @@
                 <a:latin typeface="Times New Roman" panose="02020603050405020304" pitchFamily="18" charset="0"/>
                 <a:cs typeface="Times New Roman" panose="02020603050405020304" pitchFamily="18" charset="0"/>
               </a:rPr>
-              <a:t>user_review_df</a:t>
-            </a:r>
-            <a:r>
-              <a:rPr lang="en-US" sz="2800" b="1" dirty="0">
+              <a:t>df</a:t>
+            </a:r>
+            <a:r>
+              <a:rPr lang="en-US" sz="2400" b="1" dirty="0">
                 <a:ln w="0"/>
                 <a:gradFill>
                   <a:gsLst>
@@ -10745,47 +11190,10 @@
                 <a:latin typeface="Times New Roman" panose="02020603050405020304" pitchFamily="18" charset="0"/>
                 <a:cs typeface="Times New Roman" panose="02020603050405020304" pitchFamily="18" charset="0"/>
               </a:rPr>
-              <a:t>It contains user reviews for application containing information like Sentiment Distribution, Sentiment Polarity Distribution and Sentiment Subjectivity Distribution.</a:t>
-            </a:r>
-          </a:p>
-          <a:p>
-            <a:pPr algn="just">
-              <a:lnSpc>
-                <a:spcPct val="150000"/>
-              </a:lnSpc>
-            </a:pPr>
-            <a:endParaRPr lang="en-US" b="1" dirty="0">
-              <a:ln w="0"/>
-              <a:gradFill>
-                <a:gsLst>
-                  <a:gs pos="0">
-                    <a:srgbClr val="012D86"/>
-                  </a:gs>
-                  <a:gs pos="100000">
-                    <a:srgbClr val="0E2557"/>
-                  </a:gs>
-                </a:gsLst>
-                <a:lin scaled="0"/>
-              </a:gradFill>
-              <a:effectLst>
-                <a:outerShdw blurRad="38100" dist="19050" dir="2700000" algn="tl" rotWithShape="0">
-                  <a:schemeClr val="dk1">
-                    <a:alpha val="40000"/>
-                  </a:schemeClr>
-                </a:outerShdw>
-              </a:effectLst>
-              <a:latin typeface="Times New Roman" panose="02020603050405020304" pitchFamily="18" charset="0"/>
-              <a:cs typeface="Times New Roman" panose="02020603050405020304" pitchFamily="18" charset="0"/>
-            </a:endParaRPr>
-          </a:p>
-          <a:p>
-            <a:pPr algn="just">
-              <a:lnSpc>
-                <a:spcPct val="150000"/>
-              </a:lnSpc>
-            </a:pPr>
-            <a:r>
-              <a:rPr lang="en-US" sz="2800" b="1" dirty="0" err="1">
+              <a:t>It contains information about applications, having column like app name, size, </a:t>
+            </a:r>
+            <a:r>
+              <a:rPr lang="en-US" sz="2400" dirty="0" err="1">
                 <a:ln w="0"/>
                 <a:gradFill>
                   <a:gsLst>
@@ -10808,10 +11216,10 @@
                 <a:latin typeface="Times New Roman" panose="02020603050405020304" pitchFamily="18" charset="0"/>
                 <a:cs typeface="Times New Roman" panose="02020603050405020304" pitchFamily="18" charset="0"/>
               </a:rPr>
-              <a:t>merged_df</a:t>
-            </a:r>
-            <a:r>
-              <a:rPr lang="en-US" sz="2800" b="1" dirty="0">
+              <a:t>installs,etc</a:t>
+            </a:r>
+            <a:r>
+              <a:rPr lang="en-US" sz="2400" dirty="0">
                 <a:ln w="0"/>
                 <a:gradFill>
                   <a:gsLst>
@@ -10834,8 +11242,211 @@
                 <a:latin typeface="Times New Roman" panose="02020603050405020304" pitchFamily="18" charset="0"/>
                 <a:cs typeface="Times New Roman" panose="02020603050405020304" pitchFamily="18" charset="0"/>
               </a:rPr>
-              <a:t>  </a:t>
-            </a:r>
+              <a:t>.</a:t>
+            </a:r>
+          </a:p>
+          <a:p>
+            <a:endParaRPr lang="en-US" sz="2800" b="1" dirty="0">
+              <a:ln w="0"/>
+              <a:gradFill>
+                <a:gsLst>
+                  <a:gs pos="0">
+                    <a:srgbClr val="012D86"/>
+                  </a:gs>
+                  <a:gs pos="100000">
+                    <a:srgbClr val="0E2557"/>
+                  </a:gs>
+                </a:gsLst>
+                <a:lin scaled="0"/>
+              </a:gradFill>
+              <a:effectLst>
+                <a:outerShdw blurRad="38100" dist="19050" dir="2700000" algn="tl" rotWithShape="0">
+                  <a:schemeClr val="dk1">
+                    <a:alpha val="40000"/>
+                  </a:schemeClr>
+                </a:outerShdw>
+              </a:effectLst>
+              <a:latin typeface="Times New Roman" panose="02020603050405020304" pitchFamily="18" charset="0"/>
+              <a:cs typeface="Times New Roman" panose="02020603050405020304" pitchFamily="18" charset="0"/>
+            </a:endParaRPr>
+          </a:p>
+          <a:p>
+            <a:pPr algn="just">
+              <a:lnSpc>
+                <a:spcPct val="150000"/>
+              </a:lnSpc>
+            </a:pPr>
+            <a:r>
+              <a:rPr lang="en-US" sz="2400" b="1" dirty="0" err="1">
+                <a:ln w="0"/>
+                <a:gradFill>
+                  <a:gsLst>
+                    <a:gs pos="0">
+                      <a:srgbClr val="012D86"/>
+                    </a:gs>
+                    <a:gs pos="100000">
+                      <a:srgbClr val="0E2557"/>
+                    </a:gs>
+                  </a:gsLst>
+                  <a:lin scaled="0"/>
+                </a:gradFill>
+                <a:effectLst>
+                  <a:outerShdw blurRad="38100" dist="19050" dir="2700000" algn="tl" rotWithShape="0">
+                    <a:schemeClr val="dk1">
+                      <a:alpha val="40000"/>
+                    </a:schemeClr>
+                  </a:outerShdw>
+                </a:effectLst>
+                <a:latin typeface="Times New Roman" panose="02020603050405020304" pitchFamily="18" charset="0"/>
+                <a:cs typeface="Times New Roman" panose="02020603050405020304" pitchFamily="18" charset="0"/>
+              </a:rPr>
+              <a:t>User_review_df</a:t>
+            </a:r>
+            <a:r>
+              <a:rPr lang="en-US" sz="2400" b="1" dirty="0">
+                <a:ln w="0"/>
+                <a:gradFill>
+                  <a:gsLst>
+                    <a:gs pos="0">
+                      <a:srgbClr val="012D86"/>
+                    </a:gs>
+                    <a:gs pos="100000">
+                      <a:srgbClr val="0E2557"/>
+                    </a:gs>
+                  </a:gsLst>
+                  <a:lin scaled="0"/>
+                </a:gradFill>
+                <a:effectLst>
+                  <a:outerShdw blurRad="38100" dist="19050" dir="2700000" algn="tl" rotWithShape="0">
+                    <a:schemeClr val="dk1">
+                      <a:alpha val="40000"/>
+                    </a:schemeClr>
+                  </a:outerShdw>
+                </a:effectLst>
+                <a:latin typeface="Times New Roman" panose="02020603050405020304" pitchFamily="18" charset="0"/>
+                <a:cs typeface="Times New Roman" panose="02020603050405020304" pitchFamily="18" charset="0"/>
+              </a:rPr>
+              <a:t> </a:t>
+            </a:r>
+          </a:p>
+          <a:p>
+            <a:pPr algn="just">
+              <a:lnSpc>
+                <a:spcPct val="150000"/>
+              </a:lnSpc>
+            </a:pPr>
+            <a:r>
+              <a:rPr lang="en-US" sz="2400" dirty="0">
+                <a:ln w="0"/>
+                <a:gradFill>
+                  <a:gsLst>
+                    <a:gs pos="0">
+                      <a:srgbClr val="012D86"/>
+                    </a:gs>
+                    <a:gs pos="100000">
+                      <a:srgbClr val="0E2557"/>
+                    </a:gs>
+                  </a:gsLst>
+                  <a:lin scaled="0"/>
+                </a:gradFill>
+                <a:effectLst>
+                  <a:outerShdw blurRad="38100" dist="19050" dir="2700000" algn="tl" rotWithShape="0">
+                    <a:schemeClr val="dk1">
+                      <a:alpha val="40000"/>
+                    </a:schemeClr>
+                  </a:outerShdw>
+                </a:effectLst>
+                <a:latin typeface="Times New Roman" panose="02020603050405020304" pitchFamily="18" charset="0"/>
+                <a:cs typeface="Times New Roman" panose="02020603050405020304" pitchFamily="18" charset="0"/>
+              </a:rPr>
+              <a:t>It contains user reviews for application containing information like Sentiment Distribution, Sentiment Polarity Distribution and Sentiment Subjectivity Distribution.</a:t>
+            </a:r>
+          </a:p>
+          <a:p>
+            <a:pPr algn="just">
+              <a:lnSpc>
+                <a:spcPct val="150000"/>
+              </a:lnSpc>
+            </a:pPr>
+            <a:endParaRPr lang="en-US" sz="2400" b="1" dirty="0">
+              <a:ln w="0"/>
+              <a:gradFill>
+                <a:gsLst>
+                  <a:gs pos="0">
+                    <a:srgbClr val="012D86"/>
+                  </a:gs>
+                  <a:gs pos="100000">
+                    <a:srgbClr val="0E2557"/>
+                  </a:gs>
+                </a:gsLst>
+                <a:lin scaled="0"/>
+              </a:gradFill>
+              <a:effectLst>
+                <a:outerShdw blurRad="38100" dist="19050" dir="2700000" algn="tl" rotWithShape="0">
+                  <a:schemeClr val="dk1">
+                    <a:alpha val="40000"/>
+                  </a:schemeClr>
+                </a:outerShdw>
+              </a:effectLst>
+              <a:latin typeface="Times New Roman" panose="02020603050405020304" pitchFamily="18" charset="0"/>
+              <a:cs typeface="Times New Roman" panose="02020603050405020304" pitchFamily="18" charset="0"/>
+            </a:endParaRPr>
+          </a:p>
+          <a:p>
+            <a:pPr algn="just">
+              <a:lnSpc>
+                <a:spcPct val="150000"/>
+              </a:lnSpc>
+            </a:pPr>
+            <a:r>
+              <a:rPr lang="en-US" sz="2400" b="1" dirty="0" err="1">
+                <a:ln w="0"/>
+                <a:gradFill>
+                  <a:gsLst>
+                    <a:gs pos="0">
+                      <a:srgbClr val="012D86"/>
+                    </a:gs>
+                    <a:gs pos="100000">
+                      <a:srgbClr val="0E2557"/>
+                    </a:gs>
+                  </a:gsLst>
+                  <a:lin scaled="0"/>
+                </a:gradFill>
+                <a:effectLst>
+                  <a:outerShdw blurRad="38100" dist="19050" dir="2700000" algn="tl" rotWithShape="0">
+                    <a:schemeClr val="dk1">
+                      <a:alpha val="40000"/>
+                    </a:schemeClr>
+                  </a:outerShdw>
+                </a:effectLst>
+                <a:latin typeface="Times New Roman" panose="02020603050405020304" pitchFamily="18" charset="0"/>
+                <a:cs typeface="Times New Roman" panose="02020603050405020304" pitchFamily="18" charset="0"/>
+              </a:rPr>
+              <a:t>Merge_df</a:t>
+            </a:r>
+            <a:endParaRPr lang="en-US" sz="2400" b="1" dirty="0">
+              <a:ln w="0"/>
+              <a:gradFill>
+                <a:gsLst>
+                  <a:gs pos="0">
+                    <a:srgbClr val="012D86"/>
+                  </a:gs>
+                  <a:gs pos="100000">
+                    <a:srgbClr val="0E2557"/>
+                  </a:gs>
+                </a:gsLst>
+                <a:lin scaled="0"/>
+              </a:gradFill>
+              <a:effectLst>
+                <a:outerShdw blurRad="38100" dist="19050" dir="2700000" algn="tl" rotWithShape="0">
+                  <a:schemeClr val="dk1">
+                    <a:alpha val="40000"/>
+                  </a:schemeClr>
+                </a:outerShdw>
+              </a:effectLst>
+              <a:latin typeface="Times New Roman" panose="02020603050405020304" pitchFamily="18" charset="0"/>
+              <a:cs typeface="Times New Roman" panose="02020603050405020304" pitchFamily="18" charset="0"/>
+            </a:endParaRPr>
           </a:p>
           <a:p>
             <a:pPr algn="just">
@@ -11059,7 +11670,7 @@
                 <a:latin typeface="Times New Roman" panose="02020603050405020304" pitchFamily="18" charset="0"/>
                 <a:cs typeface="Times New Roman" panose="02020603050405020304" pitchFamily="18" charset="0"/>
               </a:rPr>
-              <a:t>Data Frame</a:t>
+              <a:t>Data Frame creation using pandas</a:t>
             </a:r>
           </a:p>
           <a:p>
@@ -11531,6 +12142,396 @@
         </p:nvSpPr>
         <p:spPr>
           <a:xfrm>
+            <a:off x="226694" y="111295"/>
+            <a:ext cx="11738610" cy="5319726"/>
+          </a:xfrm>
+          <a:prstGeom prst="rect">
+            <a:avLst/>
+          </a:prstGeom>
+          <a:noFill/>
+        </p:spPr>
+        <p:txBody>
+          <a:bodyPr wrap="square" lIns="91440" tIns="45720" rIns="91440" bIns="45720">
+            <a:spAutoFit/>
+          </a:bodyPr>
+          <a:lstStyle/>
+          <a:p>
+            <a:pPr algn="l"/>
+            <a:r>
+              <a:rPr lang="en-IN" sz="3200" b="1" i="0" dirty="0">
+                <a:solidFill>
+                  <a:srgbClr val="C00000"/>
+                </a:solidFill>
+                <a:effectLst>
+                  <a:outerShdw blurRad="38100" dist="38100" dir="2700000" algn="tl">
+                    <a:srgbClr val="000000">
+                      <a:alpha val="43137"/>
+                    </a:srgbClr>
+                  </a:outerShdw>
+                </a:effectLst>
+                <a:latin typeface="Roboto" panose="02000000000000000000" pitchFamily="2" charset="0"/>
+              </a:rPr>
+              <a:t>Cleaning the </a:t>
+            </a:r>
+            <a:r>
+              <a:rPr lang="en-IN" sz="3200" b="1" i="0" dirty="0" err="1">
+                <a:solidFill>
+                  <a:srgbClr val="C00000"/>
+                </a:solidFill>
+                <a:effectLst>
+                  <a:outerShdw blurRad="38100" dist="38100" dir="2700000" algn="tl">
+                    <a:srgbClr val="000000">
+                      <a:alpha val="43137"/>
+                    </a:srgbClr>
+                  </a:outerShdw>
+                </a:effectLst>
+                <a:latin typeface="Roboto" panose="02000000000000000000" pitchFamily="2" charset="0"/>
+              </a:rPr>
+              <a:t>DataFrame</a:t>
+            </a:r>
+            <a:endParaRPr lang="en-IN" sz="3200" b="0" i="0" dirty="0">
+              <a:solidFill>
+                <a:srgbClr val="C00000"/>
+              </a:solidFill>
+              <a:effectLst>
+                <a:outerShdw blurRad="38100" dist="38100" dir="2700000" algn="tl">
+                  <a:srgbClr val="000000">
+                    <a:alpha val="43137"/>
+                  </a:srgbClr>
+                </a:outerShdw>
+              </a:effectLst>
+              <a:latin typeface="Roboto" panose="02000000000000000000" pitchFamily="2" charset="0"/>
+            </a:endParaRPr>
+          </a:p>
+          <a:p>
+            <a:pPr algn="just"/>
+            <a:endParaRPr lang="en-US" sz="2400" b="1" i="0" dirty="0">
+              <a:solidFill>
+                <a:srgbClr val="042D85"/>
+              </a:solidFill>
+              <a:effectLst/>
+              <a:latin typeface="Times New Roman" panose="02020603050405020304" pitchFamily="18" charset="0"/>
+              <a:cs typeface="Times New Roman" panose="02020603050405020304" pitchFamily="18" charset="0"/>
+            </a:endParaRPr>
+          </a:p>
+          <a:p>
+            <a:pPr marL="342900" indent="-342900" algn="just">
+              <a:lnSpc>
+                <a:spcPct val="150000"/>
+              </a:lnSpc>
+              <a:buFont typeface="Arial" panose="020B0604020202020204" pitchFamily="34" charset="0"/>
+              <a:buChar char="•"/>
+            </a:pPr>
+            <a:r>
+              <a:rPr lang="en-US" sz="2400" b="1" dirty="0">
+                <a:ln w="0"/>
+                <a:gradFill>
+                  <a:gsLst>
+                    <a:gs pos="0">
+                      <a:srgbClr val="012D86"/>
+                    </a:gs>
+                    <a:gs pos="100000">
+                      <a:srgbClr val="0E2557"/>
+                    </a:gs>
+                  </a:gsLst>
+                  <a:lin scaled="0"/>
+                </a:gradFill>
+                <a:latin typeface="Times New Roman" panose="02020603050405020304" pitchFamily="18" charset="0"/>
+                <a:cs typeface="Times New Roman" panose="02020603050405020304" pitchFamily="18" charset="0"/>
+              </a:rPr>
+              <a:t>Dropping Duplicates</a:t>
+            </a:r>
+          </a:p>
+          <a:p>
+            <a:pPr marL="342900" indent="-342900" algn="just">
+              <a:lnSpc>
+                <a:spcPct val="150000"/>
+              </a:lnSpc>
+              <a:buFont typeface="Arial" panose="020B0604020202020204" pitchFamily="34" charset="0"/>
+              <a:buChar char="•"/>
+            </a:pPr>
+            <a:r>
+              <a:rPr lang="en-US" sz="2400" b="1" dirty="0">
+                <a:ln w="0"/>
+                <a:gradFill>
+                  <a:gsLst>
+                    <a:gs pos="0">
+                      <a:srgbClr val="012D86"/>
+                    </a:gs>
+                    <a:gs pos="100000">
+                      <a:srgbClr val="0E2557"/>
+                    </a:gs>
+                  </a:gsLst>
+                  <a:lin scaled="0"/>
+                </a:gradFill>
+                <a:latin typeface="Times New Roman" panose="02020603050405020304" pitchFamily="18" charset="0"/>
+                <a:cs typeface="Times New Roman" panose="02020603050405020304" pitchFamily="18" charset="0"/>
+              </a:rPr>
+              <a:t>Checking the null values</a:t>
+            </a:r>
+          </a:p>
+          <a:p>
+            <a:pPr marL="342900" indent="-342900" algn="just">
+              <a:lnSpc>
+                <a:spcPct val="150000"/>
+              </a:lnSpc>
+              <a:buFont typeface="Arial" panose="020B0604020202020204" pitchFamily="34" charset="0"/>
+              <a:buChar char="•"/>
+            </a:pPr>
+            <a:r>
+              <a:rPr lang="en-US" sz="2400" b="1" dirty="0">
+                <a:ln w="0"/>
+                <a:gradFill>
+                  <a:gsLst>
+                    <a:gs pos="0">
+                      <a:srgbClr val="012D86"/>
+                    </a:gs>
+                    <a:gs pos="100000">
+                      <a:srgbClr val="0E2557"/>
+                    </a:gs>
+                  </a:gsLst>
+                  <a:lin scaled="0"/>
+                </a:gradFill>
+                <a:latin typeface="Times New Roman" panose="02020603050405020304" pitchFamily="18" charset="0"/>
+                <a:cs typeface="Times New Roman" panose="02020603050405020304" pitchFamily="18" charset="0"/>
+              </a:rPr>
+              <a:t>Filling the null values</a:t>
+            </a:r>
+          </a:p>
+          <a:p>
+            <a:pPr marL="342900" indent="-342900" algn="just">
+              <a:lnSpc>
+                <a:spcPct val="150000"/>
+              </a:lnSpc>
+              <a:buFont typeface="Arial" panose="020B0604020202020204" pitchFamily="34" charset="0"/>
+              <a:buChar char="•"/>
+            </a:pPr>
+            <a:r>
+              <a:rPr lang="en-US" sz="2400" b="1" dirty="0">
+                <a:ln w="0"/>
+                <a:gradFill>
+                  <a:gsLst>
+                    <a:gs pos="0">
+                      <a:srgbClr val="012D86"/>
+                    </a:gs>
+                    <a:gs pos="100000">
+                      <a:srgbClr val="0E2557"/>
+                    </a:gs>
+                  </a:gsLst>
+                  <a:lin scaled="0"/>
+                </a:gradFill>
+                <a:latin typeface="Times New Roman" panose="02020603050405020304" pitchFamily="18" charset="0"/>
+                <a:cs typeface="Times New Roman" panose="02020603050405020304" pitchFamily="18" charset="0"/>
+              </a:rPr>
+              <a:t>Dropping improper values within columns</a:t>
+            </a:r>
+          </a:p>
+          <a:p>
+            <a:pPr marL="342900" indent="-342900" algn="just">
+              <a:lnSpc>
+                <a:spcPct val="150000"/>
+              </a:lnSpc>
+              <a:buFont typeface="Arial" panose="020B0604020202020204" pitchFamily="34" charset="0"/>
+              <a:buChar char="•"/>
+            </a:pPr>
+            <a:r>
+              <a:rPr lang="en-US" sz="2400" b="1" dirty="0">
+                <a:ln w="0"/>
+                <a:gradFill>
+                  <a:gsLst>
+                    <a:gs pos="0">
+                      <a:srgbClr val="012D86"/>
+                    </a:gs>
+                    <a:gs pos="100000">
+                      <a:srgbClr val="0E2557"/>
+                    </a:gs>
+                  </a:gsLst>
+                  <a:lin scaled="0"/>
+                </a:gradFill>
+                <a:latin typeface="Times New Roman" panose="02020603050405020304" pitchFamily="18" charset="0"/>
+                <a:cs typeface="Times New Roman" panose="02020603050405020304" pitchFamily="18" charset="0"/>
+              </a:rPr>
+              <a:t>Converting the columns datatype</a:t>
+            </a:r>
+          </a:p>
+          <a:p>
+            <a:pPr algn="just">
+              <a:lnSpc>
+                <a:spcPct val="150000"/>
+              </a:lnSpc>
+            </a:pPr>
+            <a:endParaRPr lang="en-US" sz="2400" b="1" dirty="0">
+              <a:ln w="0"/>
+              <a:gradFill>
+                <a:gsLst>
+                  <a:gs pos="0">
+                    <a:srgbClr val="012D86"/>
+                  </a:gs>
+                  <a:gs pos="100000">
+                    <a:srgbClr val="0E2557"/>
+                  </a:gs>
+                </a:gsLst>
+                <a:lin scaled="0"/>
+              </a:gradFill>
+              <a:effectLst>
+                <a:outerShdw blurRad="38100" dist="19050" dir="2700000" algn="tl" rotWithShape="0">
+                  <a:schemeClr val="dk1">
+                    <a:alpha val="40000"/>
+                  </a:schemeClr>
+                </a:outerShdw>
+              </a:effectLst>
+              <a:latin typeface="Times New Roman" panose="02020603050405020304" pitchFamily="18" charset="0"/>
+              <a:cs typeface="Times New Roman" panose="02020603050405020304" pitchFamily="18" charset="0"/>
+            </a:endParaRPr>
+          </a:p>
+          <a:p>
+            <a:pPr algn="just">
+              <a:lnSpc>
+                <a:spcPct val="150000"/>
+              </a:lnSpc>
+            </a:pPr>
+            <a:endParaRPr lang="en-US" sz="2400" b="1" dirty="0">
+              <a:ln w="0"/>
+              <a:gradFill>
+                <a:gsLst>
+                  <a:gs pos="0">
+                    <a:srgbClr val="012D86"/>
+                  </a:gs>
+                  <a:gs pos="100000">
+                    <a:srgbClr val="0E2557"/>
+                  </a:gs>
+                </a:gsLst>
+                <a:lin scaled="0"/>
+              </a:gradFill>
+              <a:effectLst>
+                <a:outerShdw blurRad="38100" dist="19050" dir="2700000" algn="tl" rotWithShape="0">
+                  <a:schemeClr val="dk1">
+                    <a:alpha val="40000"/>
+                  </a:schemeClr>
+                </a:outerShdw>
+              </a:effectLst>
+              <a:latin typeface="Times New Roman" panose="02020603050405020304" pitchFamily="18" charset="0"/>
+              <a:cs typeface="Times New Roman" panose="02020603050405020304" pitchFamily="18" charset="0"/>
+            </a:endParaRPr>
+          </a:p>
+          <a:p>
+            <a:pPr algn="just">
+              <a:lnSpc>
+                <a:spcPct val="150000"/>
+              </a:lnSpc>
+            </a:pPr>
+            <a:endParaRPr lang="en-US" sz="2400" b="1" dirty="0">
+              <a:ln w="0"/>
+              <a:gradFill>
+                <a:gsLst>
+                  <a:gs pos="0">
+                    <a:srgbClr val="012D86"/>
+                  </a:gs>
+                  <a:gs pos="100000">
+                    <a:srgbClr val="0E2557"/>
+                  </a:gs>
+                </a:gsLst>
+                <a:lin scaled="0"/>
+              </a:gradFill>
+              <a:effectLst>
+                <a:outerShdw blurRad="38100" dist="19050" dir="2700000" algn="tl" rotWithShape="0">
+                  <a:schemeClr val="dk1">
+                    <a:alpha val="40000"/>
+                  </a:schemeClr>
+                </a:outerShdw>
+              </a:effectLst>
+              <a:latin typeface="Times New Roman" panose="02020603050405020304" pitchFamily="18" charset="0"/>
+              <a:cs typeface="Times New Roman" panose="02020603050405020304" pitchFamily="18" charset="0"/>
+            </a:endParaRPr>
+          </a:p>
+        </p:txBody>
+      </p:sp>
+      <p:pic>
+        <p:nvPicPr>
+          <p:cNvPr id="6" name="Picture 5">
+            <a:extLst>
+              <a:ext uri="{FF2B5EF4-FFF2-40B4-BE49-F238E27FC236}">
+                <a16:creationId xmlns:a16="http://schemas.microsoft.com/office/drawing/2014/main" id="{A9EF2768-FB1F-483C-8A83-D6FC6B82E0AE}"/>
+              </a:ext>
+            </a:extLst>
+          </p:cNvPr>
+          <p:cNvPicPr>
+            <a:picLocks noChangeAspect="1"/>
+          </p:cNvPicPr>
+          <p:nvPr/>
+        </p:nvPicPr>
+        <p:blipFill>
+          <a:blip r:embed="rId2" cstate="print">
+            <a:extLst>
+              <a:ext uri="{28A0092B-C50C-407E-A947-70E740481C1C}">
+                <a14:useLocalDpi xmlns:a14="http://schemas.microsoft.com/office/drawing/2010/main" val="0"/>
+              </a:ext>
+            </a:extLst>
+          </a:blip>
+          <a:stretch>
+            <a:fillRect/>
+          </a:stretch>
+        </p:blipFill>
+        <p:spPr>
+          <a:xfrm>
+            <a:off x="11639150" y="101864"/>
+            <a:ext cx="463748" cy="463748"/>
+          </a:xfrm>
+          <a:prstGeom prst="rect">
+            <a:avLst/>
+          </a:prstGeom>
+        </p:spPr>
+      </p:pic>
+    </p:spTree>
+    <p:extLst>
+      <p:ext uri="{BB962C8B-B14F-4D97-AF65-F5344CB8AC3E}">
+        <p14:creationId xmlns:p14="http://schemas.microsoft.com/office/powerpoint/2010/main" val="3322784468"/>
+      </p:ext>
+    </p:extLst>
+  </p:cSld>
+  <p:clrMapOvr>
+    <a:masterClrMapping/>
+  </p:clrMapOvr>
+  <mc:AlternateContent xmlns:mc="http://schemas.openxmlformats.org/markup-compatibility/2006" xmlns:p14="http://schemas.microsoft.com/office/powerpoint/2010/main">
+    <mc:Choice Requires="p14">
+      <p:transition spd="slow" p14:dur="1500">
+        <p:cover/>
+      </p:transition>
+    </mc:Choice>
+    <mc:Fallback xmlns="">
+      <p:transition spd="slow">
+        <p:cover/>
+      </p:transition>
+    </mc:Fallback>
+  </mc:AlternateContent>
+</p:sld>
+</file>
+
+<file path=ppt/slides/slide7.xml><?xml version="1.0" encoding="utf-8"?>
+<p:sld xmlns:a="http://schemas.openxmlformats.org/drawingml/2006/main" xmlns:r="http://schemas.openxmlformats.org/officeDocument/2006/relationships" xmlns:p="http://schemas.openxmlformats.org/presentationml/2006/main">
+  <p:cSld>
+    <p:spTree>
+      <p:nvGrpSpPr>
+        <p:cNvPr id="1" name=""/>
+        <p:cNvGrpSpPr/>
+        <p:nvPr/>
+      </p:nvGrpSpPr>
+      <p:grpSpPr>
+        <a:xfrm>
+          <a:off x="0" y="0"/>
+          <a:ext cx="0" cy="0"/>
+          <a:chOff x="0" y="0"/>
+          <a:chExt cx="0" cy="0"/>
+        </a:xfrm>
+      </p:grpSpPr>
+      <p:sp>
+        <p:nvSpPr>
+          <p:cNvPr id="2" name="Rectangle 1"/>
+          <p:cNvSpPr/>
+          <p:nvPr/>
+        </p:nvSpPr>
+        <p:spPr>
+          <a:xfrm>
             <a:off x="226695" y="217602"/>
             <a:ext cx="11738610" cy="6243056"/>
           </a:xfrm>
@@ -11955,7 +12956,7 @@
 </p:sld>
 </file>
 
-<file path=ppt/slides/slide7.xml><?xml version="1.0" encoding="utf-8"?>
+<file path=ppt/slides/slide8.xml><?xml version="1.0" encoding="utf-8"?>
 <p:sld xmlns:a="http://schemas.openxmlformats.org/drawingml/2006/main" xmlns:r="http://schemas.openxmlformats.org/officeDocument/2006/relationships" xmlns:p="http://schemas.openxmlformats.org/presentationml/2006/main">
   <p:cSld>
     <p:spTree>
@@ -12301,42 +13302,6 @@
       </p:sp>
       <p:pic>
         <p:nvPicPr>
-          <p:cNvPr id="5" name="Picture 4">
-            <a:extLst>
-              <a:ext uri="{FF2B5EF4-FFF2-40B4-BE49-F238E27FC236}">
-                <a16:creationId xmlns:a16="http://schemas.microsoft.com/office/drawing/2014/main" id="{45D0B605-435F-4E6E-B6B9-44E1C8D7A453}"/>
-              </a:ext>
-            </a:extLst>
-          </p:cNvPr>
-          <p:cNvPicPr>
-            <a:picLocks noChangeAspect="1"/>
-          </p:cNvPicPr>
-          <p:nvPr/>
-        </p:nvPicPr>
-        <p:blipFill>
-          <a:blip r:embed="rId2">
-            <a:extLst>
-              <a:ext uri="{28A0092B-C50C-407E-A947-70E740481C1C}">
-                <a14:useLocalDpi xmlns:a14="http://schemas.microsoft.com/office/drawing/2010/main" val="0"/>
-              </a:ext>
-            </a:extLst>
-          </a:blip>
-          <a:stretch>
-            <a:fillRect/>
-          </a:stretch>
-        </p:blipFill>
-        <p:spPr>
-          <a:xfrm>
-            <a:off x="2103953" y="1150070"/>
-            <a:ext cx="7984094" cy="3912124"/>
-          </a:xfrm>
-          <a:prstGeom prst="rect">
-            <a:avLst/>
-          </a:prstGeom>
-        </p:spPr>
-      </p:pic>
-      <p:pic>
-        <p:nvPicPr>
           <p:cNvPr id="6" name="Picture 5">
             <a:extLst>
               <a:ext uri="{FF2B5EF4-FFF2-40B4-BE49-F238E27FC236}">
@@ -12350,7 +13315,7 @@
           <p:nvPr/>
         </p:nvPicPr>
         <p:blipFill>
-          <a:blip r:embed="rId3" cstate="print">
+          <a:blip r:embed="rId2" cstate="print">
             <a:extLst>
               <a:ext uri="{28A0092B-C50C-407E-A947-70E740481C1C}">
                 <a14:useLocalDpi xmlns:a14="http://schemas.microsoft.com/office/drawing/2010/main" val="0"/>
@@ -12371,424 +13336,12 @@
           </a:prstGeom>
         </p:spPr>
       </p:pic>
-    </p:spTree>
-    <p:extLst>
-      <p:ext uri="{BB962C8B-B14F-4D97-AF65-F5344CB8AC3E}">
-        <p14:creationId xmlns:p14="http://schemas.microsoft.com/office/powerpoint/2010/main" val="2536700386"/>
-      </p:ext>
-    </p:extLst>
-  </p:cSld>
-  <p:clrMapOvr>
-    <a:masterClrMapping/>
-  </p:clrMapOvr>
-  <mc:AlternateContent xmlns:mc="http://schemas.openxmlformats.org/markup-compatibility/2006" xmlns:p14="http://schemas.microsoft.com/office/powerpoint/2010/main">
-    <mc:Choice Requires="p14">
-      <p:transition spd="slow" p14:dur="1500">
-        <p:cover/>
-      </p:transition>
-    </mc:Choice>
-    <mc:Fallback xmlns="">
-      <p:transition spd="slow">
-        <p:cover/>
-      </p:transition>
-    </mc:Fallback>
-  </mc:AlternateContent>
-</p:sld>
-</file>
-
-<file path=ppt/slides/slide8.xml><?xml version="1.0" encoding="utf-8"?>
-<p:sld xmlns:a="http://schemas.openxmlformats.org/drawingml/2006/main" xmlns:r="http://schemas.openxmlformats.org/officeDocument/2006/relationships" xmlns:p="http://schemas.openxmlformats.org/presentationml/2006/main">
-  <p:cSld>
-    <p:spTree>
-      <p:nvGrpSpPr>
-        <p:cNvPr id="1" name=""/>
-        <p:cNvGrpSpPr/>
-        <p:nvPr/>
-      </p:nvGrpSpPr>
-      <p:grpSpPr>
-        <a:xfrm>
-          <a:off x="0" y="0"/>
-          <a:ext cx="0" cy="0"/>
-          <a:chOff x="0" y="0"/>
-          <a:chExt cx="0" cy="0"/>
-        </a:xfrm>
-      </p:grpSpPr>
-      <p:sp>
-        <p:nvSpPr>
-          <p:cNvPr id="2" name="Rectangle 1"/>
-          <p:cNvSpPr/>
-          <p:nvPr/>
-        </p:nvSpPr>
-        <p:spPr>
-          <a:xfrm>
-            <a:off x="226694" y="237651"/>
-            <a:ext cx="11738610" cy="6647974"/>
-          </a:xfrm>
-          <a:prstGeom prst="rect">
-            <a:avLst/>
-          </a:prstGeom>
-          <a:noFill/>
-        </p:spPr>
-        <p:txBody>
-          <a:bodyPr wrap="square" lIns="91440" tIns="45720" rIns="91440" bIns="45720">
-            <a:spAutoFit/>
-          </a:bodyPr>
-          <a:lstStyle/>
-          <a:p>
-            <a:pPr algn="just"/>
-            <a:r>
-              <a:rPr lang="en-US" sz="3200" b="1" dirty="0">
-                <a:ln w="0"/>
-                <a:solidFill>
-                  <a:srgbClr val="C00000"/>
-                </a:solidFill>
-                <a:effectLst>
-                  <a:outerShdw blurRad="38100" dist="19050" dir="2700000" algn="tl" rotWithShape="0">
-                    <a:schemeClr val="dk1">
-                      <a:alpha val="40000"/>
-                    </a:schemeClr>
-                  </a:outerShdw>
-                </a:effectLst>
-                <a:latin typeface="Times New Roman" panose="02020603050405020304" pitchFamily="18" charset="0"/>
-                <a:cs typeface="Times New Roman" panose="02020603050405020304" pitchFamily="18" charset="0"/>
-              </a:rPr>
-              <a:t>Bivariate Analysis</a:t>
-            </a:r>
-          </a:p>
-          <a:p>
-            <a:pPr algn="just"/>
-            <a:r>
-              <a:rPr lang="en-US" sz="2000" b="0" i="0" dirty="0">
-                <a:solidFill>
-                  <a:srgbClr val="042D85"/>
-                </a:solidFill>
-                <a:effectLst/>
-                <a:latin typeface="Times New Roman" panose="02020603050405020304" pitchFamily="18" charset="0"/>
-                <a:cs typeface="Times New Roman" panose="02020603050405020304" pitchFamily="18" charset="0"/>
-              </a:rPr>
-              <a:t>Bivariate analysis is one of the simplest forms of quantitative analysis. It involves the analysis of two variables, for the purpose of determining the empirical relationship between them.</a:t>
-            </a:r>
-            <a:endParaRPr lang="en-US" sz="2400" b="1" dirty="0">
-              <a:ln w="0"/>
-              <a:solidFill>
-                <a:srgbClr val="042D85"/>
-              </a:solidFill>
-              <a:effectLst>
-                <a:outerShdw blurRad="38100" dist="19050" dir="2700000" algn="tl" rotWithShape="0">
-                  <a:schemeClr val="dk1">
-                    <a:alpha val="40000"/>
-                  </a:schemeClr>
-                </a:outerShdw>
-              </a:effectLst>
-              <a:latin typeface="Times New Roman" panose="02020603050405020304" pitchFamily="18" charset="0"/>
-              <a:cs typeface="Times New Roman" panose="02020603050405020304" pitchFamily="18" charset="0"/>
-            </a:endParaRPr>
-          </a:p>
-          <a:p>
-            <a:pPr algn="just">
-              <a:lnSpc>
-                <a:spcPct val="150000"/>
-              </a:lnSpc>
-            </a:pPr>
-            <a:r>
-              <a:rPr lang="en-US" sz="2800" b="1" dirty="0">
-                <a:ln w="0"/>
-                <a:solidFill>
-                  <a:srgbClr val="042D85"/>
-                </a:solidFill>
-                <a:effectLst>
-                  <a:outerShdw blurRad="38100" dist="19050" dir="2700000" algn="tl" rotWithShape="0">
-                    <a:schemeClr val="dk1">
-                      <a:alpha val="40000"/>
-                    </a:schemeClr>
-                  </a:outerShdw>
-                </a:effectLst>
-                <a:latin typeface="Times New Roman" panose="02020603050405020304" pitchFamily="18" charset="0"/>
-                <a:cs typeface="Times New Roman" panose="02020603050405020304" pitchFamily="18" charset="0"/>
-              </a:rPr>
-              <a:t>Correlation of Data</a:t>
-            </a:r>
-          </a:p>
-          <a:p>
-            <a:pPr algn="just">
-              <a:lnSpc>
-                <a:spcPct val="150000"/>
-              </a:lnSpc>
-            </a:pPr>
-            <a:endParaRPr lang="en-US" sz="2400" b="1" dirty="0">
-              <a:ln w="0"/>
-              <a:gradFill>
-                <a:gsLst>
-                  <a:gs pos="0">
-                    <a:srgbClr val="012D86"/>
-                  </a:gs>
-                  <a:gs pos="100000">
-                    <a:srgbClr val="0E2557"/>
-                  </a:gs>
-                </a:gsLst>
-                <a:lin scaled="0"/>
-              </a:gradFill>
-              <a:effectLst>
-                <a:outerShdw blurRad="38100" dist="19050" dir="2700000" algn="tl" rotWithShape="0">
-                  <a:schemeClr val="dk1">
-                    <a:alpha val="40000"/>
-                  </a:schemeClr>
-                </a:outerShdw>
-              </a:effectLst>
-              <a:latin typeface="Times New Roman" panose="02020603050405020304" pitchFamily="18" charset="0"/>
-              <a:cs typeface="Times New Roman" panose="02020603050405020304" pitchFamily="18" charset="0"/>
-            </a:endParaRPr>
-          </a:p>
-          <a:p>
-            <a:pPr algn="just">
-              <a:lnSpc>
-                <a:spcPct val="150000"/>
-              </a:lnSpc>
-            </a:pPr>
-            <a:endParaRPr lang="en-US" sz="2400" b="1" dirty="0">
-              <a:ln w="0"/>
-              <a:gradFill>
-                <a:gsLst>
-                  <a:gs pos="0">
-                    <a:srgbClr val="012D86"/>
-                  </a:gs>
-                  <a:gs pos="100000">
-                    <a:srgbClr val="0E2557"/>
-                  </a:gs>
-                </a:gsLst>
-                <a:lin scaled="0"/>
-              </a:gradFill>
-              <a:effectLst>
-                <a:outerShdw blurRad="38100" dist="19050" dir="2700000" algn="tl" rotWithShape="0">
-                  <a:schemeClr val="dk1">
-                    <a:alpha val="40000"/>
-                  </a:schemeClr>
-                </a:outerShdw>
-              </a:effectLst>
-              <a:latin typeface="Times New Roman" panose="02020603050405020304" pitchFamily="18" charset="0"/>
-              <a:cs typeface="Times New Roman" panose="02020603050405020304" pitchFamily="18" charset="0"/>
-            </a:endParaRPr>
-          </a:p>
-          <a:p>
-            <a:pPr algn="just">
-              <a:lnSpc>
-                <a:spcPct val="150000"/>
-              </a:lnSpc>
-            </a:pPr>
-            <a:endParaRPr lang="en-US" sz="2400" b="1" dirty="0">
-              <a:ln w="0"/>
-              <a:gradFill>
-                <a:gsLst>
-                  <a:gs pos="0">
-                    <a:srgbClr val="012D86"/>
-                  </a:gs>
-                  <a:gs pos="100000">
-                    <a:srgbClr val="0E2557"/>
-                  </a:gs>
-                </a:gsLst>
-                <a:lin scaled="0"/>
-              </a:gradFill>
-              <a:effectLst>
-                <a:outerShdw blurRad="38100" dist="19050" dir="2700000" algn="tl" rotWithShape="0">
-                  <a:schemeClr val="dk1">
-                    <a:alpha val="40000"/>
-                  </a:schemeClr>
-                </a:outerShdw>
-              </a:effectLst>
-              <a:latin typeface="Times New Roman" panose="02020603050405020304" pitchFamily="18" charset="0"/>
-              <a:cs typeface="Times New Roman" panose="02020603050405020304" pitchFamily="18" charset="0"/>
-            </a:endParaRPr>
-          </a:p>
-          <a:p>
-            <a:pPr algn="just">
-              <a:lnSpc>
-                <a:spcPct val="150000"/>
-              </a:lnSpc>
-            </a:pPr>
-            <a:endParaRPr lang="en-US" sz="2400" b="1" dirty="0">
-              <a:ln w="0"/>
-              <a:gradFill>
-                <a:gsLst>
-                  <a:gs pos="0">
-                    <a:srgbClr val="012D86"/>
-                  </a:gs>
-                  <a:gs pos="100000">
-                    <a:srgbClr val="0E2557"/>
-                  </a:gs>
-                </a:gsLst>
-                <a:lin scaled="0"/>
-              </a:gradFill>
-              <a:effectLst>
-                <a:outerShdw blurRad="38100" dist="19050" dir="2700000" algn="tl" rotWithShape="0">
-                  <a:schemeClr val="dk1">
-                    <a:alpha val="40000"/>
-                  </a:schemeClr>
-                </a:outerShdw>
-              </a:effectLst>
-              <a:latin typeface="Times New Roman" panose="02020603050405020304" pitchFamily="18" charset="0"/>
-              <a:cs typeface="Times New Roman" panose="02020603050405020304" pitchFamily="18" charset="0"/>
-            </a:endParaRPr>
-          </a:p>
-          <a:p>
-            <a:pPr algn="just">
-              <a:lnSpc>
-                <a:spcPct val="150000"/>
-              </a:lnSpc>
-            </a:pPr>
-            <a:endParaRPr lang="en-US" sz="2400" b="1" dirty="0">
-              <a:ln w="0"/>
-              <a:gradFill>
-                <a:gsLst>
-                  <a:gs pos="0">
-                    <a:srgbClr val="012D86"/>
-                  </a:gs>
-                  <a:gs pos="100000">
-                    <a:srgbClr val="0E2557"/>
-                  </a:gs>
-                </a:gsLst>
-                <a:lin scaled="0"/>
-              </a:gradFill>
-              <a:effectLst>
-                <a:outerShdw blurRad="38100" dist="19050" dir="2700000" algn="tl" rotWithShape="0">
-                  <a:schemeClr val="dk1">
-                    <a:alpha val="40000"/>
-                  </a:schemeClr>
-                </a:outerShdw>
-              </a:effectLst>
-              <a:latin typeface="Times New Roman" panose="02020603050405020304" pitchFamily="18" charset="0"/>
-              <a:cs typeface="Times New Roman" panose="02020603050405020304" pitchFamily="18" charset="0"/>
-            </a:endParaRPr>
-          </a:p>
-          <a:p>
-            <a:pPr algn="just">
-              <a:lnSpc>
-                <a:spcPct val="150000"/>
-              </a:lnSpc>
-            </a:pPr>
-            <a:endParaRPr lang="en-US" sz="2400" b="1" dirty="0">
-              <a:ln w="0"/>
-              <a:gradFill>
-                <a:gsLst>
-                  <a:gs pos="0">
-                    <a:srgbClr val="012D86"/>
-                  </a:gs>
-                  <a:gs pos="100000">
-                    <a:srgbClr val="0E2557"/>
-                  </a:gs>
-                </a:gsLst>
-                <a:lin scaled="0"/>
-              </a:gradFill>
-              <a:effectLst>
-                <a:outerShdw blurRad="38100" dist="19050" dir="2700000" algn="tl" rotWithShape="0">
-                  <a:schemeClr val="dk1">
-                    <a:alpha val="40000"/>
-                  </a:schemeClr>
-                </a:outerShdw>
-              </a:effectLst>
-              <a:latin typeface="Times New Roman" panose="02020603050405020304" pitchFamily="18" charset="0"/>
-              <a:cs typeface="Times New Roman" panose="02020603050405020304" pitchFamily="18" charset="0"/>
-            </a:endParaRPr>
-          </a:p>
-          <a:p>
-            <a:pPr algn="just">
-              <a:lnSpc>
-                <a:spcPct val="150000"/>
-              </a:lnSpc>
-            </a:pPr>
-            <a:endParaRPr lang="en-US" sz="2400" b="1" dirty="0">
-              <a:ln w="0"/>
-              <a:gradFill>
-                <a:gsLst>
-                  <a:gs pos="0">
-                    <a:srgbClr val="012D86"/>
-                  </a:gs>
-                  <a:gs pos="100000">
-                    <a:srgbClr val="0E2557"/>
-                  </a:gs>
-                </a:gsLst>
-                <a:lin scaled="0"/>
-              </a:gradFill>
-              <a:effectLst>
-                <a:outerShdw blurRad="38100" dist="19050" dir="2700000" algn="tl" rotWithShape="0">
-                  <a:schemeClr val="dk1">
-                    <a:alpha val="40000"/>
-                  </a:schemeClr>
-                </a:outerShdw>
-              </a:effectLst>
-              <a:latin typeface="Times New Roman" panose="02020603050405020304" pitchFamily="18" charset="0"/>
-              <a:cs typeface="Times New Roman" panose="02020603050405020304" pitchFamily="18" charset="0"/>
-            </a:endParaRPr>
-          </a:p>
-          <a:p>
-            <a:pPr algn="just"/>
-            <a:endParaRPr lang="en-US" sz="2000" b="1" dirty="0">
-              <a:ln w="0"/>
-              <a:gradFill>
-                <a:gsLst>
-                  <a:gs pos="0">
-                    <a:srgbClr val="012D86"/>
-                  </a:gs>
-                  <a:gs pos="100000">
-                    <a:srgbClr val="0E2557"/>
-                  </a:gs>
-                </a:gsLst>
-                <a:lin scaled="0"/>
-              </a:gradFill>
-              <a:effectLst>
-                <a:outerShdw blurRad="38100" dist="19050" dir="2700000" algn="tl" rotWithShape="0">
-                  <a:schemeClr val="dk1">
-                    <a:alpha val="40000"/>
-                  </a:schemeClr>
-                </a:outerShdw>
-              </a:effectLst>
-              <a:latin typeface="Times New Roman" panose="02020603050405020304" pitchFamily="18" charset="0"/>
-              <a:cs typeface="Times New Roman" panose="02020603050405020304" pitchFamily="18" charset="0"/>
-            </a:endParaRPr>
-          </a:p>
-          <a:p>
-            <a:pPr algn="just"/>
-            <a:r>
-              <a:rPr lang="en-US" sz="2000" b="0" i="0" dirty="0">
-                <a:solidFill>
-                  <a:srgbClr val="042D85"/>
-                </a:solidFill>
-                <a:effectLst/>
-                <a:latin typeface="Times New Roman" panose="02020603050405020304" pitchFamily="18" charset="0"/>
-                <a:cs typeface="Times New Roman" panose="02020603050405020304" pitchFamily="18" charset="0"/>
-              </a:rPr>
-              <a:t>Correlation is </a:t>
-            </a:r>
-            <a:r>
-              <a:rPr lang="en-US" sz="2000" i="0" dirty="0">
-                <a:solidFill>
-                  <a:srgbClr val="042D85"/>
-                </a:solidFill>
-                <a:effectLst/>
-                <a:latin typeface="Times New Roman" panose="02020603050405020304" pitchFamily="18" charset="0"/>
-                <a:cs typeface="Times New Roman" panose="02020603050405020304" pitchFamily="18" charset="0"/>
-              </a:rPr>
-              <a:t>used to find the relationship between two variables </a:t>
-            </a:r>
-            <a:r>
-              <a:rPr lang="en-US" sz="2000" b="0" i="0" dirty="0">
-                <a:solidFill>
-                  <a:srgbClr val="042D85"/>
-                </a:solidFill>
-                <a:effectLst/>
-                <a:latin typeface="Times New Roman" panose="02020603050405020304" pitchFamily="18" charset="0"/>
-                <a:cs typeface="Times New Roman" panose="02020603050405020304" pitchFamily="18" charset="0"/>
-              </a:rPr>
-              <a:t>which is important in real life because we can predict the value of one variable with the help of other variables, who is being correlated with it. </a:t>
-            </a:r>
-          </a:p>
-        </p:txBody>
-      </p:sp>
       <p:pic>
         <p:nvPicPr>
-          <p:cNvPr id="6" name="Picture 5">
+          <p:cNvPr id="4" name="Picture 3">
             <a:extLst>
               <a:ext uri="{FF2B5EF4-FFF2-40B4-BE49-F238E27FC236}">
-                <a16:creationId xmlns:a16="http://schemas.microsoft.com/office/drawing/2014/main" id="{EFDCDE8D-3F08-431F-841E-3938071B516D}"/>
+                <a16:creationId xmlns:a16="http://schemas.microsoft.com/office/drawing/2014/main" id="{CD208368-7FBA-CB12-FC74-FB3BA2B35488}"/>
               </a:ext>
             </a:extLst>
           </p:cNvPr>
@@ -12798,7 +13351,7 @@
           <p:nvPr/>
         </p:nvPicPr>
         <p:blipFill>
-          <a:blip r:embed="rId2">
+          <a:blip r:embed="rId3">
             <a:extLst>
               <a:ext uri="{28A0092B-C50C-407E-A947-70E740481C1C}">
                 <a14:useLocalDpi xmlns:a14="http://schemas.microsoft.com/office/drawing/2010/main" val="0"/>
@@ -12811,54 +13364,48 @@
         </p:blipFill>
         <p:spPr>
           <a:xfrm>
-            <a:off x="1353379" y="1941921"/>
-            <a:ext cx="9485239" cy="4072380"/>
+            <a:off x="226695" y="1142681"/>
+            <a:ext cx="11202963" cy="4207795"/>
           </a:xfrm>
           <a:prstGeom prst="rect">
             <a:avLst/>
           </a:prstGeom>
-        </p:spPr>
-      </p:pic>
-      <p:pic>
-        <p:nvPicPr>
-          <p:cNvPr id="5" name="Picture 4">
-            <a:extLst>
-              <a:ext uri="{FF2B5EF4-FFF2-40B4-BE49-F238E27FC236}">
-                <a16:creationId xmlns:a16="http://schemas.microsoft.com/office/drawing/2014/main" id="{8EDF270E-7835-4A41-91C4-EE3ED89655F0}"/>
-              </a:ext>
-            </a:extLst>
-          </p:cNvPr>
-          <p:cNvPicPr>
-            <a:picLocks noChangeAspect="1"/>
-          </p:cNvPicPr>
-          <p:nvPr/>
-        </p:nvPicPr>
-        <p:blipFill>
-          <a:blip r:embed="rId3" cstate="print">
-            <a:extLst>
-              <a:ext uri="{28A0092B-C50C-407E-A947-70E740481C1C}">
-                <a14:useLocalDpi xmlns:a14="http://schemas.microsoft.com/office/drawing/2010/main" val="0"/>
-              </a:ext>
-            </a:extLst>
-          </a:blip>
-          <a:stretch>
-            <a:fillRect/>
-          </a:stretch>
-        </p:blipFill>
-        <p:spPr>
-          <a:xfrm>
-            <a:off x="11639150" y="101864"/>
-            <a:ext cx="463748" cy="463748"/>
-          </a:xfrm>
-          <a:prstGeom prst="rect">
-            <a:avLst/>
-          </a:prstGeom>
+          <a:solidFill>
+            <a:srgbClr val="FFFFFF">
+              <a:shade val="85000"/>
+            </a:srgbClr>
+          </a:solidFill>
+          <a:ln w="88900" cap="sq">
+            <a:solidFill>
+              <a:srgbClr val="FFFFFF"/>
+            </a:solidFill>
+            <a:miter lim="800000"/>
+          </a:ln>
+          <a:effectLst>
+            <a:outerShdw blurRad="55000" dist="18000" dir="5400000" algn="tl" rotWithShape="0">
+              <a:srgbClr val="000000">
+                <a:alpha val="40000"/>
+              </a:srgbClr>
+            </a:outerShdw>
+          </a:effectLst>
+          <a:scene3d>
+            <a:camera prst="orthographicFront"/>
+            <a:lightRig rig="twoPt" dir="t">
+              <a:rot lat="0" lon="0" rev="7200000"/>
+            </a:lightRig>
+          </a:scene3d>
+          <a:sp3d>
+            <a:bevelT w="25400" h="19050"/>
+            <a:contourClr>
+              <a:srgbClr val="FFFFFF"/>
+            </a:contourClr>
+          </a:sp3d>
         </p:spPr>
       </p:pic>
     </p:spTree>
     <p:extLst>
       <p:ext uri="{BB962C8B-B14F-4D97-AF65-F5344CB8AC3E}">
-        <p14:creationId xmlns:p14="http://schemas.microsoft.com/office/powerpoint/2010/main" val="1914088033"/>
+        <p14:creationId xmlns:p14="http://schemas.microsoft.com/office/powerpoint/2010/main" val="2536700386"/>
       </p:ext>
     </p:extLst>
   </p:cSld>
@@ -12905,8 +13452,8 @@
         </p:nvSpPr>
         <p:spPr>
           <a:xfrm>
-            <a:off x="226695" y="256505"/>
-            <a:ext cx="11738610" cy="6612388"/>
+            <a:off x="226694" y="237651"/>
+            <a:ext cx="11738610" cy="6647974"/>
           </a:xfrm>
           <a:prstGeom prst="rect">
             <a:avLst/>
@@ -12936,7 +13483,61 @@
                 <a:latin typeface="Times New Roman" panose="02020603050405020304" pitchFamily="18" charset="0"/>
                 <a:cs typeface="Times New Roman" panose="02020603050405020304" pitchFamily="18" charset="0"/>
               </a:rPr>
-              <a:t>Total Number of Application in each category</a:t>
+              <a:t>Bivariate Analysis</a:t>
+            </a:r>
+          </a:p>
+          <a:p>
+            <a:pPr algn="just"/>
+            <a:r>
+              <a:rPr lang="en-US" sz="2000" b="0" i="0" dirty="0">
+                <a:solidFill>
+                  <a:srgbClr val="042D85"/>
+                </a:solidFill>
+                <a:effectLst/>
+                <a:latin typeface="Times New Roman" panose="02020603050405020304" pitchFamily="18" charset="0"/>
+                <a:cs typeface="Times New Roman" panose="02020603050405020304" pitchFamily="18" charset="0"/>
+              </a:rPr>
+              <a:t>Bivariate analysis is one of the simplest forms of quantitative analysis. It involves the analysis of two variables, for the purpose of determining the empirical relationship between them.</a:t>
+            </a:r>
+            <a:endParaRPr lang="en-US" sz="2400" b="1" dirty="0">
+              <a:ln w="0"/>
+              <a:solidFill>
+                <a:srgbClr val="042D85"/>
+              </a:solidFill>
+              <a:effectLst>
+                <a:outerShdw blurRad="38100" dist="19050" dir="2700000" algn="tl" rotWithShape="0">
+                  <a:schemeClr val="dk1">
+                    <a:alpha val="40000"/>
+                  </a:schemeClr>
+                </a:outerShdw>
+              </a:effectLst>
+              <a:latin typeface="Times New Roman" panose="02020603050405020304" pitchFamily="18" charset="0"/>
+              <a:cs typeface="Times New Roman" panose="02020603050405020304" pitchFamily="18" charset="0"/>
+            </a:endParaRPr>
+          </a:p>
+          <a:p>
+            <a:pPr algn="just">
+              <a:lnSpc>
+                <a:spcPct val="150000"/>
+              </a:lnSpc>
+            </a:pPr>
+            <a:r>
+              <a:rPr lang="en-US" sz="2800" b="1" dirty="0">
+                <a:ln w="0"/>
+                <a:solidFill>
+                  <a:srgbClr val="042D85"/>
+                </a:solidFill>
+                <a:effectLst>
+                  <a:outerShdw blurRad="38100" dist="19050" dir="2700000" algn="tl" rotWithShape="0">
+                    <a:schemeClr val="dk1">
+                      <a:alpha val="40000"/>
+                    </a:schemeClr>
+                  </a:outerShdw>
+                </a:effectLst>
+                <a:latin typeface="Times New Roman" panose="02020603050405020304" pitchFamily="18" charset="0"/>
+                <a:cs typeface="Times New Roman" panose="02020603050405020304" pitchFamily="18" charset="0"/>
+              </a:rPr>
+              <a:t>Correlation of Data</a:t>
             </a:r>
           </a:p>
           <a:p>
@@ -13150,74 +13751,66 @@
             </a:endParaRPr>
           </a:p>
           <a:p>
-            <a:pPr algn="just">
-              <a:lnSpc>
-                <a:spcPct val="150000"/>
-              </a:lnSpc>
-            </a:pPr>
-            <a:endParaRPr lang="en-US" sz="2400" dirty="0">
-              <a:solidFill>
-                <a:schemeClr val="accent1">
-                  <a:lumMod val="50000"/>
-                </a:schemeClr>
-              </a:solidFill>
-              <a:latin typeface="Times New Roman" panose="02020603050405020304" pitchFamily="18" charset="0"/>
-            </a:endParaRPr>
-          </a:p>
-          <a:p>
-            <a:pPr algn="just">
-              <a:lnSpc>
-                <a:spcPct val="150000"/>
-              </a:lnSpc>
-            </a:pPr>
-            <a:endParaRPr lang="en-US" sz="2400" b="0" i="0" u="none" strike="noStrike" baseline="0" dirty="0">
-              <a:solidFill>
-                <a:schemeClr val="accent1">
-                  <a:lumMod val="50000"/>
-                </a:schemeClr>
-              </a:solidFill>
-              <a:latin typeface="Times New Roman" panose="02020603050405020304" pitchFamily="18" charset="0"/>
-            </a:endParaRPr>
-          </a:p>
-          <a:p>
-            <a:pPr algn="just">
-              <a:lnSpc>
-                <a:spcPct val="150000"/>
-              </a:lnSpc>
-            </a:pPr>
-            <a:endParaRPr lang="en-US" sz="2400" b="0" i="0" u="none" strike="noStrike" baseline="0" dirty="0">
-              <a:solidFill>
-                <a:srgbClr val="042D85"/>
-              </a:solidFill>
-              <a:latin typeface="Times New Roman" panose="02020603050405020304" pitchFamily="18" charset="0"/>
-            </a:endParaRPr>
-          </a:p>
-          <a:p>
             <a:pPr algn="just"/>
-            <a:r>
-              <a:rPr lang="en-US" sz="2400" b="0" i="0" u="none" strike="noStrike" baseline="0" dirty="0">
+            <a:endParaRPr lang="en-US" sz="2000" b="1" dirty="0">
+              <a:ln w="0"/>
+              <a:gradFill>
+                <a:gsLst>
+                  <a:gs pos="0">
+                    <a:srgbClr val="012D86"/>
+                  </a:gs>
+                  <a:gs pos="100000">
+                    <a:srgbClr val="0E2557"/>
+                  </a:gs>
+                </a:gsLst>
+                <a:lin scaled="0"/>
+              </a:gradFill>
+              <a:effectLst>
+                <a:outerShdw blurRad="38100" dist="19050" dir="2700000" algn="tl" rotWithShape="0">
+                  <a:schemeClr val="dk1">
+                    <a:alpha val="40000"/>
+                  </a:schemeClr>
+                </a:outerShdw>
+              </a:effectLst>
+              <a:latin typeface="Times New Roman" panose="02020603050405020304" pitchFamily="18" charset="0"/>
+              <a:cs typeface="Times New Roman" panose="02020603050405020304" pitchFamily="18" charset="0"/>
+            </a:endParaRPr>
+          </a:p>
+          <a:p>
+            <a:pPr algn="just"/>
+            <a:r>
+              <a:rPr lang="en-US" sz="2000" b="0" i="0" dirty="0">
                 <a:solidFill>
                   <a:srgbClr val="042D85"/>
                 </a:solidFill>
-                <a:latin typeface="Times New Roman" panose="02020603050405020304" pitchFamily="18" charset="0"/>
-              </a:rPr>
-              <a:t>From the above graph, we can see the total number of applications in each category. </a:t>
-            </a:r>
-            <a:endParaRPr lang="en-US" sz="3200" b="1" dirty="0">
-              <a:ln w="0"/>
-              <a:solidFill>
-                <a:srgbClr val="042D85"/>
-              </a:solidFill>
-              <a:effectLst>
-                <a:outerShdw blurRad="38100" dist="19050" dir="2700000" algn="tl" rotWithShape="0">
-                  <a:schemeClr val="dk1">
-                    <a:alpha val="40000"/>
-                  </a:schemeClr>
-                </a:outerShdw>
-              </a:effectLst>
-              <a:latin typeface="Times New Roman" panose="02020603050405020304" pitchFamily="18" charset="0"/>
-              <a:cs typeface="Times New Roman" panose="02020603050405020304" pitchFamily="18" charset="0"/>
-            </a:endParaRPr>
+                <a:effectLst/>
+                <a:latin typeface="Times New Roman" panose="02020603050405020304" pitchFamily="18" charset="0"/>
+                <a:cs typeface="Times New Roman" panose="02020603050405020304" pitchFamily="18" charset="0"/>
+              </a:rPr>
+              <a:t>Correlation is </a:t>
+            </a:r>
+            <a:r>
+              <a:rPr lang="en-US" sz="2000" i="0" dirty="0">
+                <a:solidFill>
+                  <a:srgbClr val="042D85"/>
+                </a:solidFill>
+                <a:effectLst/>
+                <a:latin typeface="Times New Roman" panose="02020603050405020304" pitchFamily="18" charset="0"/>
+                <a:cs typeface="Times New Roman" panose="02020603050405020304" pitchFamily="18" charset="0"/>
+              </a:rPr>
+              <a:t>used to find the relationship between two variables </a:t>
+            </a:r>
+            <a:r>
+              <a:rPr lang="en-US" sz="2000" b="0" i="0" dirty="0">
+                <a:solidFill>
+                  <a:srgbClr val="042D85"/>
+                </a:solidFill>
+                <a:effectLst/>
+                <a:latin typeface="Times New Roman" panose="02020603050405020304" pitchFamily="18" charset="0"/>
+                <a:cs typeface="Times New Roman" panose="02020603050405020304" pitchFamily="18" charset="0"/>
+              </a:rPr>
+              <a:t>which is important in real life because we can predict the value of one variable with the help of other variables, who is being correlated with it. </a:t>
+            </a:r>
           </a:p>
         </p:txBody>
       </p:sp>
@@ -13226,7 +13819,7 @@
           <p:cNvPr id="5" name="Picture 4">
             <a:extLst>
               <a:ext uri="{FF2B5EF4-FFF2-40B4-BE49-F238E27FC236}">
-                <a16:creationId xmlns:a16="http://schemas.microsoft.com/office/drawing/2014/main" id="{B4F7FB70-2243-42FD-9F41-29F879FEE4E1}"/>
+                <a16:creationId xmlns:a16="http://schemas.microsoft.com/office/drawing/2014/main" id="{8EDF270E-7835-4A41-91C4-EE3ED89655F0}"/>
               </a:ext>
             </a:extLst>
           </p:cNvPr>
@@ -13236,43 +13829,7 @@
           <p:nvPr/>
         </p:nvPicPr>
         <p:blipFill>
-          <a:blip r:embed="rId2">
-            <a:extLst>
-              <a:ext uri="{28A0092B-C50C-407E-A947-70E740481C1C}">
-                <a14:useLocalDpi xmlns:a14="http://schemas.microsoft.com/office/drawing/2010/main" val="0"/>
-              </a:ext>
-            </a:extLst>
-          </a:blip>
-          <a:stretch>
-            <a:fillRect/>
-          </a:stretch>
-        </p:blipFill>
-        <p:spPr>
-          <a:xfrm>
-            <a:off x="360199" y="904973"/>
-            <a:ext cx="11471602" cy="5260157"/>
-          </a:xfrm>
-          <a:prstGeom prst="rect">
-            <a:avLst/>
-          </a:prstGeom>
-        </p:spPr>
-      </p:pic>
-      <p:pic>
-        <p:nvPicPr>
-          <p:cNvPr id="6" name="Picture 5">
-            <a:extLst>
-              <a:ext uri="{FF2B5EF4-FFF2-40B4-BE49-F238E27FC236}">
-                <a16:creationId xmlns:a16="http://schemas.microsoft.com/office/drawing/2014/main" id="{656C0656-014E-4ECB-8EBF-5EDA5B7F234C}"/>
-              </a:ext>
-            </a:extLst>
-          </p:cNvPr>
-          <p:cNvPicPr>
-            <a:picLocks noChangeAspect="1"/>
-          </p:cNvPicPr>
-          <p:nvPr/>
-        </p:nvPicPr>
-        <p:blipFill>
-          <a:blip r:embed="rId3" cstate="print">
+          <a:blip r:embed="rId2" cstate="print">
             <a:extLst>
               <a:ext uri="{28A0092B-C50C-407E-A947-70E740481C1C}">
                 <a14:useLocalDpi xmlns:a14="http://schemas.microsoft.com/office/drawing/2010/main" val="0"/>
@@ -13293,10 +13850,76 @@
           </a:prstGeom>
         </p:spPr>
       </p:pic>
+      <p:pic>
+        <p:nvPicPr>
+          <p:cNvPr id="4" name="Picture 3">
+            <a:extLst>
+              <a:ext uri="{FF2B5EF4-FFF2-40B4-BE49-F238E27FC236}">
+                <a16:creationId xmlns:a16="http://schemas.microsoft.com/office/drawing/2014/main" id="{4E66CFB7-CD09-FB9A-346C-6340517F781D}"/>
+              </a:ext>
+            </a:extLst>
+          </p:cNvPr>
+          <p:cNvPicPr>
+            <a:picLocks noChangeAspect="1"/>
+          </p:cNvPicPr>
+          <p:nvPr/>
+        </p:nvPicPr>
+        <p:blipFill>
+          <a:blip r:embed="rId3">
+            <a:extLst>
+              <a:ext uri="{28A0092B-C50C-407E-A947-70E740481C1C}">
+                <a14:useLocalDpi xmlns:a14="http://schemas.microsoft.com/office/drawing/2010/main" val="0"/>
+              </a:ext>
+            </a:extLst>
+          </a:blip>
+          <a:stretch>
+            <a:fillRect/>
+          </a:stretch>
+        </p:blipFill>
+        <p:spPr>
+          <a:xfrm>
+            <a:off x="1654625" y="2050522"/>
+            <a:ext cx="8882750" cy="4050121"/>
+          </a:xfrm>
+          <a:prstGeom prst="rect">
+            <a:avLst/>
+          </a:prstGeom>
+          <a:solidFill>
+            <a:srgbClr val="FFFFFF">
+              <a:shade val="85000"/>
+            </a:srgbClr>
+          </a:solidFill>
+          <a:ln w="88900" cap="sq">
+            <a:solidFill>
+              <a:srgbClr val="FFFFFF"/>
+            </a:solidFill>
+            <a:miter lim="800000"/>
+          </a:ln>
+          <a:effectLst>
+            <a:outerShdw blurRad="55000" dist="18000" dir="5400000" algn="tl" rotWithShape="0">
+              <a:srgbClr val="000000">
+                <a:alpha val="40000"/>
+              </a:srgbClr>
+            </a:outerShdw>
+          </a:effectLst>
+          <a:scene3d>
+            <a:camera prst="orthographicFront"/>
+            <a:lightRig rig="twoPt" dir="t">
+              <a:rot lat="0" lon="0" rev="7200000"/>
+            </a:lightRig>
+          </a:scene3d>
+          <a:sp3d>
+            <a:bevelT w="25400" h="19050"/>
+            <a:contourClr>
+              <a:srgbClr val="FFFFFF"/>
+            </a:contourClr>
+          </a:sp3d>
+        </p:spPr>
+      </p:pic>
     </p:spTree>
     <p:extLst>
       <p:ext uri="{BB962C8B-B14F-4D97-AF65-F5344CB8AC3E}">
-        <p14:creationId xmlns:p14="http://schemas.microsoft.com/office/powerpoint/2010/main" val="982247279"/>
+        <p14:creationId xmlns:p14="http://schemas.microsoft.com/office/powerpoint/2010/main" val="1914088033"/>
       </p:ext>
     </p:extLst>
   </p:cSld>

--- a/EDA_Presentation.pptx
+++ b/EDA_Presentation.pptx
@@ -271,7 +271,7 @@
           <a:p>
             <a:fld id="{313D6DBE-1EC8-4F21-8C1A-F9AC36007C69}" type="datetimeFigureOut">
               <a:rPr lang="en-IN" smtClean="0"/>
-              <a:t>04-05-2022</a:t>
+              <a:t>07-05-2022</a:t>
             </a:fld>
             <a:endParaRPr lang="en-IN"/>
           </a:p>
@@ -436,7 +436,7 @@
           <a:p>
             <a:fld id="{313D6DBE-1EC8-4F21-8C1A-F9AC36007C69}" type="datetimeFigureOut">
               <a:rPr lang="en-IN" smtClean="0"/>
-              <a:t>04-05-2022</a:t>
+              <a:t>07-05-2022</a:t>
             </a:fld>
             <a:endParaRPr lang="en-IN"/>
           </a:p>
@@ -611,7 +611,7 @@
           <a:p>
             <a:fld id="{313D6DBE-1EC8-4F21-8C1A-F9AC36007C69}" type="datetimeFigureOut">
               <a:rPr lang="en-IN" smtClean="0"/>
-              <a:t>04-05-2022</a:t>
+              <a:t>07-05-2022</a:t>
             </a:fld>
             <a:endParaRPr lang="en-IN"/>
           </a:p>
@@ -776,7 +776,7 @@
           <a:p>
             <a:fld id="{313D6DBE-1EC8-4F21-8C1A-F9AC36007C69}" type="datetimeFigureOut">
               <a:rPr lang="en-IN" smtClean="0"/>
-              <a:t>04-05-2022</a:t>
+              <a:t>07-05-2022</a:t>
             </a:fld>
             <a:endParaRPr lang="en-IN"/>
           </a:p>
@@ -1017,7 +1017,7 @@
           <a:p>
             <a:fld id="{313D6DBE-1EC8-4F21-8C1A-F9AC36007C69}" type="datetimeFigureOut">
               <a:rPr lang="en-IN" smtClean="0"/>
-              <a:t>04-05-2022</a:t>
+              <a:t>07-05-2022</a:t>
             </a:fld>
             <a:endParaRPr lang="en-IN"/>
           </a:p>
@@ -1244,7 +1244,7 @@
           <a:p>
             <a:fld id="{313D6DBE-1EC8-4F21-8C1A-F9AC36007C69}" type="datetimeFigureOut">
               <a:rPr lang="en-IN" smtClean="0"/>
-              <a:t>04-05-2022</a:t>
+              <a:t>07-05-2022</a:t>
             </a:fld>
             <a:endParaRPr lang="en-IN"/>
           </a:p>
@@ -1606,7 +1606,7 @@
           <a:p>
             <a:fld id="{313D6DBE-1EC8-4F21-8C1A-F9AC36007C69}" type="datetimeFigureOut">
               <a:rPr lang="en-IN" smtClean="0"/>
-              <a:t>04-05-2022</a:t>
+              <a:t>07-05-2022</a:t>
             </a:fld>
             <a:endParaRPr lang="en-IN"/>
           </a:p>
@@ -1719,7 +1719,7 @@
           <a:p>
             <a:fld id="{313D6DBE-1EC8-4F21-8C1A-F9AC36007C69}" type="datetimeFigureOut">
               <a:rPr lang="en-IN" smtClean="0"/>
-              <a:t>04-05-2022</a:t>
+              <a:t>07-05-2022</a:t>
             </a:fld>
             <a:endParaRPr lang="en-IN"/>
           </a:p>
@@ -1809,7 +1809,7 @@
           <a:p>
             <a:fld id="{313D6DBE-1EC8-4F21-8C1A-F9AC36007C69}" type="datetimeFigureOut">
               <a:rPr lang="en-IN" smtClean="0"/>
-              <a:t>04-05-2022</a:t>
+              <a:t>07-05-2022</a:t>
             </a:fld>
             <a:endParaRPr lang="en-IN"/>
           </a:p>
@@ -2081,7 +2081,7 @@
           <a:p>
             <a:fld id="{313D6DBE-1EC8-4F21-8C1A-F9AC36007C69}" type="datetimeFigureOut">
               <a:rPr lang="en-IN" smtClean="0"/>
-              <a:t>04-05-2022</a:t>
+              <a:t>07-05-2022</a:t>
             </a:fld>
             <a:endParaRPr lang="en-IN"/>
           </a:p>
@@ -2329,7 +2329,7 @@
           <a:p>
             <a:fld id="{313D6DBE-1EC8-4F21-8C1A-F9AC36007C69}" type="datetimeFigureOut">
               <a:rPr lang="en-IN" smtClean="0"/>
-              <a:t>04-05-2022</a:t>
+              <a:t>07-05-2022</a:t>
             </a:fld>
             <a:endParaRPr lang="en-IN"/>
           </a:p>
@@ -2537,7 +2537,7 @@
           <a:p>
             <a:fld id="{313D6DBE-1EC8-4F21-8C1A-F9AC36007C69}" type="datetimeFigureOut">
               <a:rPr lang="en-IN" smtClean="0"/>
-              <a:t>04-05-2022</a:t>
+              <a:t>07-05-2022</a:t>
             </a:fld>
             <a:endParaRPr lang="en-IN"/>
           </a:p>
@@ -10629,21 +10629,43 @@
               <a:t> - </a:t>
             </a:r>
             <a:r>
+              <a:rPr lang="en-US" sz="2000" b="1" dirty="0">
+                <a:ln w="0"/>
+                <a:solidFill>
+                  <a:srgbClr val="042D85"/>
+                </a:solidFill>
+                <a:latin typeface="Times New Roman" panose="02020603050405020304" pitchFamily="18" charset="0"/>
+                <a:cs typeface="Times New Roman" panose="02020603050405020304" pitchFamily="18" charset="0"/>
+              </a:rPr>
+              <a:t>M</a:t>
+            </a:r>
+            <a:r>
               <a:rPr lang="en-US" sz="2000" b="1" i="0" dirty="0">
+                <a:solidFill>
+                  <a:srgbClr val="042D85"/>
+                </a:solidFill>
                 <a:effectLst/>
-                <a:latin typeface="arial" panose="020B0604020202020204" pitchFamily="34" charset="0"/>
-              </a:rPr>
-              <a:t>manipulation of tabular data in </a:t>
+                <a:latin typeface="Times New Roman" panose="02020603050405020304" pitchFamily="18" charset="0"/>
+                <a:cs typeface="Times New Roman" panose="02020603050405020304" pitchFamily="18" charset="0"/>
+              </a:rPr>
+              <a:t>anipulation of tabular data in </a:t>
             </a:r>
             <a:r>
               <a:rPr lang="en-US" sz="2000" b="1" i="0" dirty="0" err="1">
+                <a:solidFill>
+                  <a:srgbClr val="042D85"/>
+                </a:solidFill>
                 <a:effectLst/>
-                <a:latin typeface="arial" panose="020B0604020202020204" pitchFamily="34" charset="0"/>
+                <a:latin typeface="Times New Roman" panose="02020603050405020304" pitchFamily="18" charset="0"/>
+                <a:cs typeface="Times New Roman" panose="02020603050405020304" pitchFamily="18" charset="0"/>
               </a:rPr>
               <a:t>Dataframes</a:t>
             </a:r>
             <a:endParaRPr lang="en-US" sz="2000" b="1" dirty="0">
               <a:ln w="0"/>
+              <a:solidFill>
+                <a:srgbClr val="042D85"/>
+              </a:solidFill>
               <a:effectLst>
                 <a:outerShdw blurRad="38100" dist="19050" dir="2700000" algn="tl" rotWithShape="0">
                   <a:schemeClr val="dk1">
@@ -10706,14 +10728,32 @@
               <a:t> - </a:t>
             </a:r>
             <a:r>
+              <a:rPr lang="en-IN" sz="2000" b="1" dirty="0">
+                <a:ln w="0"/>
+                <a:solidFill>
+                  <a:srgbClr val="042D85"/>
+                </a:solidFill>
+                <a:latin typeface="Times New Roman" panose="02020603050405020304" pitchFamily="18" charset="0"/>
+                <a:cs typeface="Times New Roman" panose="02020603050405020304" pitchFamily="18" charset="0"/>
+              </a:rPr>
+              <a:t>M</a:t>
+            </a:r>
+            <a:r>
               <a:rPr lang="en-IN" sz="2000" b="1" i="0" dirty="0">
+                <a:solidFill>
+                  <a:srgbClr val="042D85"/>
+                </a:solidFill>
                 <a:effectLst/>
-                <a:latin typeface="arial" panose="020B0604020202020204" pitchFamily="34" charset="0"/>
-              </a:rPr>
-              <a:t>mathematical operations on arrays</a:t>
+                <a:latin typeface="Times New Roman" panose="02020603050405020304" pitchFamily="18" charset="0"/>
+                <a:cs typeface="Times New Roman" panose="02020603050405020304" pitchFamily="18" charset="0"/>
+              </a:rPr>
+              <a:t>athematical operations on arrays</a:t>
             </a:r>
             <a:endParaRPr lang="en-US" sz="2000" b="1" dirty="0">
               <a:ln w="0"/>
+              <a:solidFill>
+                <a:srgbClr val="042D85"/>
+              </a:solidFill>
               <a:effectLst>
                 <a:outerShdw blurRad="38100" dist="19050" dir="2700000" algn="tl" rotWithShape="0">
                   <a:schemeClr val="dk1">
@@ -10752,10 +10792,13 @@
             <a:r>
               <a:rPr lang="en-US" sz="2000" b="1" dirty="0">
                 <a:ln w="0"/>
+                <a:solidFill>
+                  <a:srgbClr val="042D85"/>
+                </a:solidFill>
                 <a:latin typeface="Times New Roman" panose="02020603050405020304" pitchFamily="18" charset="0"/>
                 <a:cs typeface="Times New Roman" panose="02020603050405020304" pitchFamily="18" charset="0"/>
               </a:rPr>
-              <a:t>visualization</a:t>
+              <a:t>Visualization</a:t>
             </a:r>
           </a:p>
           <a:p>
@@ -10785,27 +10828,14 @@
             <a:r>
               <a:rPr lang="en-US" sz="2000" b="1" dirty="0">
                 <a:ln w="0"/>
+                <a:solidFill>
+                  <a:srgbClr val="042D85"/>
+                </a:solidFill>
                 <a:latin typeface="Times New Roman" panose="02020603050405020304" pitchFamily="18" charset="0"/>
                 <a:cs typeface="Times New Roman" panose="02020603050405020304" pitchFamily="18" charset="0"/>
               </a:rPr>
-              <a:t>visualization</a:t>
-            </a:r>
-            <a:endParaRPr lang="en-US" sz="2000" b="1" dirty="0">
-              <a:ln w="0"/>
-              <a:gradFill>
-                <a:gsLst>
-                  <a:gs pos="0">
-                    <a:srgbClr val="012D86"/>
-                  </a:gs>
-                  <a:gs pos="100000">
-                    <a:srgbClr val="0E2557"/>
-                  </a:gs>
-                </a:gsLst>
-                <a:lin scaled="0"/>
-              </a:gradFill>
-              <a:latin typeface="Times New Roman" panose="02020603050405020304" pitchFamily="18" charset="0"/>
-              <a:cs typeface="Times New Roman" panose="02020603050405020304" pitchFamily="18" charset="0"/>
-            </a:endParaRPr>
+              <a:t>Visualization</a:t>
+            </a:r>
           </a:p>
           <a:p>
             <a:pPr marL="800100" lvl="1" indent="-342900" algn="just">
@@ -10848,29 +10878,54 @@
                 <a:latin typeface="Times New Roman" panose="02020603050405020304" pitchFamily="18" charset="0"/>
                 <a:cs typeface="Times New Roman" panose="02020603050405020304" pitchFamily="18" charset="0"/>
               </a:rPr>
-              <a:t> Express - </a:t>
+              <a:t> Express </a:t>
+            </a:r>
+            <a:r>
+              <a:rPr lang="en-US" sz="2000" b="1">
+                <a:ln w="0"/>
+                <a:gradFill>
+                  <a:gsLst>
+                    <a:gs pos="0">
+                      <a:srgbClr val="012D86"/>
+                    </a:gs>
+                    <a:gs pos="100000">
+                      <a:srgbClr val="0E2557"/>
+                    </a:gs>
+                  </a:gsLst>
+                  <a:lin scaled="0"/>
+                </a:gradFill>
+                <a:latin typeface="Times New Roman" panose="02020603050405020304" pitchFamily="18" charset="0"/>
+                <a:cs typeface="Times New Roman" panose="02020603050405020304" pitchFamily="18" charset="0"/>
+              </a:rPr>
+              <a:t>- </a:t>
             </a:r>
             <a:r>
               <a:rPr lang="en-US" sz="2000" b="1" dirty="0">
                 <a:ln w="0"/>
+                <a:solidFill>
+                  <a:srgbClr val="042D85"/>
+                </a:solidFill>
                 <a:latin typeface="Times New Roman" panose="02020603050405020304" pitchFamily="18" charset="0"/>
                 <a:cs typeface="Times New Roman" panose="02020603050405020304" pitchFamily="18" charset="0"/>
               </a:rPr>
-              <a:t>visualization</a:t>
+              <a:t>V</a:t>
+            </a:r>
+            <a:r>
+              <a:rPr lang="en-US" sz="2000" b="1">
+                <a:ln w="0"/>
+                <a:solidFill>
+                  <a:srgbClr val="042D85"/>
+                </a:solidFill>
+                <a:latin typeface="Times New Roman" panose="02020603050405020304" pitchFamily="18" charset="0"/>
+                <a:cs typeface="Times New Roman" panose="02020603050405020304" pitchFamily="18" charset="0"/>
+              </a:rPr>
+              <a:t>isualization</a:t>
             </a:r>
             <a:endParaRPr lang="en-US" sz="2000" b="1" dirty="0">
               <a:ln w="0"/>
-              <a:gradFill>
-                <a:gsLst>
-                  <a:gs pos="0">
-                    <a:srgbClr val="012D86"/>
-                  </a:gs>
-                  <a:gs pos="100000">
-                    <a:srgbClr val="0E2557"/>
-                  </a:gs>
-                </a:gsLst>
-                <a:lin scaled="0"/>
-              </a:gradFill>
+              <a:solidFill>
+                <a:srgbClr val="042D85"/>
+              </a:solidFill>
               <a:latin typeface="Times New Roman" panose="02020603050405020304" pitchFamily="18" charset="0"/>
               <a:cs typeface="Times New Roman" panose="02020603050405020304" pitchFamily="18" charset="0"/>
             </a:endParaRPr>
